--- a/traktor/mapping_ddj_1000/Support files/Source files/DDJ-1000 - Quick overview.pptx
+++ b/traktor/mapping_ddj_1000/Support files/Source files/DDJ-1000 - Quick overview.pptx
@@ -214,7 +214,7 @@
           <a:p>
             <a:fld id="{FD1106D6-862D-40C1-9815-6CA98A8212E7}" type="datetimeFigureOut">
               <a:rPr lang="en-US" smtClean="0"/>
-              <a:t>10/21/2019</a:t>
+              <a:t>12/30/2019</a:t>
             </a:fld>
             <a:endParaRPr lang="en-US"/>
           </a:p>
@@ -1249,10 +1249,9 @@
           <a:bodyPr/>
           <a:lstStyle/>
           <a:p>
-            <a:fld id="{1D8BD707-D9CF-40AE-B4C6-C98DA3205C09}" type="datetimeFigureOut">
+            <a:fld id="{4A75C5E4-012D-4928-8B8B-0B58FFCAA534}" type="datetime1">
               <a:rPr lang="en-US" smtClean="0"/>
-              <a:pPr/>
-              <a:t>10/21/2019</a:t>
+              <a:t>12/30/2019</a:t>
             </a:fld>
             <a:endParaRPr lang="en-US"/>
           </a:p>
@@ -1416,10 +1415,9 @@
           <a:bodyPr/>
           <a:lstStyle/>
           <a:p>
-            <a:fld id="{1D8BD707-D9CF-40AE-B4C6-C98DA3205C09}" type="datetimeFigureOut">
+            <a:fld id="{5AB14B01-561A-4B3D-8430-A6F142B0E57D}" type="datetime1">
               <a:rPr lang="en-US" smtClean="0"/>
-              <a:pPr/>
-              <a:t>10/21/2019</a:t>
+              <a:t>12/30/2019</a:t>
             </a:fld>
             <a:endParaRPr lang="en-US"/>
           </a:p>
@@ -1593,10 +1591,9 @@
           <a:bodyPr/>
           <a:lstStyle/>
           <a:p>
-            <a:fld id="{1D8BD707-D9CF-40AE-B4C6-C98DA3205C09}" type="datetimeFigureOut">
+            <a:fld id="{5F7EF0EE-FF8C-4D98-AF5B-4DF28D699F9A}" type="datetime1">
               <a:rPr lang="en-US" smtClean="0"/>
-              <a:pPr/>
-              <a:t>10/21/2019</a:t>
+              <a:t>12/30/2019</a:t>
             </a:fld>
             <a:endParaRPr lang="en-US"/>
           </a:p>
@@ -1760,10 +1757,9 @@
           <a:bodyPr/>
           <a:lstStyle/>
           <a:p>
-            <a:fld id="{1D8BD707-D9CF-40AE-B4C6-C98DA3205C09}" type="datetimeFigureOut">
+            <a:fld id="{95FAE2A3-3548-4E55-9046-5BDE40049B07}" type="datetime1">
               <a:rPr lang="en-US" smtClean="0"/>
-              <a:pPr/>
-              <a:t>10/21/2019</a:t>
+              <a:t>12/30/2019</a:t>
             </a:fld>
             <a:endParaRPr lang="en-US"/>
           </a:p>
@@ -2003,10 +1999,9 @@
           <a:bodyPr/>
           <a:lstStyle/>
           <a:p>
-            <a:fld id="{1D8BD707-D9CF-40AE-B4C6-C98DA3205C09}" type="datetimeFigureOut">
+            <a:fld id="{1FF82A4D-BFD9-4A47-B1E1-F6AD8C1BE0FA}" type="datetime1">
               <a:rPr lang="en-US" smtClean="0"/>
-              <a:pPr/>
-              <a:t>10/21/2019</a:t>
+              <a:t>12/30/2019</a:t>
             </a:fld>
             <a:endParaRPr lang="en-US"/>
           </a:p>
@@ -2288,10 +2283,9 @@
           <a:bodyPr/>
           <a:lstStyle/>
           <a:p>
-            <a:fld id="{1D8BD707-D9CF-40AE-B4C6-C98DA3205C09}" type="datetimeFigureOut">
+            <a:fld id="{477A8AD3-E8E6-492D-89B3-9EC59A082C85}" type="datetime1">
               <a:rPr lang="en-US" smtClean="0"/>
-              <a:pPr/>
-              <a:t>10/21/2019</a:t>
+              <a:t>12/30/2019</a:t>
             </a:fld>
             <a:endParaRPr lang="en-US"/>
           </a:p>
@@ -2707,10 +2701,9 @@
           <a:bodyPr/>
           <a:lstStyle/>
           <a:p>
-            <a:fld id="{1D8BD707-D9CF-40AE-B4C6-C98DA3205C09}" type="datetimeFigureOut">
+            <a:fld id="{83900118-B9B8-4877-9C8B-6C574FB17F60}" type="datetime1">
               <a:rPr lang="en-US" smtClean="0"/>
-              <a:pPr/>
-              <a:t>10/21/2019</a:t>
+              <a:t>12/30/2019</a:t>
             </a:fld>
             <a:endParaRPr lang="en-US"/>
           </a:p>
@@ -2822,10 +2815,9 @@
           <a:bodyPr/>
           <a:lstStyle/>
           <a:p>
-            <a:fld id="{1D8BD707-D9CF-40AE-B4C6-C98DA3205C09}" type="datetimeFigureOut">
+            <a:fld id="{96910349-1C51-477E-ACBB-F7325CF6EF20}" type="datetime1">
               <a:rPr lang="en-US" smtClean="0"/>
-              <a:pPr/>
-              <a:t>10/21/2019</a:t>
+              <a:t>12/30/2019</a:t>
             </a:fld>
             <a:endParaRPr lang="en-US"/>
           </a:p>
@@ -2914,10 +2906,9 @@
           <a:bodyPr/>
           <a:lstStyle/>
           <a:p>
-            <a:fld id="{1D8BD707-D9CF-40AE-B4C6-C98DA3205C09}" type="datetimeFigureOut">
+            <a:fld id="{50E6B4F7-E64C-407E-B9F9-8ED5710121CA}" type="datetime1">
               <a:rPr lang="en-US" smtClean="0"/>
-              <a:pPr/>
-              <a:t>10/21/2019</a:t>
+              <a:t>12/30/2019</a:t>
             </a:fld>
             <a:endParaRPr lang="en-US"/>
           </a:p>
@@ -3188,10 +3179,9 @@
           <a:bodyPr/>
           <a:lstStyle/>
           <a:p>
-            <a:fld id="{1D8BD707-D9CF-40AE-B4C6-C98DA3205C09}" type="datetimeFigureOut">
+            <a:fld id="{1667099C-E9FC-4C34-9D1F-FF3F2B07BCD5}" type="datetime1">
               <a:rPr lang="en-US" smtClean="0"/>
-              <a:pPr/>
-              <a:t>10/21/2019</a:t>
+              <a:t>12/30/2019</a:t>
             </a:fld>
             <a:endParaRPr lang="en-US"/>
           </a:p>
@@ -3438,10 +3428,9 @@
           <a:bodyPr/>
           <a:lstStyle/>
           <a:p>
-            <a:fld id="{1D8BD707-D9CF-40AE-B4C6-C98DA3205C09}" type="datetimeFigureOut">
+            <a:fld id="{0A95BBB6-EEBD-477F-B7BD-352057B13ACC}" type="datetime1">
               <a:rPr lang="en-US" smtClean="0"/>
-              <a:pPr/>
-              <a:t>10/21/2019</a:t>
+              <a:t>12/30/2019</a:t>
             </a:fld>
             <a:endParaRPr lang="en-US"/>
           </a:p>
@@ -3648,10 +3637,9 @@
             </a:lvl1pPr>
           </a:lstStyle>
           <a:p>
-            <a:fld id="{1D8BD707-D9CF-40AE-B4C6-C98DA3205C09}" type="datetimeFigureOut">
+            <a:fld id="{051D1D32-1C6B-4A2D-8885-C44DDF3DCD1A}" type="datetime1">
               <a:rPr lang="en-US" smtClean="0"/>
-              <a:pPr/>
-              <a:t>10/21/2019</a:t>
+              <a:t>12/30/2019</a:t>
             </a:fld>
             <a:endParaRPr lang="en-US"/>
           </a:p>
@@ -3706,7 +3694,7 @@
         </p:nvSpPr>
         <p:spPr>
           <a:xfrm>
-            <a:off x="6553200" y="6356350"/>
+            <a:off x="6973986" y="6492875"/>
             <a:ext cx="2133600" cy="365125"/>
           </a:xfrm>
           <a:prstGeom prst="rect">
@@ -3752,6 +3740,7 @@
     <p:sldLayoutId id="2147483658" r:id="rId10"/>
     <p:sldLayoutId id="2147483659" r:id="rId11"/>
   </p:sldLayoutIdLst>
+  <p:hf hdr="0" ftr="0" dt="0"/>
   <p:txStyles>
     <p:titleStyle>
       <a:lvl1pPr algn="ctr" defTabSz="914400" rtl="0" eaLnBrk="1" latinLnBrk="0" hangingPunct="1">
@@ -4935,6 +4924,30 @@
           </p:style>
         </p:cxnSp>
       </p:grpSp>
+      <p:sp>
+        <p:nvSpPr>
+          <p:cNvPr id="5" name="Slide Number Placeholder 4"/>
+          <p:cNvSpPr>
+            <a:spLocks noGrp="1"/>
+          </p:cNvSpPr>
+          <p:nvPr>
+            <p:ph type="sldNum" sz="quarter" idx="12"/>
+          </p:nvPr>
+        </p:nvSpPr>
+        <p:spPr/>
+        <p:txBody>
+          <a:bodyPr/>
+          <a:lstStyle/>
+          <a:p>
+            <a:fld id="{B6F15528-21DE-4FAA-801E-634DDDAF4B2B}" type="slidenum">
+              <a:rPr lang="en-US" smtClean="0"/>
+              <a:pPr/>
+              <a:t>1</a:t>
+            </a:fld>
+            <a:endParaRPr lang="en-US" dirty="0"/>
+          </a:p>
+        </p:txBody>
+      </p:sp>
     </p:spTree>
     <p:extLst>
       <p:ext uri="{BB962C8B-B14F-4D97-AF65-F5344CB8AC3E}">
@@ -5732,6 +5745,30 @@
           </a:fontRef>
         </p:style>
       </p:cxnSp>
+      <p:sp>
+        <p:nvSpPr>
+          <p:cNvPr id="2" name="Slide Number Placeholder 1"/>
+          <p:cNvSpPr>
+            <a:spLocks noGrp="1"/>
+          </p:cNvSpPr>
+          <p:nvPr>
+            <p:ph type="sldNum" sz="quarter" idx="12"/>
+          </p:nvPr>
+        </p:nvSpPr>
+        <p:spPr/>
+        <p:txBody>
+          <a:bodyPr/>
+          <a:lstStyle/>
+          <a:p>
+            <a:fld id="{B6F15528-21DE-4FAA-801E-634DDDAF4B2B}" type="slidenum">
+              <a:rPr lang="en-US" smtClean="0"/>
+              <a:pPr/>
+              <a:t>10</a:t>
+            </a:fld>
+            <a:endParaRPr lang="en-US"/>
+          </a:p>
+        </p:txBody>
+      </p:sp>
     </p:spTree>
     <p:extLst>
       <p:ext uri="{BB962C8B-B14F-4D97-AF65-F5344CB8AC3E}">
@@ -6944,6 +6981,30 @@
           </a:fontRef>
         </p:style>
       </p:cxnSp>
+      <p:sp>
+        <p:nvSpPr>
+          <p:cNvPr id="2" name="Slide Number Placeholder 1"/>
+          <p:cNvSpPr>
+            <a:spLocks noGrp="1"/>
+          </p:cNvSpPr>
+          <p:nvPr>
+            <p:ph type="sldNum" sz="quarter" idx="12"/>
+          </p:nvPr>
+        </p:nvSpPr>
+        <p:spPr/>
+        <p:txBody>
+          <a:bodyPr/>
+          <a:lstStyle/>
+          <a:p>
+            <a:fld id="{B6F15528-21DE-4FAA-801E-634DDDAF4B2B}" type="slidenum">
+              <a:rPr lang="en-US" smtClean="0"/>
+              <a:pPr/>
+              <a:t>11</a:t>
+            </a:fld>
+            <a:endParaRPr lang="en-US"/>
+          </a:p>
+        </p:txBody>
+      </p:sp>
     </p:spTree>
     <p:extLst>
       <p:ext uri="{BB962C8B-B14F-4D97-AF65-F5344CB8AC3E}">
@@ -7512,6 +7573,30 @@
           </a:p>
         </p:txBody>
       </p:sp>
+      <p:sp>
+        <p:nvSpPr>
+          <p:cNvPr id="3" name="Slide Number Placeholder 2"/>
+          <p:cNvSpPr>
+            <a:spLocks noGrp="1"/>
+          </p:cNvSpPr>
+          <p:nvPr>
+            <p:ph type="sldNum" sz="quarter" idx="12"/>
+          </p:nvPr>
+        </p:nvSpPr>
+        <p:spPr/>
+        <p:txBody>
+          <a:bodyPr/>
+          <a:lstStyle/>
+          <a:p>
+            <a:fld id="{B6F15528-21DE-4FAA-801E-634DDDAF4B2B}" type="slidenum">
+              <a:rPr lang="en-US" smtClean="0"/>
+              <a:pPr/>
+              <a:t>12</a:t>
+            </a:fld>
+            <a:endParaRPr lang="en-US"/>
+          </a:p>
+        </p:txBody>
+      </p:sp>
     </p:spTree>
     <p:extLst>
       <p:ext uri="{BB962C8B-B14F-4D97-AF65-F5344CB8AC3E}">
@@ -7865,6 +7950,30 @@
           </a:extLst>
         </p:spPr>
       </p:pic>
+      <p:sp>
+        <p:nvSpPr>
+          <p:cNvPr id="2" name="Slide Number Placeholder 1"/>
+          <p:cNvSpPr>
+            <a:spLocks noGrp="1"/>
+          </p:cNvSpPr>
+          <p:nvPr>
+            <p:ph type="sldNum" sz="quarter" idx="12"/>
+          </p:nvPr>
+        </p:nvSpPr>
+        <p:spPr/>
+        <p:txBody>
+          <a:bodyPr/>
+          <a:lstStyle/>
+          <a:p>
+            <a:fld id="{B6F15528-21DE-4FAA-801E-634DDDAF4B2B}" type="slidenum">
+              <a:rPr lang="en-US" smtClean="0"/>
+              <a:pPr/>
+              <a:t>13</a:t>
+            </a:fld>
+            <a:endParaRPr lang="en-US"/>
+          </a:p>
+        </p:txBody>
+      </p:sp>
     </p:spTree>
     <p:extLst>
       <p:ext uri="{BB962C8B-B14F-4D97-AF65-F5344CB8AC3E}">
@@ -9034,6 +9143,30 @@
           </p:txBody>
         </p:sp>
       </p:grpSp>
+      <p:sp>
+        <p:nvSpPr>
+          <p:cNvPr id="5" name="Slide Number Placeholder 4"/>
+          <p:cNvSpPr>
+            <a:spLocks noGrp="1"/>
+          </p:cNvSpPr>
+          <p:nvPr>
+            <p:ph type="sldNum" sz="quarter" idx="12"/>
+          </p:nvPr>
+        </p:nvSpPr>
+        <p:spPr/>
+        <p:txBody>
+          <a:bodyPr/>
+          <a:lstStyle/>
+          <a:p>
+            <a:fld id="{B6F15528-21DE-4FAA-801E-634DDDAF4B2B}" type="slidenum">
+              <a:rPr lang="en-US" smtClean="0"/>
+              <a:pPr/>
+              <a:t>14</a:t>
+            </a:fld>
+            <a:endParaRPr lang="en-US"/>
+          </a:p>
+        </p:txBody>
+      </p:sp>
     </p:spTree>
     <p:extLst>
       <p:ext uri="{BB962C8B-B14F-4D97-AF65-F5344CB8AC3E}">
@@ -9962,6 +10095,30 @@
           </p:style>
         </p:cxnSp>
       </p:grpSp>
+      <p:sp>
+        <p:nvSpPr>
+          <p:cNvPr id="5" name="Slide Number Placeholder 4"/>
+          <p:cNvSpPr>
+            <a:spLocks noGrp="1"/>
+          </p:cNvSpPr>
+          <p:nvPr>
+            <p:ph type="sldNum" sz="quarter" idx="12"/>
+          </p:nvPr>
+        </p:nvSpPr>
+        <p:spPr/>
+        <p:txBody>
+          <a:bodyPr/>
+          <a:lstStyle/>
+          <a:p>
+            <a:fld id="{B6F15528-21DE-4FAA-801E-634DDDAF4B2B}" type="slidenum">
+              <a:rPr lang="en-US" smtClean="0"/>
+              <a:pPr/>
+              <a:t>15</a:t>
+            </a:fld>
+            <a:endParaRPr lang="en-US"/>
+          </a:p>
+        </p:txBody>
+      </p:sp>
     </p:spTree>
     <p:extLst>
       <p:ext uri="{BB962C8B-B14F-4D97-AF65-F5344CB8AC3E}">
@@ -10756,6 +10913,30 @@
               <a:t> move temporary cue as well</a:t>
             </a:r>
             <a:endParaRPr lang="en-US" dirty="0"/>
+          </a:p>
+        </p:txBody>
+      </p:sp>
+      <p:sp>
+        <p:nvSpPr>
+          <p:cNvPr id="2" name="Slide Number Placeholder 1"/>
+          <p:cNvSpPr>
+            <a:spLocks noGrp="1"/>
+          </p:cNvSpPr>
+          <p:nvPr>
+            <p:ph type="sldNum" sz="quarter" idx="12"/>
+          </p:nvPr>
+        </p:nvSpPr>
+        <p:spPr/>
+        <p:txBody>
+          <a:bodyPr/>
+          <a:lstStyle/>
+          <a:p>
+            <a:fld id="{B6F15528-21DE-4FAA-801E-634DDDAF4B2B}" type="slidenum">
+              <a:rPr lang="en-US" smtClean="0"/>
+              <a:pPr/>
+              <a:t>16</a:t>
+            </a:fld>
+            <a:endParaRPr lang="en-US"/>
           </a:p>
         </p:txBody>
       </p:sp>
@@ -14206,6 +14387,30 @@
               <a:t>EXTRA PAGES:</a:t>
             </a:r>
             <a:endParaRPr lang="en-US" dirty="0"/>
+          </a:p>
+        </p:txBody>
+      </p:sp>
+      <p:sp>
+        <p:nvSpPr>
+          <p:cNvPr id="3" name="Slide Number Placeholder 2"/>
+          <p:cNvSpPr>
+            <a:spLocks noGrp="1"/>
+          </p:cNvSpPr>
+          <p:nvPr>
+            <p:ph type="sldNum" sz="quarter" idx="12"/>
+          </p:nvPr>
+        </p:nvSpPr>
+        <p:spPr/>
+        <p:txBody>
+          <a:bodyPr/>
+          <a:lstStyle/>
+          <a:p>
+            <a:fld id="{B6F15528-21DE-4FAA-801E-634DDDAF4B2B}" type="slidenum">
+              <a:rPr lang="en-US" smtClean="0"/>
+              <a:pPr/>
+              <a:t>17</a:t>
+            </a:fld>
+            <a:endParaRPr lang="en-US"/>
           </a:p>
         </p:txBody>
       </p:sp>
@@ -17352,6 +17557,30 @@
           </p:txBody>
         </p:sp>
       </p:grpSp>
+      <p:sp>
+        <p:nvSpPr>
+          <p:cNvPr id="2" name="Slide Number Placeholder 1"/>
+          <p:cNvSpPr>
+            <a:spLocks noGrp="1"/>
+          </p:cNvSpPr>
+          <p:nvPr>
+            <p:ph type="sldNum" sz="quarter" idx="12"/>
+          </p:nvPr>
+        </p:nvSpPr>
+        <p:spPr/>
+        <p:txBody>
+          <a:bodyPr/>
+          <a:lstStyle/>
+          <a:p>
+            <a:fld id="{B6F15528-21DE-4FAA-801E-634DDDAF4B2B}" type="slidenum">
+              <a:rPr lang="en-US" smtClean="0"/>
+              <a:pPr/>
+              <a:t>18</a:t>
+            </a:fld>
+            <a:endParaRPr lang="en-US"/>
+          </a:p>
+        </p:txBody>
+      </p:sp>
     </p:spTree>
     <p:extLst>
       <p:ext uri="{BB962C8B-B14F-4D97-AF65-F5344CB8AC3E}">
@@ -18462,11 +18691,7 @@
             </a:pPr>
             <a:r>
               <a:rPr lang="en-US" dirty="0" smtClean="0"/>
-              <a:t>Release jog to stop </a:t>
-            </a:r>
-            <a:r>
-              <a:rPr lang="en-US" dirty="0" smtClean="0"/>
-              <a:t>FX</a:t>
+              <a:t>Release jog to stop FX</a:t>
             </a:r>
           </a:p>
           <a:p>
@@ -18478,7 +18703,6 @@
               <a:rPr lang="en-US" dirty="0" smtClean="0"/>
               <a:t>Sampler volume to Dry/Wet</a:t>
             </a:r>
-            <a:endParaRPr lang="en-US" dirty="0" smtClean="0"/>
           </a:p>
           <a:p>
             <a:pPr marL="285750" indent="-285750">
@@ -18506,6 +18730,30 @@
               <a:t> (=scratch mode)</a:t>
             </a:r>
             <a:endParaRPr lang="en-US" dirty="0"/>
+          </a:p>
+        </p:txBody>
+      </p:sp>
+      <p:sp>
+        <p:nvSpPr>
+          <p:cNvPr id="2" name="Slide Number Placeholder 1"/>
+          <p:cNvSpPr>
+            <a:spLocks noGrp="1"/>
+          </p:cNvSpPr>
+          <p:nvPr>
+            <p:ph type="sldNum" sz="quarter" idx="12"/>
+          </p:nvPr>
+        </p:nvSpPr>
+        <p:spPr/>
+        <p:txBody>
+          <a:bodyPr/>
+          <a:lstStyle/>
+          <a:p>
+            <a:fld id="{B6F15528-21DE-4FAA-801E-634DDDAF4B2B}" type="slidenum">
+              <a:rPr lang="en-US" smtClean="0"/>
+              <a:pPr/>
+              <a:t>19</a:t>
+            </a:fld>
+            <a:endParaRPr lang="en-US"/>
           </a:p>
         </p:txBody>
       </p:sp>
@@ -19763,6 +20011,30 @@
           </p:txBody>
         </p:sp>
       </p:grpSp>
+      <p:sp>
+        <p:nvSpPr>
+          <p:cNvPr id="4" name="Slide Number Placeholder 3"/>
+          <p:cNvSpPr>
+            <a:spLocks noGrp="1"/>
+          </p:cNvSpPr>
+          <p:nvPr>
+            <p:ph type="sldNum" sz="quarter" idx="12"/>
+          </p:nvPr>
+        </p:nvSpPr>
+        <p:spPr/>
+        <p:txBody>
+          <a:bodyPr/>
+          <a:lstStyle/>
+          <a:p>
+            <a:fld id="{B6F15528-21DE-4FAA-801E-634DDDAF4B2B}" type="slidenum">
+              <a:rPr lang="en-US" smtClean="0"/>
+              <a:pPr/>
+              <a:t>2</a:t>
+            </a:fld>
+            <a:endParaRPr lang="en-US"/>
+          </a:p>
+        </p:txBody>
+      </p:sp>
     </p:spTree>
     <p:extLst>
       <p:ext uri="{BB962C8B-B14F-4D97-AF65-F5344CB8AC3E}">
@@ -22377,6 +22649,30 @@
           </p:spPr>
         </p:pic>
       </p:grpSp>
+      <p:sp>
+        <p:nvSpPr>
+          <p:cNvPr id="2" name="Slide Number Placeholder 1"/>
+          <p:cNvSpPr>
+            <a:spLocks noGrp="1"/>
+          </p:cNvSpPr>
+          <p:nvPr>
+            <p:ph type="sldNum" sz="quarter" idx="12"/>
+          </p:nvPr>
+        </p:nvSpPr>
+        <p:spPr/>
+        <p:txBody>
+          <a:bodyPr/>
+          <a:lstStyle/>
+          <a:p>
+            <a:fld id="{B6F15528-21DE-4FAA-801E-634DDDAF4B2B}" type="slidenum">
+              <a:rPr lang="en-US" smtClean="0"/>
+              <a:pPr/>
+              <a:t>20</a:t>
+            </a:fld>
+            <a:endParaRPr lang="en-US"/>
+          </a:p>
+        </p:txBody>
+      </p:sp>
     </p:spTree>
     <p:extLst>
       <p:ext uri="{BB962C8B-B14F-4D97-AF65-F5344CB8AC3E}">
@@ -24172,6 +24468,30 @@
               <a:rPr lang="en-US" dirty="0" smtClean="0"/>
               <a:t>Use “&gt;” arrow to select loop mode</a:t>
             </a:r>
+          </a:p>
+        </p:txBody>
+      </p:sp>
+      <p:sp>
+        <p:nvSpPr>
+          <p:cNvPr id="2" name="Slide Number Placeholder 1"/>
+          <p:cNvSpPr>
+            <a:spLocks noGrp="1"/>
+          </p:cNvSpPr>
+          <p:nvPr>
+            <p:ph type="sldNum" sz="quarter" idx="12"/>
+          </p:nvPr>
+        </p:nvSpPr>
+        <p:spPr/>
+        <p:txBody>
+          <a:bodyPr/>
+          <a:lstStyle/>
+          <a:p>
+            <a:fld id="{B6F15528-21DE-4FAA-801E-634DDDAF4B2B}" type="slidenum">
+              <a:rPr lang="en-US" smtClean="0"/>
+              <a:pPr/>
+              <a:t>21</a:t>
+            </a:fld>
+            <a:endParaRPr lang="en-US"/>
           </a:p>
         </p:txBody>
       </p:sp>
@@ -25948,6 +26268,30 @@
           </p:spPr>
         </p:pic>
       </p:grpSp>
+      <p:sp>
+        <p:nvSpPr>
+          <p:cNvPr id="2" name="Slide Number Placeholder 1"/>
+          <p:cNvSpPr>
+            <a:spLocks noGrp="1"/>
+          </p:cNvSpPr>
+          <p:nvPr>
+            <p:ph type="sldNum" sz="quarter" idx="12"/>
+          </p:nvPr>
+        </p:nvSpPr>
+        <p:spPr/>
+        <p:txBody>
+          <a:bodyPr/>
+          <a:lstStyle/>
+          <a:p>
+            <a:fld id="{B6F15528-21DE-4FAA-801E-634DDDAF4B2B}" type="slidenum">
+              <a:rPr lang="en-US" smtClean="0"/>
+              <a:pPr/>
+              <a:t>22</a:t>
+            </a:fld>
+            <a:endParaRPr lang="en-US"/>
+          </a:p>
+        </p:txBody>
+      </p:sp>
     </p:spTree>
     <p:extLst>
       <p:ext uri="{BB962C8B-B14F-4D97-AF65-F5344CB8AC3E}">
@@ -27749,6 +28093,30 @@
           </p:txBody>
         </p:sp>
       </p:grpSp>
+      <p:sp>
+        <p:nvSpPr>
+          <p:cNvPr id="2" name="Slide Number Placeholder 1"/>
+          <p:cNvSpPr>
+            <a:spLocks noGrp="1"/>
+          </p:cNvSpPr>
+          <p:nvPr>
+            <p:ph type="sldNum" sz="quarter" idx="12"/>
+          </p:nvPr>
+        </p:nvSpPr>
+        <p:spPr/>
+        <p:txBody>
+          <a:bodyPr/>
+          <a:lstStyle/>
+          <a:p>
+            <a:fld id="{B6F15528-21DE-4FAA-801E-634DDDAF4B2B}" type="slidenum">
+              <a:rPr lang="en-US" smtClean="0"/>
+              <a:pPr/>
+              <a:t>23</a:t>
+            </a:fld>
+            <a:endParaRPr lang="en-US"/>
+          </a:p>
+        </p:txBody>
+      </p:sp>
     </p:spTree>
     <p:extLst>
       <p:ext uri="{BB962C8B-B14F-4D97-AF65-F5344CB8AC3E}">
@@ -28619,6 +28987,30 @@
                 <a:schemeClr val="tx1"/>
               </a:solidFill>
             </a:endParaRPr>
+          </a:p>
+        </p:txBody>
+      </p:sp>
+      <p:sp>
+        <p:nvSpPr>
+          <p:cNvPr id="2" name="Slide Number Placeholder 1"/>
+          <p:cNvSpPr>
+            <a:spLocks noGrp="1"/>
+          </p:cNvSpPr>
+          <p:nvPr>
+            <p:ph type="sldNum" sz="quarter" idx="12"/>
+          </p:nvPr>
+        </p:nvSpPr>
+        <p:spPr/>
+        <p:txBody>
+          <a:bodyPr/>
+          <a:lstStyle/>
+          <a:p>
+            <a:fld id="{B6F15528-21DE-4FAA-801E-634DDDAF4B2B}" type="slidenum">
+              <a:rPr lang="en-US" smtClean="0"/>
+              <a:pPr/>
+              <a:t>3</a:t>
+            </a:fld>
+            <a:endParaRPr lang="en-US"/>
           </a:p>
         </p:txBody>
       </p:sp>
@@ -30056,6 +30448,30 @@
           </a:p>
         </p:txBody>
       </p:sp>
+      <p:sp>
+        <p:nvSpPr>
+          <p:cNvPr id="2" name="Slide Number Placeholder 1"/>
+          <p:cNvSpPr>
+            <a:spLocks noGrp="1"/>
+          </p:cNvSpPr>
+          <p:nvPr>
+            <p:ph type="sldNum" sz="quarter" idx="12"/>
+          </p:nvPr>
+        </p:nvSpPr>
+        <p:spPr/>
+        <p:txBody>
+          <a:bodyPr/>
+          <a:lstStyle/>
+          <a:p>
+            <a:fld id="{B6F15528-21DE-4FAA-801E-634DDDAF4B2B}" type="slidenum">
+              <a:rPr lang="en-US" smtClean="0"/>
+              <a:pPr/>
+              <a:t>4</a:t>
+            </a:fld>
+            <a:endParaRPr lang="en-US"/>
+          </a:p>
+        </p:txBody>
+      </p:sp>
     </p:spTree>
     <p:extLst>
       <p:ext uri="{BB962C8B-B14F-4D97-AF65-F5344CB8AC3E}">
@@ -30960,6 +31376,30 @@
                 <a:schemeClr val="tx1"/>
               </a:solidFill>
             </a:endParaRPr>
+          </a:p>
+        </p:txBody>
+      </p:sp>
+      <p:sp>
+        <p:nvSpPr>
+          <p:cNvPr id="2" name="Slide Number Placeholder 1"/>
+          <p:cNvSpPr>
+            <a:spLocks noGrp="1"/>
+          </p:cNvSpPr>
+          <p:nvPr>
+            <p:ph type="sldNum" sz="quarter" idx="12"/>
+          </p:nvPr>
+        </p:nvSpPr>
+        <p:spPr/>
+        <p:txBody>
+          <a:bodyPr/>
+          <a:lstStyle/>
+          <a:p>
+            <a:fld id="{B6F15528-21DE-4FAA-801E-634DDDAF4B2B}" type="slidenum">
+              <a:rPr lang="en-US" smtClean="0"/>
+              <a:pPr/>
+              <a:t>5</a:t>
+            </a:fld>
+            <a:endParaRPr lang="en-US"/>
           </a:p>
         </p:txBody>
       </p:sp>
@@ -32174,6 +32614,30 @@
           </p:txBody>
         </p:sp>
       </p:grpSp>
+      <p:sp>
+        <p:nvSpPr>
+          <p:cNvPr id="5" name="Slide Number Placeholder 4"/>
+          <p:cNvSpPr>
+            <a:spLocks noGrp="1"/>
+          </p:cNvSpPr>
+          <p:nvPr>
+            <p:ph type="sldNum" sz="quarter" idx="12"/>
+          </p:nvPr>
+        </p:nvSpPr>
+        <p:spPr/>
+        <p:txBody>
+          <a:bodyPr/>
+          <a:lstStyle/>
+          <a:p>
+            <a:fld id="{B6F15528-21DE-4FAA-801E-634DDDAF4B2B}" type="slidenum">
+              <a:rPr lang="en-US" smtClean="0"/>
+              <a:pPr/>
+              <a:t>6</a:t>
+            </a:fld>
+            <a:endParaRPr lang="en-US"/>
+          </a:p>
+        </p:txBody>
+      </p:sp>
     </p:spTree>
     <p:extLst>
       <p:ext uri="{BB962C8B-B14F-4D97-AF65-F5344CB8AC3E}">
@@ -33308,6 +33772,30 @@
           </a:fontRef>
         </p:style>
       </p:cxnSp>
+      <p:sp>
+        <p:nvSpPr>
+          <p:cNvPr id="3" name="Slide Number Placeholder 2"/>
+          <p:cNvSpPr>
+            <a:spLocks noGrp="1"/>
+          </p:cNvSpPr>
+          <p:nvPr>
+            <p:ph type="sldNum" sz="quarter" idx="12"/>
+          </p:nvPr>
+        </p:nvSpPr>
+        <p:spPr/>
+        <p:txBody>
+          <a:bodyPr/>
+          <a:lstStyle/>
+          <a:p>
+            <a:fld id="{B6F15528-21DE-4FAA-801E-634DDDAF4B2B}" type="slidenum">
+              <a:rPr lang="en-US" smtClean="0"/>
+              <a:pPr/>
+              <a:t>7</a:t>
+            </a:fld>
+            <a:endParaRPr lang="en-US"/>
+          </a:p>
+        </p:txBody>
+      </p:sp>
     </p:spTree>
     <p:extLst>
       <p:ext uri="{BB962C8B-B14F-4D97-AF65-F5344CB8AC3E}">
@@ -34398,6 +34886,30 @@
           </p:spPr>
         </p:pic>
       </p:grpSp>
+      <p:sp>
+        <p:nvSpPr>
+          <p:cNvPr id="2" name="Slide Number Placeholder 1"/>
+          <p:cNvSpPr>
+            <a:spLocks noGrp="1"/>
+          </p:cNvSpPr>
+          <p:nvPr>
+            <p:ph type="sldNum" sz="quarter" idx="12"/>
+          </p:nvPr>
+        </p:nvSpPr>
+        <p:spPr/>
+        <p:txBody>
+          <a:bodyPr/>
+          <a:lstStyle/>
+          <a:p>
+            <a:fld id="{B6F15528-21DE-4FAA-801E-634DDDAF4B2B}" type="slidenum">
+              <a:rPr lang="en-US" smtClean="0"/>
+              <a:pPr/>
+              <a:t>8</a:t>
+            </a:fld>
+            <a:endParaRPr lang="en-US"/>
+          </a:p>
+        </p:txBody>
+      </p:sp>
     </p:spTree>
     <p:extLst>
       <p:ext uri="{BB962C8B-B14F-4D97-AF65-F5344CB8AC3E}">
@@ -35325,6 +35837,30 @@
           </p:sp>
         </p:grpSp>
       </p:grpSp>
+      <p:sp>
+        <p:nvSpPr>
+          <p:cNvPr id="6" name="Slide Number Placeholder 5"/>
+          <p:cNvSpPr>
+            <a:spLocks noGrp="1"/>
+          </p:cNvSpPr>
+          <p:nvPr>
+            <p:ph type="sldNum" sz="quarter" idx="12"/>
+          </p:nvPr>
+        </p:nvSpPr>
+        <p:spPr/>
+        <p:txBody>
+          <a:bodyPr/>
+          <a:lstStyle/>
+          <a:p>
+            <a:fld id="{B6F15528-21DE-4FAA-801E-634DDDAF4B2B}" type="slidenum">
+              <a:rPr lang="en-US" smtClean="0"/>
+              <a:pPr/>
+              <a:t>9</a:t>
+            </a:fld>
+            <a:endParaRPr lang="en-US"/>
+          </a:p>
+        </p:txBody>
+      </p:sp>
     </p:spTree>
     <p:extLst>
       <p:ext uri="{BB962C8B-B14F-4D97-AF65-F5344CB8AC3E}">

--- a/traktor/mapping_ddj_1000/Support files/Source files/DDJ-1000 - Quick overview.pptx
+++ b/traktor/mapping_ddj_1000/Support files/Source files/DDJ-1000 - Quick overview.pptx
@@ -5,7 +5,7 @@
     <p:sldMasterId id="2147483648" r:id="rId1"/>
   </p:sldMasterIdLst>
   <p:notesMasterIdLst>
-    <p:notesMasterId r:id="rId25"/>
+    <p:notesMasterId r:id="rId26"/>
   </p:notesMasterIdLst>
   <p:sldIdLst>
     <p:sldId id="275" r:id="rId2"/>
@@ -18,19 +18,20 @@
     <p:sldId id="268" r:id="rId9"/>
     <p:sldId id="269" r:id="rId10"/>
     <p:sldId id="270" r:id="rId11"/>
-    <p:sldId id="261" r:id="rId12"/>
-    <p:sldId id="273" r:id="rId13"/>
-    <p:sldId id="272" r:id="rId14"/>
-    <p:sldId id="271" r:id="rId15"/>
-    <p:sldId id="282" r:id="rId16"/>
-    <p:sldId id="279" r:id="rId17"/>
-    <p:sldId id="278" r:id="rId18"/>
-    <p:sldId id="263" r:id="rId19"/>
-    <p:sldId id="276" r:id="rId20"/>
-    <p:sldId id="265" r:id="rId21"/>
-    <p:sldId id="274" r:id="rId22"/>
-    <p:sldId id="280" r:id="rId23"/>
-    <p:sldId id="281" r:id="rId24"/>
+    <p:sldId id="284" r:id="rId12"/>
+    <p:sldId id="261" r:id="rId13"/>
+    <p:sldId id="273" r:id="rId14"/>
+    <p:sldId id="272" r:id="rId15"/>
+    <p:sldId id="271" r:id="rId16"/>
+    <p:sldId id="282" r:id="rId17"/>
+    <p:sldId id="279" r:id="rId18"/>
+    <p:sldId id="278" r:id="rId19"/>
+    <p:sldId id="263" r:id="rId20"/>
+    <p:sldId id="276" r:id="rId21"/>
+    <p:sldId id="265" r:id="rId22"/>
+    <p:sldId id="274" r:id="rId23"/>
+    <p:sldId id="280" r:id="rId24"/>
+    <p:sldId id="281" r:id="rId25"/>
   </p:sldIdLst>
   <p:sldSz cx="9144000" cy="6858000" type="screen4x3"/>
   <p:notesSz cx="6858000" cy="9144000"/>
@@ -214,7 +215,7 @@
           <a:p>
             <a:fld id="{FD1106D6-862D-40C1-9815-6CA98A8212E7}" type="datetimeFigureOut">
               <a:rPr lang="en-US" smtClean="0"/>
-              <a:t>12/30/2019</a:t>
+              <a:t>1/27/2020</a:t>
             </a:fld>
             <a:endParaRPr lang="en-US"/>
           </a:p>
@@ -1051,7 +1052,91 @@
           <a:p>
             <a:fld id="{7BCF952E-6FE4-41A9-8A71-42D8BEE82BE5}" type="slidenum">
               <a:rPr lang="en-US" smtClean="0"/>
-              <a:t>14</a:t>
+              <a:t>11</a:t>
+            </a:fld>
+            <a:endParaRPr lang="en-US"/>
+          </a:p>
+        </p:txBody>
+      </p:sp>
+    </p:spTree>
+    <p:extLst>
+      <p:ext uri="{BB962C8B-B14F-4D97-AF65-F5344CB8AC3E}">
+        <p14:creationId xmlns:p14="http://schemas.microsoft.com/office/powerpoint/2010/main" val="2294360650"/>
+      </p:ext>
+    </p:extLst>
+  </p:cSld>
+  <p:clrMapOvr>
+    <a:masterClrMapping/>
+  </p:clrMapOvr>
+</p:notes>
+</file>
+
+<file path=ppt/notesSlides/notesSlide8.xml><?xml version="1.0" encoding="utf-8"?>
+<p:notes xmlns:a="http://schemas.openxmlformats.org/drawingml/2006/main" xmlns:r="http://schemas.openxmlformats.org/officeDocument/2006/relationships" xmlns:p="http://schemas.openxmlformats.org/presentationml/2006/main">
+  <p:cSld>
+    <p:spTree>
+      <p:nvGrpSpPr>
+        <p:cNvPr id="1" name=""/>
+        <p:cNvGrpSpPr/>
+        <p:nvPr/>
+      </p:nvGrpSpPr>
+      <p:grpSpPr>
+        <a:xfrm>
+          <a:off x="0" y="0"/>
+          <a:ext cx="0" cy="0"/>
+          <a:chOff x="0" y="0"/>
+          <a:chExt cx="0" cy="0"/>
+        </a:xfrm>
+      </p:grpSpPr>
+      <p:sp>
+        <p:nvSpPr>
+          <p:cNvPr id="2" name="Slide Image Placeholder 1"/>
+          <p:cNvSpPr>
+            <a:spLocks noGrp="1" noRot="1" noChangeAspect="1"/>
+          </p:cNvSpPr>
+          <p:nvPr>
+            <p:ph type="sldImg"/>
+          </p:nvPr>
+        </p:nvSpPr>
+        <p:spPr/>
+      </p:sp>
+      <p:sp>
+        <p:nvSpPr>
+          <p:cNvPr id="3" name="Notes Placeholder 2"/>
+          <p:cNvSpPr>
+            <a:spLocks noGrp="1"/>
+          </p:cNvSpPr>
+          <p:nvPr>
+            <p:ph type="body" idx="1"/>
+          </p:nvPr>
+        </p:nvSpPr>
+        <p:spPr/>
+        <p:txBody>
+          <a:bodyPr/>
+          <a:lstStyle/>
+          <a:p>
+            <a:endParaRPr lang="en-US" dirty="0"/>
+          </a:p>
+        </p:txBody>
+      </p:sp>
+      <p:sp>
+        <p:nvSpPr>
+          <p:cNvPr id="4" name="Slide Number Placeholder 3"/>
+          <p:cNvSpPr>
+            <a:spLocks noGrp="1"/>
+          </p:cNvSpPr>
+          <p:nvPr>
+            <p:ph type="sldNum" sz="quarter" idx="10"/>
+          </p:nvPr>
+        </p:nvSpPr>
+        <p:spPr/>
+        <p:txBody>
+          <a:bodyPr/>
+          <a:lstStyle/>
+          <a:p>
+            <a:fld id="{7BCF952E-6FE4-41A9-8A71-42D8BEE82BE5}" type="slidenum">
+              <a:rPr lang="en-US" smtClean="0"/>
+              <a:t>15</a:t>
             </a:fld>
             <a:endParaRPr lang="en-US"/>
           </a:p>
@@ -1251,7 +1336,7 @@
           <a:p>
             <a:fld id="{4A75C5E4-012D-4928-8B8B-0B58FFCAA534}" type="datetime1">
               <a:rPr lang="en-US" smtClean="0"/>
-              <a:t>12/30/2019</a:t>
+              <a:t>1/27/2020</a:t>
             </a:fld>
             <a:endParaRPr lang="en-US"/>
           </a:p>
@@ -1417,7 +1502,7 @@
           <a:p>
             <a:fld id="{5AB14B01-561A-4B3D-8430-A6F142B0E57D}" type="datetime1">
               <a:rPr lang="en-US" smtClean="0"/>
-              <a:t>12/30/2019</a:t>
+              <a:t>1/27/2020</a:t>
             </a:fld>
             <a:endParaRPr lang="en-US"/>
           </a:p>
@@ -1593,7 +1678,7 @@
           <a:p>
             <a:fld id="{5F7EF0EE-FF8C-4D98-AF5B-4DF28D699F9A}" type="datetime1">
               <a:rPr lang="en-US" smtClean="0"/>
-              <a:t>12/30/2019</a:t>
+              <a:t>1/27/2020</a:t>
             </a:fld>
             <a:endParaRPr lang="en-US"/>
           </a:p>
@@ -1759,7 +1844,7 @@
           <a:p>
             <a:fld id="{95FAE2A3-3548-4E55-9046-5BDE40049B07}" type="datetime1">
               <a:rPr lang="en-US" smtClean="0"/>
-              <a:t>12/30/2019</a:t>
+              <a:t>1/27/2020</a:t>
             </a:fld>
             <a:endParaRPr lang="en-US"/>
           </a:p>
@@ -2001,7 +2086,7 @@
           <a:p>
             <a:fld id="{1FF82A4D-BFD9-4A47-B1E1-F6AD8C1BE0FA}" type="datetime1">
               <a:rPr lang="en-US" smtClean="0"/>
-              <a:t>12/30/2019</a:t>
+              <a:t>1/27/2020</a:t>
             </a:fld>
             <a:endParaRPr lang="en-US"/>
           </a:p>
@@ -2285,7 +2370,7 @@
           <a:p>
             <a:fld id="{477A8AD3-E8E6-492D-89B3-9EC59A082C85}" type="datetime1">
               <a:rPr lang="en-US" smtClean="0"/>
-              <a:t>12/30/2019</a:t>
+              <a:t>1/27/2020</a:t>
             </a:fld>
             <a:endParaRPr lang="en-US"/>
           </a:p>
@@ -2703,7 +2788,7 @@
           <a:p>
             <a:fld id="{83900118-B9B8-4877-9C8B-6C574FB17F60}" type="datetime1">
               <a:rPr lang="en-US" smtClean="0"/>
-              <a:t>12/30/2019</a:t>
+              <a:t>1/27/2020</a:t>
             </a:fld>
             <a:endParaRPr lang="en-US"/>
           </a:p>
@@ -2817,7 +2902,7 @@
           <a:p>
             <a:fld id="{96910349-1C51-477E-ACBB-F7325CF6EF20}" type="datetime1">
               <a:rPr lang="en-US" smtClean="0"/>
-              <a:t>12/30/2019</a:t>
+              <a:t>1/27/2020</a:t>
             </a:fld>
             <a:endParaRPr lang="en-US"/>
           </a:p>
@@ -2908,7 +2993,7 @@
           <a:p>
             <a:fld id="{50E6B4F7-E64C-407E-B9F9-8ED5710121CA}" type="datetime1">
               <a:rPr lang="en-US" smtClean="0"/>
-              <a:t>12/30/2019</a:t>
+              <a:t>1/27/2020</a:t>
             </a:fld>
             <a:endParaRPr lang="en-US"/>
           </a:p>
@@ -3181,7 +3266,7 @@
           <a:p>
             <a:fld id="{1667099C-E9FC-4C34-9D1F-FF3F2B07BCD5}" type="datetime1">
               <a:rPr lang="en-US" smtClean="0"/>
-              <a:t>12/30/2019</a:t>
+              <a:t>1/27/2020</a:t>
             </a:fld>
             <a:endParaRPr lang="en-US"/>
           </a:p>
@@ -3430,7 +3515,7 @@
           <a:p>
             <a:fld id="{0A95BBB6-EEBD-477F-B7BD-352057B13ACC}" type="datetime1">
               <a:rPr lang="en-US" smtClean="0"/>
-              <a:t>12/30/2019</a:t>
+              <a:t>1/27/2020</a:t>
             </a:fld>
             <a:endParaRPr lang="en-US"/>
           </a:p>
@@ -3639,7 +3724,7 @@
           <a:p>
             <a:fld id="{051D1D32-1C6B-4A2D-8885-C44DDF3DCD1A}" type="datetime1">
               <a:rPr lang="en-US" smtClean="0"/>
-              <a:t>12/30/2019</a:t>
+              <a:t>1/27/2020</a:t>
             </a:fld>
             <a:endParaRPr lang="en-US"/>
           </a:p>
@@ -5024,13 +5109,13 @@
               </a:ext>
             </a:extLst>
           </a:blip>
-          <a:srcRect l="89995" t="54923" r="609" b="38546"/>
+          <a:srcRect l="89995" t="54923" r="2206" b="39246"/>
           <a:stretch/>
         </p:blipFill>
         <p:spPr bwMode="auto">
           <a:xfrm>
-            <a:off x="1343847" y="1276431"/>
-            <a:ext cx="752476" cy="752005"/>
+            <a:off x="1440065" y="1814724"/>
+            <a:ext cx="559406" cy="601355"/>
           </a:xfrm>
           <a:prstGeom prst="rect">
             <a:avLst/>
@@ -5073,7 +5158,6 @@
               <a:rPr lang="en-US" b="1" u="sng" dirty="0" smtClean="0"/>
               <a:t>TRAKTOR MODE</a:t>
             </a:r>
-            <a:endParaRPr lang="en-US" b="1" u="sng" dirty="0"/>
           </a:p>
         </p:txBody>
       </p:sp>
@@ -5085,7 +5169,7 @@
         </p:nvSpPr>
         <p:spPr>
           <a:xfrm>
-            <a:off x="2492245" y="1421943"/>
+            <a:off x="2483779" y="1940260"/>
             <a:ext cx="1734677" cy="369332"/>
           </a:xfrm>
           <a:prstGeom prst="rect">
@@ -5145,7 +5229,7 @@
         </p:nvSpPr>
         <p:spPr>
           <a:xfrm>
-            <a:off x="4608973" y="1431468"/>
+            <a:off x="4600507" y="1949785"/>
             <a:ext cx="1734677" cy="369332"/>
           </a:xfrm>
           <a:prstGeom prst="rect">
@@ -5161,7 +5245,7 @@
           <a:p>
             <a:r>
               <a:rPr lang="en-US" dirty="0" smtClean="0"/>
-              <a:t>Phase Sync</a:t>
+              <a:t>Sync On</a:t>
             </a:r>
             <a:endParaRPr lang="en-US" dirty="0"/>
           </a:p>
@@ -5169,67 +5253,150 @@
       </p:sp>
       <p:grpSp>
         <p:nvGrpSpPr>
-          <p:cNvPr id="12" name="Group 11"/>
+          <p:cNvPr id="9" name="Group 8"/>
           <p:cNvGrpSpPr/>
           <p:nvPr/>
         </p:nvGrpSpPr>
         <p:grpSpPr>
           <a:xfrm>
-            <a:off x="1903253" y="2815198"/>
-            <a:ext cx="1918136" cy="769119"/>
-            <a:chOff x="132194" y="2362200"/>
-            <a:chExt cx="1918136" cy="769119"/>
+            <a:off x="1972845" y="4162556"/>
+            <a:ext cx="5037555" cy="756479"/>
+            <a:chOff x="1972845" y="2827838"/>
+            <a:chExt cx="5037555" cy="756479"/>
           </a:xfrm>
         </p:grpSpPr>
-        <p:pic>
-          <p:nvPicPr>
-            <p:cNvPr id="30" name="Picture 4" descr="C:\Users\Pedro\Desktop\Z_DRIVE_Pedro\2 Music\1 Controllers\0_TSI_Traktor\ddj-sz\2 Working\v6.3.0 - DDJ-1000 TP3 - Initial release\Support files\DDJ-1000 - Deck.jpg"/>
-            <p:cNvPicPr>
-              <a:picLocks noChangeAspect="1" noChangeArrowheads="1"/>
-            </p:cNvPicPr>
+        <p:grpSp>
+          <p:nvGrpSpPr>
+            <p:cNvPr id="12" name="Group 11"/>
+            <p:cNvGrpSpPr/>
             <p:nvPr/>
-          </p:nvPicPr>
-          <p:blipFill rotWithShape="1">
-            <a:blip r:embed="rId3" cstate="print">
+          </p:nvGrpSpPr>
+          <p:grpSpPr>
+            <a:xfrm>
+              <a:off x="1972845" y="2827838"/>
+              <a:ext cx="1825516" cy="756479"/>
+              <a:chOff x="201786" y="2374840"/>
+              <a:chExt cx="1825516" cy="756479"/>
+            </a:xfrm>
+          </p:grpSpPr>
+          <p:pic>
+            <p:nvPicPr>
+              <p:cNvPr id="30" name="Picture 4" descr="C:\Users\Pedro\Desktop\Z_DRIVE_Pedro\2 Music\1 Controllers\0_TSI_Traktor\ddj-sz\2 Working\v6.3.0 - DDJ-1000 TP3 - Initial release\Support files\DDJ-1000 - Deck.jpg"/>
+              <p:cNvPicPr>
+                <a:picLocks noChangeAspect="1" noChangeArrowheads="1"/>
+              </p:cNvPicPr>
+              <p:nvPr/>
+            </p:nvPicPr>
+            <p:blipFill rotWithShape="1">
+              <a:blip r:embed="rId3" cstate="print">
+                <a:extLst>
+                  <a:ext uri="{28A0092B-C50C-407E-A947-70E740481C1C}">
+                    <a14:useLocalDpi xmlns:a14="http://schemas.microsoft.com/office/drawing/2010/main" val="0"/>
+                  </a:ext>
+                </a:extLst>
+              </a:blip>
+              <a:srcRect l="2234" t="54119" r="90688" b="40132"/>
+              <a:stretch/>
+            </p:blipFill>
+            <p:spPr bwMode="auto">
+              <a:xfrm>
+                <a:off x="201786" y="2374840"/>
+                <a:ext cx="628651" cy="733973"/>
+              </a:xfrm>
+              <a:prstGeom prst="rect">
+                <a:avLst/>
+              </a:prstGeom>
+              <a:noFill/>
               <a:extLst>
-                <a:ext uri="{28A0092B-C50C-407E-A947-70E740481C1C}">
-                  <a14:useLocalDpi xmlns:a14="http://schemas.microsoft.com/office/drawing/2010/main" val="0"/>
+                <a:ext uri="{909E8E84-426E-40DD-AFC4-6F175D3DCCD1}">
+                  <a14:hiddenFill xmlns:a14="http://schemas.microsoft.com/office/drawing/2010/main">
+                    <a:solidFill>
+                      <a:srgbClr val="FFFFFF"/>
+                    </a:solidFill>
+                  </a14:hiddenFill>
                 </a:ext>
               </a:extLst>
-            </a:blip>
-            <a:srcRect l="2234" t="54119" r="90688" b="40132"/>
-            <a:stretch/>
-          </p:blipFill>
-          <p:spPr bwMode="auto">
-            <a:xfrm>
-              <a:off x="132194" y="2362200"/>
-              <a:ext cx="628651" cy="733973"/>
-            </a:xfrm>
-            <a:prstGeom prst="rect">
-              <a:avLst/>
-            </a:prstGeom>
-            <a:noFill/>
-            <a:extLst>
-              <a:ext uri="{909E8E84-426E-40DD-AFC4-6F175D3DCCD1}">
-                <a14:hiddenFill xmlns:a14="http://schemas.microsoft.com/office/drawing/2010/main">
-                  <a:solidFill>
-                    <a:srgbClr val="FFFFFF"/>
-                  </a:solidFill>
-                </a14:hiddenFill>
-              </a:ext>
-            </a:extLst>
-          </p:spPr>
-        </p:pic>
+            </p:spPr>
+          </p:pic>
+          <p:sp>
+            <p:nvSpPr>
+              <p:cNvPr id="40" name="TextBox 39"/>
+              <p:cNvSpPr txBox="1"/>
+              <p:nvPr/>
+            </p:nvSpPr>
+            <p:spPr>
+              <a:xfrm>
+                <a:off x="905077" y="2493707"/>
+                <a:ext cx="364202" cy="523220"/>
+              </a:xfrm>
+              <a:prstGeom prst="rect">
+                <a:avLst/>
+              </a:prstGeom>
+              <a:noFill/>
+            </p:spPr>
+            <p:txBody>
+              <a:bodyPr wrap="none" rtlCol="0">
+                <a:spAutoFit/>
+              </a:bodyPr>
+              <a:lstStyle/>
+              <a:p>
+                <a:r>
+                  <a:rPr lang="en-US" sz="2800" b="1" dirty="0"/>
+                  <a:t>+</a:t>
+                </a:r>
+              </a:p>
+            </p:txBody>
+          </p:sp>
+          <p:pic>
+            <p:nvPicPr>
+              <p:cNvPr id="24" name="Picture 4" descr="C:\Users\Pedro\Desktop\Z_DRIVE_Pedro\2 Music\1 Controllers\0_TSI_Traktor\ddj-sz\2 Working\v6.3.0 - DDJ-1000 TP3 - Initial release\Support files\DDJ-1000 - Deck.jpg"/>
+              <p:cNvPicPr>
+                <a:picLocks noChangeAspect="1" noChangeArrowheads="1"/>
+              </p:cNvPicPr>
+              <p:nvPr/>
+            </p:nvPicPr>
+            <p:blipFill rotWithShape="1">
+              <a:blip r:embed="rId3" cstate="print">
+                <a:extLst>
+                  <a:ext uri="{28A0092B-C50C-407E-A947-70E740481C1C}">
+                    <a14:useLocalDpi xmlns:a14="http://schemas.microsoft.com/office/drawing/2010/main" val="0"/>
+                  </a:ext>
+                </a:extLst>
+              </a:blip>
+              <a:srcRect l="89995" t="54923" r="609" b="38546"/>
+              <a:stretch/>
+            </p:blipFill>
+            <p:spPr bwMode="auto">
+              <a:xfrm>
+                <a:off x="1274826" y="2379314"/>
+                <a:ext cx="752476" cy="752005"/>
+              </a:xfrm>
+              <a:prstGeom prst="rect">
+                <a:avLst/>
+              </a:prstGeom>
+              <a:noFill/>
+              <a:extLst>
+                <a:ext uri="{909E8E84-426E-40DD-AFC4-6F175D3DCCD1}">
+                  <a14:hiddenFill xmlns:a14="http://schemas.microsoft.com/office/drawing/2010/main">
+                    <a:solidFill>
+                      <a:srgbClr val="FFFFFF"/>
+                    </a:solidFill>
+                  </a14:hiddenFill>
+                </a:ext>
+              </a:extLst>
+            </p:spPr>
+          </p:pic>
+        </p:grpSp>
         <p:sp>
           <p:nvSpPr>
-            <p:cNvPr id="40" name="TextBox 39"/>
+            <p:cNvPr id="44" name="TextBox 43"/>
             <p:cNvSpPr txBox="1"/>
             <p:nvPr/>
           </p:nvSpPr>
           <p:spPr>
             <a:xfrm>
-              <a:off x="905077" y="2493707"/>
-              <a:ext cx="364202" cy="523220"/>
+              <a:off x="4303656" y="2946705"/>
+              <a:ext cx="2706744" cy="369332"/>
             </a:xfrm>
             <a:prstGeom prst="rect">
               <a:avLst/>
@@ -5237,151 +5404,166 @@
             <a:noFill/>
           </p:spPr>
           <p:txBody>
-            <a:bodyPr wrap="none" rtlCol="0">
+            <a:bodyPr wrap="square" rtlCol="0">
               <a:spAutoFit/>
             </a:bodyPr>
             <a:lstStyle/>
             <a:p>
               <a:r>
-                <a:rPr lang="en-US" sz="2800" b="1" dirty="0"/>
-                <a:t>+</a:t>
+                <a:rPr lang="en-US" dirty="0" smtClean="0"/>
+                <a:t>Set master deck</a:t>
               </a:r>
+              <a:endParaRPr lang="en-US" dirty="0"/>
             </a:p>
           </p:txBody>
         </p:sp>
-        <p:pic>
-          <p:nvPicPr>
-            <p:cNvPr id="24" name="Picture 4" descr="C:\Users\Pedro\Desktop\Z_DRIVE_Pedro\2 Music\1 Controllers\0_TSI_Traktor\ddj-sz\2 Working\v6.3.0 - DDJ-1000 TP3 - Initial release\Support files\DDJ-1000 - Deck.jpg"/>
-            <p:cNvPicPr>
-              <a:picLocks noChangeAspect="1" noChangeArrowheads="1"/>
-            </p:cNvPicPr>
-            <p:nvPr/>
-          </p:nvPicPr>
-          <p:blipFill rotWithShape="1">
-            <a:blip r:embed="rId3" cstate="print">
-              <a:extLst>
-                <a:ext uri="{28A0092B-C50C-407E-A947-70E740481C1C}">
-                  <a14:useLocalDpi xmlns:a14="http://schemas.microsoft.com/office/drawing/2010/main" val="0"/>
-                </a:ext>
-              </a:extLst>
-            </a:blip>
-            <a:srcRect l="89995" t="54923" r="609" b="38546"/>
-            <a:stretch/>
-          </p:blipFill>
-          <p:spPr bwMode="auto">
-            <a:xfrm>
-              <a:off x="1297854" y="2379314"/>
-              <a:ext cx="752476" cy="752005"/>
-            </a:xfrm>
-            <a:prstGeom prst="rect">
-              <a:avLst/>
-            </a:prstGeom>
-            <a:noFill/>
-            <a:extLst>
-              <a:ext uri="{909E8E84-426E-40DD-AFC4-6F175D3DCCD1}">
-                <a14:hiddenFill xmlns:a14="http://schemas.microsoft.com/office/drawing/2010/main">
-                  <a:solidFill>
-                    <a:srgbClr val="FFFFFF"/>
-                  </a:solidFill>
-                </a14:hiddenFill>
-              </a:ext>
-            </a:extLst>
-          </p:spPr>
-        </p:pic>
       </p:grpSp>
-      <p:sp>
-        <p:nvSpPr>
-          <p:cNvPr id="44" name="TextBox 43"/>
-          <p:cNvSpPr txBox="1"/>
-          <p:nvPr/>
-        </p:nvSpPr>
-        <p:spPr>
-          <a:xfrm>
-            <a:off x="4303656" y="2946705"/>
-            <a:ext cx="2706744" cy="369332"/>
-          </a:xfrm>
-          <a:prstGeom prst="rect">
-            <a:avLst/>
-          </a:prstGeom>
-          <a:noFill/>
-        </p:spPr>
-        <p:txBody>
-          <a:bodyPr wrap="square" rtlCol="0">
-            <a:spAutoFit/>
-          </a:bodyPr>
-          <a:lstStyle/>
-          <a:p>
-            <a:r>
-              <a:rPr lang="en-US" dirty="0" smtClean="0"/>
-              <a:t>Set master deck (always)</a:t>
-            </a:r>
-            <a:endParaRPr lang="en-US" dirty="0"/>
-          </a:p>
-        </p:txBody>
-      </p:sp>
       <p:grpSp>
         <p:nvGrpSpPr>
-          <p:cNvPr id="10" name="Group 9"/>
+          <p:cNvPr id="5" name="Group 4"/>
           <p:cNvGrpSpPr/>
           <p:nvPr/>
         </p:nvGrpSpPr>
         <p:grpSpPr>
           <a:xfrm>
-            <a:off x="1665242" y="3879736"/>
-            <a:ext cx="2133119" cy="752005"/>
-            <a:chOff x="-26190" y="3443852"/>
-            <a:chExt cx="2133119" cy="752005"/>
+            <a:off x="1665242" y="5082947"/>
+            <a:ext cx="4659358" cy="752005"/>
+            <a:chOff x="1665242" y="3879736"/>
+            <a:chExt cx="4659358" cy="752005"/>
           </a:xfrm>
         </p:grpSpPr>
-        <p:pic>
-          <p:nvPicPr>
-            <p:cNvPr id="41" name="Picture 4" descr="C:\Users\Pedro\Desktop\Z_DRIVE_Pedro\2 Music\1 Controllers\0_TSI_Traktor\ddj-sz\2 Working\v6.3.0 - DDJ-1000 TP3 - Initial release\Support files\DDJ-1000 - Deck.jpg"/>
-            <p:cNvPicPr>
-              <a:picLocks noChangeAspect="1" noChangeArrowheads="1"/>
-            </p:cNvPicPr>
+        <p:grpSp>
+          <p:nvGrpSpPr>
+            <p:cNvPr id="10" name="Group 9"/>
+            <p:cNvGrpSpPr/>
             <p:nvPr/>
-          </p:nvPicPr>
-          <p:blipFill rotWithShape="1">
-            <a:blip r:embed="rId3" cstate="print">
+          </p:nvGrpSpPr>
+          <p:grpSpPr>
+            <a:xfrm>
+              <a:off x="1665242" y="3879736"/>
+              <a:ext cx="2133119" cy="752005"/>
+              <a:chOff x="-26190" y="3443852"/>
+              <a:chExt cx="2133119" cy="752005"/>
+            </a:xfrm>
+          </p:grpSpPr>
+          <p:pic>
+            <p:nvPicPr>
+              <p:cNvPr id="41" name="Picture 4" descr="C:\Users\Pedro\Desktop\Z_DRIVE_Pedro\2 Music\1 Controllers\0_TSI_Traktor\ddj-sz\2 Working\v6.3.0 - DDJ-1000 TP3 - Initial release\Support files\DDJ-1000 - Deck.jpg"/>
+              <p:cNvPicPr>
+                <a:picLocks noChangeAspect="1" noChangeArrowheads="1"/>
+              </p:cNvPicPr>
+              <p:nvPr/>
+            </p:nvPicPr>
+            <p:blipFill rotWithShape="1">
+              <a:blip r:embed="rId3" cstate="print">
+                <a:extLst>
+                  <a:ext uri="{28A0092B-C50C-407E-A947-70E740481C1C}">
+                    <a14:useLocalDpi xmlns:a14="http://schemas.microsoft.com/office/drawing/2010/main" val="0"/>
+                  </a:ext>
+                </a:extLst>
+              </a:blip>
+              <a:srcRect l="3414" t="59283" r="85941" b="35639"/>
+              <a:stretch/>
+            </p:blipFill>
+            <p:spPr bwMode="auto">
+              <a:xfrm>
+                <a:off x="-26190" y="3505200"/>
+                <a:ext cx="945417" cy="648248"/>
+              </a:xfrm>
+              <a:prstGeom prst="rect">
+                <a:avLst/>
+              </a:prstGeom>
+              <a:noFill/>
               <a:extLst>
-                <a:ext uri="{28A0092B-C50C-407E-A947-70E740481C1C}">
-                  <a14:useLocalDpi xmlns:a14="http://schemas.microsoft.com/office/drawing/2010/main" val="0"/>
+                <a:ext uri="{909E8E84-426E-40DD-AFC4-6F175D3DCCD1}">
+                  <a14:hiddenFill xmlns:a14="http://schemas.microsoft.com/office/drawing/2010/main">
+                    <a:solidFill>
+                      <a:srgbClr val="FFFFFF"/>
+                    </a:solidFill>
+                  </a14:hiddenFill>
                 </a:ext>
               </a:extLst>
-            </a:blip>
-            <a:srcRect l="3414" t="59283" r="85941" b="35639"/>
-            <a:stretch/>
-          </p:blipFill>
-          <p:spPr bwMode="auto">
-            <a:xfrm>
-              <a:off x="-26190" y="3505200"/>
-              <a:ext cx="945417" cy="648248"/>
-            </a:xfrm>
-            <a:prstGeom prst="rect">
-              <a:avLst/>
-            </a:prstGeom>
-            <a:noFill/>
-            <a:extLst>
-              <a:ext uri="{909E8E84-426E-40DD-AFC4-6F175D3DCCD1}">
-                <a14:hiddenFill xmlns:a14="http://schemas.microsoft.com/office/drawing/2010/main">
-                  <a:solidFill>
-                    <a:srgbClr val="FFFFFF"/>
-                  </a:solidFill>
-                </a14:hiddenFill>
-              </a:ext>
-            </a:extLst>
-          </p:spPr>
-        </p:pic>
+            </p:spPr>
+          </p:pic>
+          <p:sp>
+            <p:nvSpPr>
+              <p:cNvPr id="48" name="TextBox 47"/>
+              <p:cNvSpPr txBox="1"/>
+              <p:nvPr/>
+            </p:nvSpPr>
+            <p:spPr>
+              <a:xfrm>
+                <a:off x="990251" y="3558245"/>
+                <a:ext cx="364202" cy="523220"/>
+              </a:xfrm>
+              <a:prstGeom prst="rect">
+                <a:avLst/>
+              </a:prstGeom>
+              <a:noFill/>
+            </p:spPr>
+            <p:txBody>
+              <a:bodyPr wrap="none" rtlCol="0">
+                <a:spAutoFit/>
+              </a:bodyPr>
+              <a:lstStyle/>
+              <a:p>
+                <a:r>
+                  <a:rPr lang="en-US" sz="2800" b="1" dirty="0"/>
+                  <a:t>+</a:t>
+                </a:r>
+              </a:p>
+            </p:txBody>
+          </p:sp>
+          <p:pic>
+            <p:nvPicPr>
+              <p:cNvPr id="25" name="Picture 4" descr="C:\Users\Pedro\Desktop\Z_DRIVE_Pedro\2 Music\1 Controllers\0_TSI_Traktor\ddj-sz\2 Working\v6.3.0 - DDJ-1000 TP3 - Initial release\Support files\DDJ-1000 - Deck.jpg"/>
+              <p:cNvPicPr>
+                <a:picLocks noChangeAspect="1" noChangeArrowheads="1"/>
+              </p:cNvPicPr>
+              <p:nvPr/>
+            </p:nvPicPr>
+            <p:blipFill rotWithShape="1">
+              <a:blip r:embed="rId3" cstate="print">
+                <a:extLst>
+                  <a:ext uri="{28A0092B-C50C-407E-A947-70E740481C1C}">
+                    <a14:useLocalDpi xmlns:a14="http://schemas.microsoft.com/office/drawing/2010/main" val="0"/>
+                  </a:ext>
+                </a:extLst>
+              </a:blip>
+              <a:srcRect l="89995" t="54923" r="609" b="38546"/>
+              <a:stretch/>
+            </p:blipFill>
+            <p:spPr bwMode="auto">
+              <a:xfrm>
+                <a:off x="1354453" y="3443852"/>
+                <a:ext cx="752476" cy="752005"/>
+              </a:xfrm>
+              <a:prstGeom prst="rect">
+                <a:avLst/>
+              </a:prstGeom>
+              <a:noFill/>
+              <a:extLst>
+                <a:ext uri="{909E8E84-426E-40DD-AFC4-6F175D3DCCD1}">
+                  <a14:hiddenFill xmlns:a14="http://schemas.microsoft.com/office/drawing/2010/main">
+                    <a:solidFill>
+                      <a:srgbClr val="FFFFFF"/>
+                    </a:solidFill>
+                  </a14:hiddenFill>
+                </a:ext>
+              </a:extLst>
+            </p:spPr>
+          </p:pic>
+        </p:grpSp>
         <p:sp>
           <p:nvSpPr>
-            <p:cNvPr id="48" name="TextBox 47"/>
+            <p:cNvPr id="45" name="TextBox 44"/>
             <p:cNvSpPr txBox="1"/>
             <p:nvPr/>
           </p:nvSpPr>
           <p:spPr>
             <a:xfrm>
-              <a:off x="990251" y="3558245"/>
-              <a:ext cx="364202" cy="523220"/>
+              <a:off x="4303656" y="4071072"/>
+              <a:ext cx="2020944" cy="369332"/>
             </a:xfrm>
             <a:prstGeom prst="rect">
               <a:avLst/>
@@ -5389,190 +5571,234 @@
             <a:noFill/>
           </p:spPr>
           <p:txBody>
-            <a:bodyPr wrap="none" rtlCol="0">
+            <a:bodyPr wrap="square" rtlCol="0">
               <a:spAutoFit/>
             </a:bodyPr>
             <a:lstStyle/>
             <a:p>
               <a:r>
-                <a:rPr lang="en-US" sz="2800" b="1" dirty="0"/>
-                <a:t>+</a:t>
+                <a:rPr lang="en-US" dirty="0" smtClean="0"/>
+                <a:t>Sync Off</a:t>
               </a:r>
+              <a:endParaRPr lang="en-US" dirty="0"/>
             </a:p>
           </p:txBody>
         </p:sp>
-        <p:pic>
-          <p:nvPicPr>
-            <p:cNvPr id="25" name="Picture 4" descr="C:\Users\Pedro\Desktop\Z_DRIVE_Pedro\2 Music\1 Controllers\0_TSI_Traktor\ddj-sz\2 Working\v6.3.0 - DDJ-1000 TP3 - Initial release\Support files\DDJ-1000 - Deck.jpg"/>
-            <p:cNvPicPr>
-              <a:picLocks noChangeAspect="1" noChangeArrowheads="1"/>
-            </p:cNvPicPr>
-            <p:nvPr/>
-          </p:nvPicPr>
-          <p:blipFill rotWithShape="1">
-            <a:blip r:embed="rId3" cstate="print">
-              <a:extLst>
-                <a:ext uri="{28A0092B-C50C-407E-A947-70E740481C1C}">
-                  <a14:useLocalDpi xmlns:a14="http://schemas.microsoft.com/office/drawing/2010/main" val="0"/>
-                </a:ext>
-              </a:extLst>
-            </a:blip>
-            <a:srcRect l="89995" t="54923" r="609" b="38546"/>
-            <a:stretch/>
-          </p:blipFill>
-          <p:spPr bwMode="auto">
-            <a:xfrm>
-              <a:off x="1354453" y="3443852"/>
-              <a:ext cx="752476" cy="752005"/>
-            </a:xfrm>
-            <a:prstGeom prst="rect">
-              <a:avLst/>
-            </a:prstGeom>
-            <a:noFill/>
-            <a:extLst>
-              <a:ext uri="{909E8E84-426E-40DD-AFC4-6F175D3DCCD1}">
-                <a14:hiddenFill xmlns:a14="http://schemas.microsoft.com/office/drawing/2010/main">
-                  <a:solidFill>
-                    <a:srgbClr val="FFFFFF"/>
-                  </a:solidFill>
-                </a14:hiddenFill>
-              </a:ext>
-            </a:extLst>
-          </p:spPr>
-        </p:pic>
       </p:grpSp>
-      <p:sp>
-        <p:nvSpPr>
-          <p:cNvPr id="45" name="TextBox 44"/>
-          <p:cNvSpPr txBox="1"/>
-          <p:nvPr/>
-        </p:nvSpPr>
-        <p:spPr>
-          <a:xfrm>
-            <a:off x="4303656" y="4071072"/>
-            <a:ext cx="2020944" cy="369332"/>
-          </a:xfrm>
-          <a:prstGeom prst="rect">
-            <a:avLst/>
-          </a:prstGeom>
-          <a:noFill/>
-        </p:spPr>
-        <p:txBody>
-          <a:bodyPr wrap="square" rtlCol="0">
-            <a:spAutoFit/>
-          </a:bodyPr>
-          <a:lstStyle/>
-          <a:p>
-            <a:r>
-              <a:rPr lang="en-US" dirty="0" smtClean="0"/>
-              <a:t>Sync Off (always)</a:t>
-            </a:r>
-            <a:endParaRPr lang="en-US" dirty="0"/>
-          </a:p>
-        </p:txBody>
-      </p:sp>
       <p:grpSp>
         <p:nvGrpSpPr>
-          <p:cNvPr id="6" name="Group 5"/>
+          <p:cNvPr id="3" name="Group 2"/>
           <p:cNvGrpSpPr/>
           <p:nvPr/>
         </p:nvGrpSpPr>
         <p:grpSpPr>
           <a:xfrm>
-            <a:off x="528589" y="4906046"/>
-            <a:ext cx="3237398" cy="785852"/>
-            <a:chOff x="55811" y="4695236"/>
-            <a:chExt cx="3237398" cy="785852"/>
+            <a:off x="557893" y="5924674"/>
+            <a:ext cx="7093404" cy="785852"/>
+            <a:chOff x="528589" y="4906046"/>
+            <a:chExt cx="7093404" cy="785852"/>
           </a:xfrm>
         </p:grpSpPr>
-        <p:pic>
-          <p:nvPicPr>
-            <p:cNvPr id="34" name="Picture 4" descr="C:\Users\Pedro\Desktop\Z_DRIVE_Pedro\2 Music\1 Controllers\0_TSI_Traktor\ddj-sz\2 Working\v6.3.0 - DDJ-1000 TP3 - Initial release\Support files\DDJ-1000 - Deck.jpg"/>
-            <p:cNvPicPr>
-              <a:picLocks noChangeAspect="1" noChangeArrowheads="1"/>
-            </p:cNvPicPr>
+        <p:grpSp>
+          <p:nvGrpSpPr>
+            <p:cNvPr id="6" name="Group 5"/>
+            <p:cNvGrpSpPr/>
             <p:nvPr/>
-          </p:nvPicPr>
-          <p:blipFill rotWithShape="1">
-            <a:blip r:embed="rId3" cstate="print">
+          </p:nvGrpSpPr>
+          <p:grpSpPr>
+            <a:xfrm>
+              <a:off x="528589" y="4906046"/>
+              <a:ext cx="3237398" cy="785852"/>
+              <a:chOff x="55811" y="4695236"/>
+              <a:chExt cx="3237398" cy="785852"/>
+            </a:xfrm>
+          </p:grpSpPr>
+          <p:pic>
+            <p:nvPicPr>
+              <p:cNvPr id="34" name="Picture 4" descr="C:\Users\Pedro\Desktop\Z_DRIVE_Pedro\2 Music\1 Controllers\0_TSI_Traktor\ddj-sz\2 Working\v6.3.0 - DDJ-1000 TP3 - Initial release\Support files\DDJ-1000 - Deck.jpg"/>
+              <p:cNvPicPr>
+                <a:picLocks noChangeAspect="1" noChangeArrowheads="1"/>
+              </p:cNvPicPr>
+              <p:nvPr/>
+            </p:nvPicPr>
+            <p:blipFill rotWithShape="1">
+              <a:blip r:embed="rId3" cstate="print">
+                <a:extLst>
+                  <a:ext uri="{28A0092B-C50C-407E-A947-70E740481C1C}">
+                    <a14:useLocalDpi xmlns:a14="http://schemas.microsoft.com/office/drawing/2010/main" val="0"/>
+                  </a:ext>
+                </a:extLst>
+              </a:blip>
+              <a:srcRect l="3414" t="59283" r="85941" b="35639"/>
+              <a:stretch/>
+            </p:blipFill>
+            <p:spPr bwMode="auto">
+              <a:xfrm>
+                <a:off x="1150837" y="4789977"/>
+                <a:ext cx="945417" cy="648248"/>
+              </a:xfrm>
+              <a:prstGeom prst="rect">
+                <a:avLst/>
+              </a:prstGeom>
+              <a:noFill/>
               <a:extLst>
-                <a:ext uri="{28A0092B-C50C-407E-A947-70E740481C1C}">
-                  <a14:useLocalDpi xmlns:a14="http://schemas.microsoft.com/office/drawing/2010/main" val="0"/>
+                <a:ext uri="{909E8E84-426E-40DD-AFC4-6F175D3DCCD1}">
+                  <a14:hiddenFill xmlns:a14="http://schemas.microsoft.com/office/drawing/2010/main">
+                    <a:solidFill>
+                      <a:srgbClr val="FFFFFF"/>
+                    </a:solidFill>
+                  </a14:hiddenFill>
                 </a:ext>
               </a:extLst>
-            </a:blip>
-            <a:srcRect l="3414" t="59283" r="85941" b="35639"/>
-            <a:stretch/>
-          </p:blipFill>
-          <p:spPr bwMode="auto">
-            <a:xfrm>
-              <a:off x="1150837" y="4789977"/>
-              <a:ext cx="945417" cy="648248"/>
-            </a:xfrm>
-            <a:prstGeom prst="rect">
-              <a:avLst/>
-            </a:prstGeom>
-            <a:noFill/>
-            <a:extLst>
-              <a:ext uri="{909E8E84-426E-40DD-AFC4-6F175D3DCCD1}">
-                <a14:hiddenFill xmlns:a14="http://schemas.microsoft.com/office/drawing/2010/main">
-                  <a:solidFill>
-                    <a:srgbClr val="FFFFFF"/>
-                  </a:solidFill>
-                </a14:hiddenFill>
-              </a:ext>
-            </a:extLst>
-          </p:spPr>
-        </p:pic>
-        <p:pic>
-          <p:nvPicPr>
-            <p:cNvPr id="35" name="Picture 4" descr="C:\Users\Pedro\Desktop\Z_DRIVE_Pedro\2 Music\1 Controllers\0_TSI_Traktor\ddj-sz\2 Working\v6.3.0 - DDJ-1000 TP3 - Initial release\Support files\DDJ-1000 - Deck.jpg"/>
-            <p:cNvPicPr>
-              <a:picLocks noChangeAspect="1" noChangeArrowheads="1"/>
-            </p:cNvPicPr>
-            <p:nvPr/>
-          </p:nvPicPr>
-          <p:blipFill rotWithShape="1">
-            <a:blip r:embed="rId3" cstate="print">
+            </p:spPr>
+          </p:pic>
+          <p:pic>
+            <p:nvPicPr>
+              <p:cNvPr id="35" name="Picture 4" descr="C:\Users\Pedro\Desktop\Z_DRIVE_Pedro\2 Music\1 Controllers\0_TSI_Traktor\ddj-sz\2 Working\v6.3.0 - DDJ-1000 TP3 - Initial release\Support files\DDJ-1000 - Deck.jpg"/>
+              <p:cNvPicPr>
+                <a:picLocks noChangeAspect="1" noChangeArrowheads="1"/>
+              </p:cNvPicPr>
+              <p:nvPr/>
+            </p:nvPicPr>
+            <p:blipFill rotWithShape="1">
+              <a:blip r:embed="rId3" cstate="print">
+                <a:extLst>
+                  <a:ext uri="{28A0092B-C50C-407E-A947-70E740481C1C}">
+                    <a14:useLocalDpi xmlns:a14="http://schemas.microsoft.com/office/drawing/2010/main" val="0"/>
+                  </a:ext>
+                </a:extLst>
+              </a:blip>
+              <a:srcRect l="2234" t="54119" r="90688" b="40132"/>
+              <a:stretch/>
+            </p:blipFill>
+            <p:spPr bwMode="auto">
+              <a:xfrm>
+                <a:off x="55811" y="4747115"/>
+                <a:ext cx="628651" cy="733973"/>
+              </a:xfrm>
+              <a:prstGeom prst="rect">
+                <a:avLst/>
+              </a:prstGeom>
+              <a:noFill/>
               <a:extLst>
-                <a:ext uri="{28A0092B-C50C-407E-A947-70E740481C1C}">
-                  <a14:useLocalDpi xmlns:a14="http://schemas.microsoft.com/office/drawing/2010/main" val="0"/>
+                <a:ext uri="{909E8E84-426E-40DD-AFC4-6F175D3DCCD1}">
+                  <a14:hiddenFill xmlns:a14="http://schemas.microsoft.com/office/drawing/2010/main">
+                    <a:solidFill>
+                      <a:srgbClr val="FFFFFF"/>
+                    </a:solidFill>
+                  </a14:hiddenFill>
                 </a:ext>
               </a:extLst>
-            </a:blip>
-            <a:srcRect l="2234" t="54119" r="90688" b="40132"/>
-            <a:stretch/>
-          </p:blipFill>
-          <p:spPr bwMode="auto">
-            <a:xfrm>
-              <a:off x="55811" y="4747115"/>
-              <a:ext cx="628651" cy="733973"/>
-            </a:xfrm>
-            <a:prstGeom prst="rect">
-              <a:avLst/>
-            </a:prstGeom>
-            <a:noFill/>
-            <a:extLst>
-              <a:ext uri="{909E8E84-426E-40DD-AFC4-6F175D3DCCD1}">
-                <a14:hiddenFill xmlns:a14="http://schemas.microsoft.com/office/drawing/2010/main">
-                  <a:solidFill>
-                    <a:srgbClr val="FFFFFF"/>
-                  </a:solidFill>
-                </a14:hiddenFill>
-              </a:ext>
-            </a:extLst>
-          </p:spPr>
-        </p:pic>
+            </p:spPr>
+          </p:pic>
+          <p:sp>
+            <p:nvSpPr>
+              <p:cNvPr id="36" name="TextBox 35"/>
+              <p:cNvSpPr txBox="1"/>
+              <p:nvPr/>
+            </p:nvSpPr>
+            <p:spPr>
+              <a:xfrm>
+                <a:off x="762000" y="4809629"/>
+                <a:ext cx="364202" cy="523220"/>
+              </a:xfrm>
+              <a:prstGeom prst="rect">
+                <a:avLst/>
+              </a:prstGeom>
+              <a:noFill/>
+            </p:spPr>
+            <p:txBody>
+              <a:bodyPr wrap="none" rtlCol="0">
+                <a:spAutoFit/>
+              </a:bodyPr>
+              <a:lstStyle/>
+              <a:p>
+                <a:r>
+                  <a:rPr lang="en-US" sz="2800" b="1" dirty="0"/>
+                  <a:t>+</a:t>
+                </a:r>
+              </a:p>
+            </p:txBody>
+          </p:sp>
+          <p:sp>
+            <p:nvSpPr>
+              <p:cNvPr id="37" name="TextBox 36"/>
+              <p:cNvSpPr txBox="1"/>
+              <p:nvPr/>
+            </p:nvSpPr>
+            <p:spPr>
+              <a:xfrm>
+                <a:off x="2164076" y="4809629"/>
+                <a:ext cx="364202" cy="523220"/>
+              </a:xfrm>
+              <a:prstGeom prst="rect">
+                <a:avLst/>
+              </a:prstGeom>
+              <a:noFill/>
+            </p:spPr>
+            <p:txBody>
+              <a:bodyPr wrap="none" rtlCol="0">
+                <a:spAutoFit/>
+              </a:bodyPr>
+              <a:lstStyle/>
+              <a:p>
+                <a:r>
+                  <a:rPr lang="en-US" sz="2800" b="1" dirty="0"/>
+                  <a:t>+</a:t>
+                </a:r>
+              </a:p>
+            </p:txBody>
+          </p:sp>
+          <p:pic>
+            <p:nvPicPr>
+              <p:cNvPr id="38" name="Picture 4" descr="C:\Users\Pedro\Desktop\Z_DRIVE_Pedro\2 Music\1 Controllers\0_TSI_Traktor\ddj-sz\2 Working\v6.3.0 - DDJ-1000 TP3 - Initial release\Support files\DDJ-1000 - Deck.jpg"/>
+              <p:cNvPicPr>
+                <a:picLocks noChangeAspect="1" noChangeArrowheads="1"/>
+              </p:cNvPicPr>
+              <p:nvPr/>
+            </p:nvPicPr>
+            <p:blipFill rotWithShape="1">
+              <a:blip r:embed="rId3" cstate="print">
+                <a:extLst>
+                  <a:ext uri="{28A0092B-C50C-407E-A947-70E740481C1C}">
+                    <a14:useLocalDpi xmlns:a14="http://schemas.microsoft.com/office/drawing/2010/main" val="0"/>
+                  </a:ext>
+                </a:extLst>
+              </a:blip>
+              <a:srcRect l="89995" t="54923" r="609" b="38546"/>
+              <a:stretch/>
+            </p:blipFill>
+            <p:spPr bwMode="auto">
+              <a:xfrm>
+                <a:off x="2540733" y="4695236"/>
+                <a:ext cx="752476" cy="752005"/>
+              </a:xfrm>
+              <a:prstGeom prst="rect">
+                <a:avLst/>
+              </a:prstGeom>
+              <a:noFill/>
+              <a:extLst>
+                <a:ext uri="{909E8E84-426E-40DD-AFC4-6F175D3DCCD1}">
+                  <a14:hiddenFill xmlns:a14="http://schemas.microsoft.com/office/drawing/2010/main">
+                    <a:solidFill>
+                      <a:srgbClr val="FFFFFF"/>
+                    </a:solidFill>
+                  </a14:hiddenFill>
+                </a:ext>
+              </a:extLst>
+            </p:spPr>
+          </p:pic>
+        </p:grpSp>
         <p:sp>
           <p:nvSpPr>
-            <p:cNvPr id="36" name="TextBox 35"/>
+            <p:cNvPr id="46" name="TextBox 45"/>
             <p:cNvSpPr txBox="1"/>
             <p:nvPr/>
           </p:nvSpPr>
           <p:spPr>
             <a:xfrm>
-              <a:off x="762000" y="4809629"/>
-              <a:ext cx="364202" cy="523220"/>
+              <a:off x="4334224" y="5097383"/>
+              <a:ext cx="3287769" cy="369332"/>
             </a:xfrm>
             <a:prstGeom prst="rect">
               <a:avLst/>
@@ -5580,140 +5806,19 @@
             <a:noFill/>
           </p:spPr>
           <p:txBody>
-            <a:bodyPr wrap="none" rtlCol="0">
+            <a:bodyPr wrap="square" rtlCol="0">
               <a:spAutoFit/>
             </a:bodyPr>
             <a:lstStyle/>
             <a:p>
               <a:r>
-                <a:rPr lang="en-US" sz="2800" b="1" dirty="0"/>
-                <a:t>+</a:t>
+                <a:rPr lang="en-US" dirty="0" smtClean="0"/>
+                <a:t>Toggle between 3x sync modes</a:t>
               </a:r>
             </a:p>
           </p:txBody>
         </p:sp>
-        <p:sp>
-          <p:nvSpPr>
-            <p:cNvPr id="37" name="TextBox 36"/>
-            <p:cNvSpPr txBox="1"/>
-            <p:nvPr/>
-          </p:nvSpPr>
-          <p:spPr>
-            <a:xfrm>
-              <a:off x="2164076" y="4809629"/>
-              <a:ext cx="364202" cy="523220"/>
-            </a:xfrm>
-            <a:prstGeom prst="rect">
-              <a:avLst/>
-            </a:prstGeom>
-            <a:noFill/>
-          </p:spPr>
-          <p:txBody>
-            <a:bodyPr wrap="none" rtlCol="0">
-              <a:spAutoFit/>
-            </a:bodyPr>
-            <a:lstStyle/>
-            <a:p>
-              <a:r>
-                <a:rPr lang="en-US" sz="2800" b="1" dirty="0"/>
-                <a:t>+</a:t>
-              </a:r>
-            </a:p>
-          </p:txBody>
-        </p:sp>
-        <p:pic>
-          <p:nvPicPr>
-            <p:cNvPr id="38" name="Picture 4" descr="C:\Users\Pedro\Desktop\Z_DRIVE_Pedro\2 Music\1 Controllers\0_TSI_Traktor\ddj-sz\2 Working\v6.3.0 - DDJ-1000 TP3 - Initial release\Support files\DDJ-1000 - Deck.jpg"/>
-            <p:cNvPicPr>
-              <a:picLocks noChangeAspect="1" noChangeArrowheads="1"/>
-            </p:cNvPicPr>
-            <p:nvPr/>
-          </p:nvPicPr>
-          <p:blipFill rotWithShape="1">
-            <a:blip r:embed="rId3" cstate="print">
-              <a:extLst>
-                <a:ext uri="{28A0092B-C50C-407E-A947-70E740481C1C}">
-                  <a14:useLocalDpi xmlns:a14="http://schemas.microsoft.com/office/drawing/2010/main" val="0"/>
-                </a:ext>
-              </a:extLst>
-            </a:blip>
-            <a:srcRect l="89995" t="54923" r="609" b="38546"/>
-            <a:stretch/>
-          </p:blipFill>
-          <p:spPr bwMode="auto">
-            <a:xfrm>
-              <a:off x="2540733" y="4695236"/>
-              <a:ext cx="752476" cy="752005"/>
-            </a:xfrm>
-            <a:prstGeom prst="rect">
-              <a:avLst/>
-            </a:prstGeom>
-            <a:noFill/>
-            <a:extLst>
-              <a:ext uri="{909E8E84-426E-40DD-AFC4-6F175D3DCCD1}">
-                <a14:hiddenFill xmlns:a14="http://schemas.microsoft.com/office/drawing/2010/main">
-                  <a:solidFill>
-                    <a:srgbClr val="FFFFFF"/>
-                  </a:solidFill>
-                </a14:hiddenFill>
-              </a:ext>
-            </a:extLst>
-          </p:spPr>
-        </p:pic>
       </p:grpSp>
-      <p:sp>
-        <p:nvSpPr>
-          <p:cNvPr id="46" name="TextBox 45"/>
-          <p:cNvSpPr txBox="1"/>
-          <p:nvPr/>
-        </p:nvSpPr>
-        <p:spPr>
-          <a:xfrm>
-            <a:off x="4332231" y="5011678"/>
-            <a:ext cx="2268003" cy="646331"/>
-          </a:xfrm>
-          <a:prstGeom prst="rect">
-            <a:avLst/>
-          </a:prstGeom>
-          <a:noFill/>
-        </p:spPr>
-        <p:txBody>
-          <a:bodyPr wrap="square" rtlCol="0">
-            <a:spAutoFit/>
-          </a:bodyPr>
-          <a:lstStyle/>
-          <a:p>
-            <a:r>
-              <a:rPr lang="en-US" dirty="0" smtClean="0"/>
-              <a:t>Toggle </a:t>
-            </a:r>
-            <a:r>
-              <a:rPr lang="en-US" dirty="0" err="1" smtClean="0"/>
-              <a:t>Traktor</a:t>
-            </a:r>
-            <a:r>
-              <a:rPr lang="en-US" dirty="0" smtClean="0"/>
-              <a:t>/</a:t>
-            </a:r>
-            <a:r>
-              <a:rPr lang="en-US" dirty="0" err="1" smtClean="0"/>
-              <a:t>Serato</a:t>
-            </a:r>
-            <a:r>
-              <a:rPr lang="en-US" dirty="0" smtClean="0"/>
-              <a:t> </a:t>
-            </a:r>
-            <a:br>
-              <a:rPr lang="en-US" dirty="0" smtClean="0"/>
-            </a:br>
-            <a:r>
-              <a:rPr lang="en-US" dirty="0" smtClean="0"/>
-              <a:t>sync mode</a:t>
-            </a:r>
-            <a:endParaRPr lang="en-US" dirty="0"/>
-          </a:p>
-        </p:txBody>
-      </p:sp>
       <p:cxnSp>
         <p:nvCxnSpPr>
           <p:cNvPr id="15" name="Straight Connector 14"/>
@@ -5722,7 +5827,7 @@
         </p:nvCxnSpPr>
         <p:spPr>
           <a:xfrm>
-            <a:off x="457200" y="2438400"/>
+            <a:off x="533400" y="3962400"/>
             <a:ext cx="7896860" cy="0"/>
           </a:xfrm>
           <a:prstGeom prst="line">
@@ -5769,6 +5874,354 @@
           </a:p>
         </p:txBody>
       </p:sp>
+      <p:sp>
+        <p:nvSpPr>
+          <p:cNvPr id="27" name="TextBox 26"/>
+          <p:cNvSpPr txBox="1"/>
+          <p:nvPr/>
+        </p:nvSpPr>
+        <p:spPr>
+          <a:xfrm>
+            <a:off x="6400800" y="803963"/>
+            <a:ext cx="2142894" cy="369332"/>
+          </a:xfrm>
+          <a:prstGeom prst="rect">
+            <a:avLst/>
+          </a:prstGeom>
+          <a:noFill/>
+        </p:spPr>
+        <p:txBody>
+          <a:bodyPr wrap="none" rtlCol="0">
+            <a:spAutoFit/>
+          </a:bodyPr>
+          <a:lstStyle/>
+          <a:p>
+            <a:r>
+              <a:rPr lang="en-US" b="1" u="sng" dirty="0" smtClean="0"/>
+              <a:t>ELASTIC GRID MODE</a:t>
+            </a:r>
+            <a:endParaRPr lang="en-US" b="1" u="sng" dirty="0"/>
+          </a:p>
+        </p:txBody>
+      </p:sp>
+      <p:sp>
+        <p:nvSpPr>
+          <p:cNvPr id="28" name="TextBox 27"/>
+          <p:cNvSpPr txBox="1"/>
+          <p:nvPr/>
+        </p:nvSpPr>
+        <p:spPr>
+          <a:xfrm>
+            <a:off x="6589146" y="1937898"/>
+            <a:ext cx="1734677" cy="369332"/>
+          </a:xfrm>
+          <a:prstGeom prst="rect">
+            <a:avLst/>
+          </a:prstGeom>
+          <a:noFill/>
+        </p:spPr>
+        <p:txBody>
+          <a:bodyPr wrap="square" rtlCol="0">
+            <a:spAutoFit/>
+          </a:bodyPr>
+          <a:lstStyle/>
+          <a:p>
+            <a:r>
+              <a:rPr lang="en-US" dirty="0" smtClean="0"/>
+              <a:t>Sync On</a:t>
+            </a:r>
+            <a:endParaRPr lang="en-US" dirty="0"/>
+          </a:p>
+        </p:txBody>
+      </p:sp>
+      <p:grpSp>
+        <p:nvGrpSpPr>
+          <p:cNvPr id="13" name="Group 12"/>
+          <p:cNvGrpSpPr/>
+          <p:nvPr/>
+        </p:nvGrpSpPr>
+        <p:grpSpPr>
+          <a:xfrm>
+            <a:off x="1400200" y="3211738"/>
+            <a:ext cx="6943114" cy="563617"/>
+            <a:chOff x="448591" y="3733221"/>
+            <a:chExt cx="6943114" cy="563617"/>
+          </a:xfrm>
+        </p:grpSpPr>
+        <p:pic>
+          <p:nvPicPr>
+            <p:cNvPr id="33" name="Picture 4" descr="C:\Users\Pedro\Desktop\Z_DRIVE_Pedro\2 Music\1 Controllers\0_TSI_Traktor\ddj-sz\2 Working\v6.3.0 - DDJ-1000 TP3 - Initial release\Support files\DDJ-1000 - Deck.jpg"/>
+            <p:cNvPicPr>
+              <a:picLocks noChangeAspect="1" noChangeArrowheads="1"/>
+            </p:cNvPicPr>
+            <p:nvPr/>
+          </p:nvPicPr>
+          <p:blipFill rotWithShape="1">
+            <a:blip r:embed="rId4" cstate="print">
+              <a:extLst>
+                <a:ext uri="{28A0092B-C50C-407E-A947-70E740481C1C}">
+                  <a14:useLocalDpi xmlns:a14="http://schemas.microsoft.com/office/drawing/2010/main" val="0"/>
+                </a:ext>
+              </a:extLst>
+            </a:blip>
+            <a:srcRect t="8386" b="27013"/>
+            <a:stretch/>
+          </p:blipFill>
+          <p:spPr bwMode="auto">
+            <a:xfrm>
+              <a:off x="448591" y="3733221"/>
+              <a:ext cx="606900" cy="563617"/>
+            </a:xfrm>
+            <a:prstGeom prst="rect">
+              <a:avLst/>
+            </a:prstGeom>
+            <a:noFill/>
+            <a:extLst>
+              <a:ext uri="{909E8E84-426E-40DD-AFC4-6F175D3DCCD1}">
+                <a14:hiddenFill xmlns:a14="http://schemas.microsoft.com/office/drawing/2010/main">
+                  <a:solidFill>
+                    <a:srgbClr val="FFFFFF"/>
+                  </a:solidFill>
+                </a14:hiddenFill>
+              </a:ext>
+            </a:extLst>
+          </p:spPr>
+        </p:pic>
+        <p:sp>
+          <p:nvSpPr>
+            <p:cNvPr id="47" name="TextBox 46"/>
+            <p:cNvSpPr txBox="1"/>
+            <p:nvPr/>
+          </p:nvSpPr>
+          <p:spPr>
+            <a:xfrm>
+              <a:off x="5657028" y="3830363"/>
+              <a:ext cx="1734677" cy="369332"/>
+            </a:xfrm>
+            <a:prstGeom prst="rect">
+              <a:avLst/>
+            </a:prstGeom>
+            <a:noFill/>
+          </p:spPr>
+          <p:txBody>
+            <a:bodyPr wrap="square" rtlCol="0">
+              <a:spAutoFit/>
+            </a:bodyPr>
+            <a:lstStyle/>
+            <a:p>
+              <a:r>
+                <a:rPr lang="en-US" dirty="0" smtClean="0"/>
+                <a:t>Sync Off</a:t>
+              </a:r>
+              <a:endParaRPr lang="en-US" dirty="0"/>
+            </a:p>
+          </p:txBody>
+        </p:sp>
+      </p:grpSp>
+      <p:grpSp>
+        <p:nvGrpSpPr>
+          <p:cNvPr id="14" name="Group 13"/>
+          <p:cNvGrpSpPr/>
+          <p:nvPr/>
+        </p:nvGrpSpPr>
+        <p:grpSpPr>
+          <a:xfrm>
+            <a:off x="1424303" y="2514600"/>
+            <a:ext cx="6899520" cy="608436"/>
+            <a:chOff x="1440065" y="3186422"/>
+            <a:chExt cx="6899520" cy="608436"/>
+          </a:xfrm>
+        </p:grpSpPr>
+        <p:pic>
+          <p:nvPicPr>
+            <p:cNvPr id="39" name="Picture 4" descr="C:\Users\Pedro\Desktop\Z_DRIVE_Pedro\2 Music\1 Controllers\0_TSI_Traktor\ddj-sz\2 Working\v6.3.0 - DDJ-1000 TP3 - Initial release\Support files\DDJ-1000 - Deck.jpg"/>
+            <p:cNvPicPr>
+              <a:picLocks noChangeAspect="1" noChangeArrowheads="1"/>
+            </p:cNvPicPr>
+            <p:nvPr/>
+          </p:nvPicPr>
+          <p:blipFill rotWithShape="1">
+            <a:blip r:embed="rId3" cstate="print">
+              <a:extLst>
+                <a:ext uri="{28A0092B-C50C-407E-A947-70E740481C1C}">
+                  <a14:useLocalDpi xmlns:a14="http://schemas.microsoft.com/office/drawing/2010/main" val="0"/>
+                </a:ext>
+              </a:extLst>
+            </a:blip>
+            <a:srcRect l="3817" t="72146" r="79312" b="15876"/>
+            <a:stretch/>
+          </p:blipFill>
+          <p:spPr bwMode="auto">
+            <a:xfrm>
+              <a:off x="1440065" y="3186422"/>
+              <a:ext cx="596156" cy="608436"/>
+            </a:xfrm>
+            <a:prstGeom prst="rect">
+              <a:avLst/>
+            </a:prstGeom>
+            <a:noFill/>
+            <a:extLst>
+              <a:ext uri="{909E8E84-426E-40DD-AFC4-6F175D3DCCD1}">
+                <a14:hiddenFill xmlns:a14="http://schemas.microsoft.com/office/drawing/2010/main">
+                  <a:solidFill>
+                    <a:srgbClr val="FFFFFF"/>
+                  </a:solidFill>
+                </a14:hiddenFill>
+              </a:ext>
+            </a:extLst>
+          </p:spPr>
+        </p:pic>
+        <p:sp>
+          <p:nvSpPr>
+            <p:cNvPr id="49" name="TextBox 48"/>
+            <p:cNvSpPr txBox="1"/>
+            <p:nvPr/>
+          </p:nvSpPr>
+          <p:spPr>
+            <a:xfrm>
+              <a:off x="6604908" y="3305974"/>
+              <a:ext cx="1734677" cy="369332"/>
+            </a:xfrm>
+            <a:prstGeom prst="rect">
+              <a:avLst/>
+            </a:prstGeom>
+            <a:noFill/>
+          </p:spPr>
+          <p:txBody>
+            <a:bodyPr wrap="square" rtlCol="0">
+              <a:spAutoFit/>
+            </a:bodyPr>
+            <a:lstStyle/>
+            <a:p>
+              <a:r>
+                <a:rPr lang="en-US" dirty="0" smtClean="0"/>
+                <a:t>Sync On</a:t>
+              </a:r>
+              <a:endParaRPr lang="en-US" dirty="0"/>
+            </a:p>
+          </p:txBody>
+        </p:sp>
+      </p:grpSp>
+      <p:sp>
+        <p:nvSpPr>
+          <p:cNvPr id="50" name="TextBox 49"/>
+          <p:cNvSpPr txBox="1"/>
+          <p:nvPr/>
+        </p:nvSpPr>
+        <p:spPr>
+          <a:xfrm>
+            <a:off x="2536834" y="1295398"/>
+            <a:ext cx="1734677" cy="369332"/>
+          </a:xfrm>
+          <a:prstGeom prst="rect">
+            <a:avLst/>
+          </a:prstGeom>
+          <a:noFill/>
+        </p:spPr>
+        <p:txBody>
+          <a:bodyPr wrap="square" rtlCol="0">
+            <a:spAutoFit/>
+          </a:bodyPr>
+          <a:lstStyle/>
+          <a:p>
+            <a:r>
+              <a:rPr lang="en-US" dirty="0" err="1" smtClean="0"/>
+              <a:t>BeatSync</a:t>
+            </a:r>
+            <a:endParaRPr lang="en-US" dirty="0"/>
+          </a:p>
+        </p:txBody>
+      </p:sp>
+      <p:sp>
+        <p:nvSpPr>
+          <p:cNvPr id="51" name="TextBox 50"/>
+          <p:cNvSpPr txBox="1"/>
+          <p:nvPr/>
+        </p:nvSpPr>
+        <p:spPr>
+          <a:xfrm>
+            <a:off x="771364" y="1156899"/>
+            <a:ext cx="1870301" cy="646331"/>
+          </a:xfrm>
+          <a:prstGeom prst="rect">
+            <a:avLst/>
+          </a:prstGeom>
+          <a:noFill/>
+        </p:spPr>
+        <p:txBody>
+          <a:bodyPr wrap="square" rtlCol="0">
+            <a:spAutoFit/>
+          </a:bodyPr>
+          <a:lstStyle/>
+          <a:p>
+            <a:r>
+              <a:rPr lang="en-US" dirty="0" smtClean="0"/>
+              <a:t>Preferences / Transport</a:t>
+            </a:r>
+            <a:endParaRPr lang="en-US" dirty="0"/>
+          </a:p>
+        </p:txBody>
+      </p:sp>
+      <p:sp>
+        <p:nvSpPr>
+          <p:cNvPr id="52" name="TextBox 51"/>
+          <p:cNvSpPr txBox="1"/>
+          <p:nvPr/>
+        </p:nvSpPr>
+        <p:spPr>
+          <a:xfrm>
+            <a:off x="6619808" y="1295398"/>
+            <a:ext cx="1734677" cy="369332"/>
+          </a:xfrm>
+          <a:prstGeom prst="rect">
+            <a:avLst/>
+          </a:prstGeom>
+          <a:noFill/>
+        </p:spPr>
+        <p:txBody>
+          <a:bodyPr wrap="square" rtlCol="0">
+            <a:spAutoFit/>
+          </a:bodyPr>
+          <a:lstStyle/>
+          <a:p>
+            <a:r>
+              <a:rPr lang="en-US" dirty="0" err="1" smtClean="0"/>
+              <a:t>BeatSync</a:t>
+            </a:r>
+            <a:endParaRPr lang="en-US" dirty="0"/>
+          </a:p>
+        </p:txBody>
+      </p:sp>
+      <p:sp>
+        <p:nvSpPr>
+          <p:cNvPr id="53" name="TextBox 52"/>
+          <p:cNvSpPr txBox="1"/>
+          <p:nvPr/>
+        </p:nvSpPr>
+        <p:spPr>
+          <a:xfrm>
+            <a:off x="4590721" y="1295398"/>
+            <a:ext cx="1734677" cy="369332"/>
+          </a:xfrm>
+          <a:prstGeom prst="rect">
+            <a:avLst/>
+          </a:prstGeom>
+          <a:noFill/>
+        </p:spPr>
+        <p:txBody>
+          <a:bodyPr wrap="square" rtlCol="0">
+            <a:spAutoFit/>
+          </a:bodyPr>
+          <a:lstStyle/>
+          <a:p>
+            <a:r>
+              <a:rPr lang="en-US" dirty="0" smtClean="0"/>
+              <a:t>Tempo Sync</a:t>
+            </a:r>
+            <a:endParaRPr lang="en-US" dirty="0"/>
+          </a:p>
+        </p:txBody>
+      </p:sp>
     </p:spTree>
     <p:extLst>
       <p:ext uri="{BB962C8B-B14F-4D97-AF65-F5344CB8AC3E}">
@@ -5783,6 +6236,499 @@
 </file>
 
 <file path=ppt/slides/slide11.xml><?xml version="1.0" encoding="utf-8"?>
+<p:sld xmlns:a="http://schemas.openxmlformats.org/drawingml/2006/main" xmlns:r="http://schemas.openxmlformats.org/officeDocument/2006/relationships" xmlns:p="http://schemas.openxmlformats.org/presentationml/2006/main">
+  <p:cSld>
+    <p:spTree>
+      <p:nvGrpSpPr>
+        <p:cNvPr id="1" name=""/>
+        <p:cNvGrpSpPr/>
+        <p:nvPr/>
+      </p:nvGrpSpPr>
+      <p:grpSpPr>
+        <a:xfrm>
+          <a:off x="0" y="0"/>
+          <a:ext cx="0" cy="0"/>
+          <a:chOff x="0" y="0"/>
+          <a:chExt cx="0" cy="0"/>
+        </a:xfrm>
+      </p:grpSpPr>
+      <p:sp>
+        <p:nvSpPr>
+          <p:cNvPr id="4" name="TextBox 3"/>
+          <p:cNvSpPr txBox="1"/>
+          <p:nvPr/>
+        </p:nvSpPr>
+        <p:spPr>
+          <a:xfrm>
+            <a:off x="152400" y="111145"/>
+            <a:ext cx="2984407" cy="461665"/>
+          </a:xfrm>
+          <a:prstGeom prst="rect">
+            <a:avLst/>
+          </a:prstGeom>
+          <a:noFill/>
+        </p:spPr>
+        <p:txBody>
+          <a:bodyPr wrap="none" rtlCol="0">
+            <a:spAutoFit/>
+          </a:bodyPr>
+          <a:lstStyle/>
+          <a:p>
+            <a:r>
+              <a:rPr lang="en-US" sz="2400" i="1" u="sng" dirty="0" smtClean="0"/>
+              <a:t>DDJ-1000: Deck layout</a:t>
+            </a:r>
+            <a:endParaRPr lang="en-US" sz="2400" i="1" u="sng" dirty="0"/>
+          </a:p>
+        </p:txBody>
+      </p:sp>
+      <p:pic>
+        <p:nvPicPr>
+          <p:cNvPr id="26" name="Picture 4" descr="C:\Users\Pedro\Desktop\Z_DRIVE_Pedro\2 Music\1 Controllers\0_TSI_Traktor\ddj-sz\2 Working\v6.3.0 - DDJ-1000 TP3 - Initial release\Support files\DDJ-1000 - Deck.jpg"/>
+          <p:cNvPicPr>
+            <a:picLocks noChangeAspect="1" noChangeArrowheads="1"/>
+          </p:cNvPicPr>
+          <p:nvPr/>
+        </p:nvPicPr>
+        <p:blipFill rotWithShape="1">
+          <a:blip r:embed="rId3" cstate="print">
+            <a:extLst>
+              <a:ext uri="{28A0092B-C50C-407E-A947-70E740481C1C}">
+                <a14:useLocalDpi xmlns:a14="http://schemas.microsoft.com/office/drawing/2010/main" val="0"/>
+              </a:ext>
+            </a:extLst>
+          </a:blip>
+          <a:srcRect l="2734" t="16519" r="88911" b="75536"/>
+          <a:stretch/>
+        </p:blipFill>
+        <p:spPr bwMode="auto">
+          <a:xfrm>
+            <a:off x="1838314" y="995296"/>
+            <a:ext cx="599271" cy="819428"/>
+          </a:xfrm>
+          <a:prstGeom prst="rect">
+            <a:avLst/>
+          </a:prstGeom>
+          <a:noFill/>
+          <a:extLst>
+            <a:ext uri="{909E8E84-426E-40DD-AFC4-6F175D3DCCD1}">
+              <a14:hiddenFill xmlns:a14="http://schemas.microsoft.com/office/drawing/2010/main">
+                <a:solidFill>
+                  <a:srgbClr val="FFFFFF"/>
+                </a:solidFill>
+              </a14:hiddenFill>
+            </a:ext>
+          </a:extLst>
+        </p:spPr>
+      </p:pic>
+      <p:sp>
+        <p:nvSpPr>
+          <p:cNvPr id="8" name="TextBox 7"/>
+          <p:cNvSpPr txBox="1"/>
+          <p:nvPr/>
+        </p:nvSpPr>
+        <p:spPr>
+          <a:xfrm>
+            <a:off x="2921893" y="1120832"/>
+            <a:ext cx="3250307" cy="369332"/>
+          </a:xfrm>
+          <a:prstGeom prst="rect">
+            <a:avLst/>
+          </a:prstGeom>
+          <a:noFill/>
+        </p:spPr>
+        <p:txBody>
+          <a:bodyPr wrap="square" rtlCol="0">
+            <a:spAutoFit/>
+          </a:bodyPr>
+          <a:lstStyle/>
+          <a:p>
+            <a:r>
+              <a:rPr lang="en-US" dirty="0" smtClean="0"/>
+              <a:t>Toggle 2-deck / 4-deck view</a:t>
+            </a:r>
+            <a:endParaRPr lang="en-US" dirty="0"/>
+          </a:p>
+        </p:txBody>
+      </p:sp>
+      <p:sp>
+        <p:nvSpPr>
+          <p:cNvPr id="2" name="Slide Number Placeholder 1"/>
+          <p:cNvSpPr>
+            <a:spLocks noGrp="1"/>
+          </p:cNvSpPr>
+          <p:nvPr>
+            <p:ph type="sldNum" sz="quarter" idx="12"/>
+          </p:nvPr>
+        </p:nvSpPr>
+        <p:spPr>
+          <a:xfrm>
+            <a:off x="8763000" y="6492875"/>
+            <a:ext cx="344586" cy="365125"/>
+          </a:xfrm>
+        </p:spPr>
+        <p:txBody>
+          <a:bodyPr/>
+          <a:lstStyle/>
+          <a:p>
+            <a:fld id="{B6F15528-21DE-4FAA-801E-634DDDAF4B2B}" type="slidenum">
+              <a:rPr lang="en-US" smtClean="0"/>
+              <a:pPr/>
+              <a:t>11</a:t>
+            </a:fld>
+            <a:endParaRPr lang="en-US"/>
+          </a:p>
+        </p:txBody>
+      </p:sp>
+      <p:grpSp>
+        <p:nvGrpSpPr>
+          <p:cNvPr id="16" name="Group 15"/>
+          <p:cNvGrpSpPr/>
+          <p:nvPr/>
+        </p:nvGrpSpPr>
+        <p:grpSpPr>
+          <a:xfrm>
+            <a:off x="730326" y="3090728"/>
+            <a:ext cx="1695181" cy="819428"/>
+            <a:chOff x="793039" y="3504722"/>
+            <a:chExt cx="1695181" cy="819428"/>
+          </a:xfrm>
+        </p:grpSpPr>
+        <p:pic>
+          <p:nvPicPr>
+            <p:cNvPr id="30" name="Picture 4" descr="C:\Users\Pedro\Desktop\Z_DRIVE_Pedro\2 Music\1 Controllers\0_TSI_Traktor\ddj-sz\2 Working\v6.3.0 - DDJ-1000 TP3 - Initial release\Support files\DDJ-1000 - Deck.jpg"/>
+            <p:cNvPicPr>
+              <a:picLocks noChangeAspect="1" noChangeArrowheads="1"/>
+            </p:cNvPicPr>
+            <p:nvPr/>
+          </p:nvPicPr>
+          <p:blipFill rotWithShape="1">
+            <a:blip r:embed="rId3" cstate="print">
+              <a:extLst>
+                <a:ext uri="{28A0092B-C50C-407E-A947-70E740481C1C}">
+                  <a14:useLocalDpi xmlns:a14="http://schemas.microsoft.com/office/drawing/2010/main" val="0"/>
+                </a:ext>
+              </a:extLst>
+            </a:blip>
+            <a:srcRect l="2234" t="54119" r="90688" b="40132"/>
+            <a:stretch/>
+          </p:blipFill>
+          <p:spPr bwMode="auto">
+            <a:xfrm>
+              <a:off x="793039" y="3547450"/>
+              <a:ext cx="628651" cy="733973"/>
+            </a:xfrm>
+            <a:prstGeom prst="rect">
+              <a:avLst/>
+            </a:prstGeom>
+            <a:noFill/>
+            <a:extLst>
+              <a:ext uri="{909E8E84-426E-40DD-AFC4-6F175D3DCCD1}">
+                <a14:hiddenFill xmlns:a14="http://schemas.microsoft.com/office/drawing/2010/main">
+                  <a:solidFill>
+                    <a:srgbClr val="FFFFFF"/>
+                  </a:solidFill>
+                </a14:hiddenFill>
+              </a:ext>
+            </a:extLst>
+          </p:spPr>
+        </p:pic>
+        <p:sp>
+          <p:nvSpPr>
+            <p:cNvPr id="40" name="TextBox 39"/>
+            <p:cNvSpPr txBox="1"/>
+            <p:nvPr/>
+          </p:nvSpPr>
+          <p:spPr>
+            <a:xfrm>
+              <a:off x="1496330" y="3666317"/>
+              <a:ext cx="364202" cy="523220"/>
+            </a:xfrm>
+            <a:prstGeom prst="rect">
+              <a:avLst/>
+            </a:prstGeom>
+            <a:noFill/>
+          </p:spPr>
+          <p:txBody>
+            <a:bodyPr wrap="none" rtlCol="0">
+              <a:spAutoFit/>
+            </a:bodyPr>
+            <a:lstStyle/>
+            <a:p>
+              <a:r>
+                <a:rPr lang="en-US" sz="2800" b="1" dirty="0"/>
+                <a:t>+</a:t>
+              </a:r>
+            </a:p>
+          </p:txBody>
+        </p:sp>
+        <p:pic>
+          <p:nvPicPr>
+            <p:cNvPr id="55" name="Picture 4" descr="C:\Users\Pedro\Desktop\Z_DRIVE_Pedro\2 Music\1 Controllers\0_TSI_Traktor\ddj-sz\2 Working\v6.3.0 - DDJ-1000 TP3 - Initial release\Support files\DDJ-1000 - Deck.jpg"/>
+            <p:cNvPicPr>
+              <a:picLocks noChangeAspect="1" noChangeArrowheads="1"/>
+            </p:cNvPicPr>
+            <p:nvPr/>
+          </p:nvPicPr>
+          <p:blipFill rotWithShape="1">
+            <a:blip r:embed="rId3" cstate="print">
+              <a:extLst>
+                <a:ext uri="{28A0092B-C50C-407E-A947-70E740481C1C}">
+                  <a14:useLocalDpi xmlns:a14="http://schemas.microsoft.com/office/drawing/2010/main" val="0"/>
+                </a:ext>
+              </a:extLst>
+            </a:blip>
+            <a:srcRect l="2734" t="16519" r="88911" b="75536"/>
+            <a:stretch/>
+          </p:blipFill>
+          <p:spPr bwMode="auto">
+            <a:xfrm>
+              <a:off x="1888949" y="3504722"/>
+              <a:ext cx="599271" cy="819428"/>
+            </a:xfrm>
+            <a:prstGeom prst="rect">
+              <a:avLst/>
+            </a:prstGeom>
+            <a:noFill/>
+            <a:extLst>
+              <a:ext uri="{909E8E84-426E-40DD-AFC4-6F175D3DCCD1}">
+                <a14:hiddenFill xmlns:a14="http://schemas.microsoft.com/office/drawing/2010/main">
+                  <a:solidFill>
+                    <a:srgbClr val="FFFFFF"/>
+                  </a:solidFill>
+                </a14:hiddenFill>
+              </a:ext>
+            </a:extLst>
+          </p:spPr>
+        </p:pic>
+      </p:grpSp>
+      <p:grpSp>
+        <p:nvGrpSpPr>
+          <p:cNvPr id="11" name="Group 10"/>
+          <p:cNvGrpSpPr/>
+          <p:nvPr/>
+        </p:nvGrpSpPr>
+        <p:grpSpPr>
+          <a:xfrm>
+            <a:off x="719292" y="2051957"/>
+            <a:ext cx="1718293" cy="819428"/>
+            <a:chOff x="785978" y="2388966"/>
+            <a:chExt cx="1718293" cy="819428"/>
+          </a:xfrm>
+        </p:grpSpPr>
+        <p:pic>
+          <p:nvPicPr>
+            <p:cNvPr id="54" name="Picture 4" descr="C:\Users\Pedro\Desktop\Z_DRIVE_Pedro\2 Music\1 Controllers\0_TSI_Traktor\ddj-sz\2 Working\v6.3.0 - DDJ-1000 TP3 - Initial release\Support files\DDJ-1000 - Deck.jpg"/>
+            <p:cNvPicPr>
+              <a:picLocks noChangeAspect="1" noChangeArrowheads="1"/>
+            </p:cNvPicPr>
+            <p:nvPr/>
+          </p:nvPicPr>
+          <p:blipFill rotWithShape="1">
+            <a:blip r:embed="rId3" cstate="print">
+              <a:extLst>
+                <a:ext uri="{28A0092B-C50C-407E-A947-70E740481C1C}">
+                  <a14:useLocalDpi xmlns:a14="http://schemas.microsoft.com/office/drawing/2010/main" val="0"/>
+                </a:ext>
+              </a:extLst>
+            </a:blip>
+            <a:srcRect l="2734" t="16519" r="88911" b="75536"/>
+            <a:stretch/>
+          </p:blipFill>
+          <p:spPr bwMode="auto">
+            <a:xfrm>
+              <a:off x="1905000" y="2388966"/>
+              <a:ext cx="599271" cy="819428"/>
+            </a:xfrm>
+            <a:prstGeom prst="rect">
+              <a:avLst/>
+            </a:prstGeom>
+            <a:noFill/>
+            <a:extLst>
+              <a:ext uri="{909E8E84-426E-40DD-AFC4-6F175D3DCCD1}">
+                <a14:hiddenFill xmlns:a14="http://schemas.microsoft.com/office/drawing/2010/main">
+                  <a:solidFill>
+                    <a:srgbClr val="FFFFFF"/>
+                  </a:solidFill>
+                </a14:hiddenFill>
+              </a:ext>
+            </a:extLst>
+          </p:spPr>
+        </p:pic>
+        <p:pic>
+          <p:nvPicPr>
+            <p:cNvPr id="56" name="Picture 4" descr="C:\Users\Pedro\Desktop\Z_DRIVE_Pedro\2 Music\1 Controllers\0_TSI_Traktor\ddj-sz\2 Working\v6.3.0 - DDJ-1000 TP3 - Initial release\Support files\DDJ-1000 - Deck.jpg"/>
+            <p:cNvPicPr>
+              <a:picLocks noChangeAspect="1" noChangeArrowheads="1"/>
+            </p:cNvPicPr>
+            <p:nvPr/>
+          </p:nvPicPr>
+          <p:blipFill rotWithShape="1">
+            <a:blip r:embed="rId3" cstate="print">
+              <a:extLst>
+                <a:ext uri="{28A0092B-C50C-407E-A947-70E740481C1C}">
+                  <a14:useLocalDpi xmlns:a14="http://schemas.microsoft.com/office/drawing/2010/main" val="0"/>
+                </a:ext>
+              </a:extLst>
+            </a:blip>
+            <a:srcRect l="2734" t="16519" r="88911" b="75536"/>
+            <a:stretch/>
+          </p:blipFill>
+          <p:spPr bwMode="auto">
+            <a:xfrm>
+              <a:off x="785978" y="2388966"/>
+              <a:ext cx="599271" cy="819428"/>
+            </a:xfrm>
+            <a:prstGeom prst="rect">
+              <a:avLst/>
+            </a:prstGeom>
+            <a:noFill/>
+            <a:extLst>
+              <a:ext uri="{909E8E84-426E-40DD-AFC4-6F175D3DCCD1}">
+                <a14:hiddenFill xmlns:a14="http://schemas.microsoft.com/office/drawing/2010/main">
+                  <a:solidFill>
+                    <a:srgbClr val="FFFFFF"/>
+                  </a:solidFill>
+                </a14:hiddenFill>
+              </a:ext>
+            </a:extLst>
+          </p:spPr>
+        </p:pic>
+        <p:sp>
+          <p:nvSpPr>
+            <p:cNvPr id="58" name="TextBox 57"/>
+            <p:cNvSpPr txBox="1"/>
+            <p:nvPr/>
+          </p:nvSpPr>
+          <p:spPr>
+            <a:xfrm>
+              <a:off x="1462502" y="2537070"/>
+              <a:ext cx="364202" cy="523220"/>
+            </a:xfrm>
+            <a:prstGeom prst="rect">
+              <a:avLst/>
+            </a:prstGeom>
+            <a:noFill/>
+          </p:spPr>
+          <p:txBody>
+            <a:bodyPr wrap="none" rtlCol="0">
+              <a:spAutoFit/>
+            </a:bodyPr>
+            <a:lstStyle/>
+            <a:p>
+              <a:r>
+                <a:rPr lang="en-US" sz="2800" b="1" dirty="0"/>
+                <a:t>+</a:t>
+              </a:r>
+            </a:p>
+          </p:txBody>
+        </p:sp>
+      </p:grpSp>
+      <p:sp>
+        <p:nvSpPr>
+          <p:cNvPr id="59" name="TextBox 58"/>
+          <p:cNvSpPr txBox="1"/>
+          <p:nvPr/>
+        </p:nvSpPr>
+        <p:spPr>
+          <a:xfrm>
+            <a:off x="2921892" y="2277005"/>
+            <a:ext cx="3859908" cy="369332"/>
+          </a:xfrm>
+          <a:prstGeom prst="rect">
+            <a:avLst/>
+          </a:prstGeom>
+          <a:noFill/>
+        </p:spPr>
+        <p:txBody>
+          <a:bodyPr wrap="square" rtlCol="0">
+            <a:spAutoFit/>
+          </a:bodyPr>
+          <a:lstStyle/>
+          <a:p>
+            <a:r>
+              <a:rPr lang="en-US" dirty="0" smtClean="0"/>
+              <a:t>Toggle Parallel / Classic view</a:t>
+            </a:r>
+            <a:endParaRPr lang="en-US" dirty="0"/>
+          </a:p>
+        </p:txBody>
+      </p:sp>
+      <p:sp>
+        <p:nvSpPr>
+          <p:cNvPr id="60" name="TextBox 59"/>
+          <p:cNvSpPr txBox="1"/>
+          <p:nvPr/>
+        </p:nvSpPr>
+        <p:spPr>
+          <a:xfrm>
+            <a:off x="1278335" y="1992312"/>
+            <a:ext cx="650911" cy="415498"/>
+          </a:xfrm>
+          <a:prstGeom prst="rect">
+            <a:avLst/>
+          </a:prstGeom>
+          <a:noFill/>
+        </p:spPr>
+        <p:txBody>
+          <a:bodyPr wrap="square" rtlCol="0">
+            <a:spAutoFit/>
+          </a:bodyPr>
+          <a:lstStyle/>
+          <a:p>
+            <a:pPr algn="ctr"/>
+            <a:r>
+              <a:rPr lang="en-US" sz="1050" dirty="0" smtClean="0"/>
+              <a:t>(Double Tap)</a:t>
+            </a:r>
+            <a:endParaRPr lang="en-US" sz="1050" dirty="0"/>
+          </a:p>
+        </p:txBody>
+      </p:sp>
+      <p:sp>
+        <p:nvSpPr>
+          <p:cNvPr id="61" name="TextBox 60"/>
+          <p:cNvSpPr txBox="1"/>
+          <p:nvPr/>
+        </p:nvSpPr>
+        <p:spPr>
+          <a:xfrm>
+            <a:off x="2880894" y="3329267"/>
+            <a:ext cx="3859908" cy="369332"/>
+          </a:xfrm>
+          <a:prstGeom prst="rect">
+            <a:avLst/>
+          </a:prstGeom>
+          <a:noFill/>
+        </p:spPr>
+        <p:txBody>
+          <a:bodyPr wrap="square" rtlCol="0">
+            <a:spAutoFit/>
+          </a:bodyPr>
+          <a:lstStyle/>
+          <a:p>
+            <a:r>
+              <a:rPr lang="en-US" dirty="0" smtClean="0"/>
+              <a:t> Enable/ disable layout change</a:t>
+            </a:r>
+            <a:endParaRPr lang="en-US" dirty="0"/>
+          </a:p>
+        </p:txBody>
+      </p:sp>
+    </p:spTree>
+    <p:extLst>
+      <p:ext uri="{BB962C8B-B14F-4D97-AF65-F5344CB8AC3E}">
+        <p14:creationId xmlns:p14="http://schemas.microsoft.com/office/powerpoint/2010/main" val="2122772222"/>
+      </p:ext>
+    </p:extLst>
+  </p:cSld>
+  <p:clrMapOvr>
+    <a:masterClrMapping/>
+  </p:clrMapOvr>
+</p:sld>
+</file>
+
+<file path=ppt/slides/slide12.xml><?xml version="1.0" encoding="utf-8"?>
 <p:sld xmlns:a="http://schemas.openxmlformats.org/drawingml/2006/main" xmlns:r="http://schemas.openxmlformats.org/officeDocument/2006/relationships" xmlns:p="http://schemas.openxmlformats.org/presentationml/2006/main">
   <p:cSld>
     <p:spTree>
@@ -6999,7 +7945,7 @@
             <a:fld id="{B6F15528-21DE-4FAA-801E-634DDDAF4B2B}" type="slidenum">
               <a:rPr lang="en-US" smtClean="0"/>
               <a:pPr/>
-              <a:t>11</a:t>
+              <a:t>12</a:t>
             </a:fld>
             <a:endParaRPr lang="en-US"/>
           </a:p>
@@ -7018,7 +7964,7 @@
 </p:sld>
 </file>
 
-<file path=ppt/slides/slide12.xml><?xml version="1.0" encoding="utf-8"?>
+<file path=ppt/slides/slide13.xml><?xml version="1.0" encoding="utf-8"?>
 <p:sld xmlns:a="http://schemas.openxmlformats.org/drawingml/2006/main" xmlns:r="http://schemas.openxmlformats.org/officeDocument/2006/relationships" xmlns:p="http://schemas.openxmlformats.org/presentationml/2006/main">
   <p:cSld>
     <p:spTree>
@@ -7591,7 +8537,7 @@
             <a:fld id="{B6F15528-21DE-4FAA-801E-634DDDAF4B2B}" type="slidenum">
               <a:rPr lang="en-US" smtClean="0"/>
               <a:pPr/>
-              <a:t>12</a:t>
+              <a:t>13</a:t>
             </a:fld>
             <a:endParaRPr lang="en-US"/>
           </a:p>
@@ -7610,7 +8556,7 @@
 </p:sld>
 </file>
 
-<file path=ppt/slides/slide13.xml><?xml version="1.0" encoding="utf-8"?>
+<file path=ppt/slides/slide14.xml><?xml version="1.0" encoding="utf-8"?>
 <p:sld xmlns:a="http://schemas.openxmlformats.org/drawingml/2006/main" xmlns:r="http://schemas.openxmlformats.org/officeDocument/2006/relationships" xmlns:p="http://schemas.openxmlformats.org/presentationml/2006/main">
   <p:cSld>
     <p:spTree>
@@ -7968,7 +8914,7 @@
             <a:fld id="{B6F15528-21DE-4FAA-801E-634DDDAF4B2B}" type="slidenum">
               <a:rPr lang="en-US" smtClean="0"/>
               <a:pPr/>
-              <a:t>13</a:t>
+              <a:t>14</a:t>
             </a:fld>
             <a:endParaRPr lang="en-US"/>
           </a:p>
@@ -7987,7 +8933,7 @@
 </p:sld>
 </file>
 
-<file path=ppt/slides/slide14.xml><?xml version="1.0" encoding="utf-8"?>
+<file path=ppt/slides/slide15.xml><?xml version="1.0" encoding="utf-8"?>
 <p:sld xmlns:a="http://schemas.openxmlformats.org/drawingml/2006/main" xmlns:r="http://schemas.openxmlformats.org/officeDocument/2006/relationships" xmlns:p="http://schemas.openxmlformats.org/presentationml/2006/main">
   <p:cSld>
     <p:spTree>
@@ -9161,7 +10107,7 @@
             <a:fld id="{B6F15528-21DE-4FAA-801E-634DDDAF4B2B}" type="slidenum">
               <a:rPr lang="en-US" smtClean="0"/>
               <a:pPr/>
-              <a:t>14</a:t>
+              <a:t>15</a:t>
             </a:fld>
             <a:endParaRPr lang="en-US"/>
           </a:p>
@@ -9180,7 +10126,7 @@
 </p:sld>
 </file>
 
-<file path=ppt/slides/slide15.xml><?xml version="1.0" encoding="utf-8"?>
+<file path=ppt/slides/slide16.xml><?xml version="1.0" encoding="utf-8"?>
 <p:sld xmlns:a="http://schemas.openxmlformats.org/drawingml/2006/main" xmlns:r="http://schemas.openxmlformats.org/officeDocument/2006/relationships" xmlns:p="http://schemas.openxmlformats.org/presentationml/2006/main">
   <p:cSld>
     <p:spTree>
@@ -10113,7 +11059,7 @@
             <a:fld id="{B6F15528-21DE-4FAA-801E-634DDDAF4B2B}" type="slidenum">
               <a:rPr lang="en-US" smtClean="0"/>
               <a:pPr/>
-              <a:t>15</a:t>
+              <a:t>16</a:t>
             </a:fld>
             <a:endParaRPr lang="en-US"/>
           </a:p>
@@ -10132,7 +11078,7 @@
 </p:sld>
 </file>
 
-<file path=ppt/slides/slide16.xml><?xml version="1.0" encoding="utf-8"?>
+<file path=ppt/slides/slide17.xml><?xml version="1.0" encoding="utf-8"?>
 <p:sld xmlns:a="http://schemas.openxmlformats.org/drawingml/2006/main" xmlns:r="http://schemas.openxmlformats.org/officeDocument/2006/relationships" xmlns:p="http://schemas.openxmlformats.org/presentationml/2006/main">
   <p:cSld>
     <p:spTree>
@@ -10934,7 +11880,7 @@
             <a:fld id="{B6F15528-21DE-4FAA-801E-634DDDAF4B2B}" type="slidenum">
               <a:rPr lang="en-US" smtClean="0"/>
               <a:pPr/>
-              <a:t>16</a:t>
+              <a:t>17</a:t>
             </a:fld>
             <a:endParaRPr lang="en-US"/>
           </a:p>
@@ -10953,7 +11899,7 @@
 </p:sld>
 </file>
 
-<file path=ppt/slides/slide17.xml><?xml version="1.0" encoding="utf-8"?>
+<file path=ppt/slides/slide18.xml><?xml version="1.0" encoding="utf-8"?>
 <p:sld xmlns:a="http://schemas.openxmlformats.org/drawingml/2006/main" xmlns:r="http://schemas.openxmlformats.org/officeDocument/2006/relationships" xmlns:p="http://schemas.openxmlformats.org/presentationml/2006/main">
   <p:cSld>
     <p:spTree>
@@ -14408,7 +15354,7 @@
             <a:fld id="{B6F15528-21DE-4FAA-801E-634DDDAF4B2B}" type="slidenum">
               <a:rPr lang="en-US" smtClean="0"/>
               <a:pPr/>
-              <a:t>17</a:t>
+              <a:t>18</a:t>
             </a:fld>
             <a:endParaRPr lang="en-US"/>
           </a:p>
@@ -14427,7 +15373,7 @@
 </p:sld>
 </file>
 
-<file path=ppt/slides/slide18.xml><?xml version="1.0" encoding="utf-8"?>
+<file path=ppt/slides/slide19.xml><?xml version="1.0" encoding="utf-8"?>
 <p:sld xmlns:a="http://schemas.openxmlformats.org/drawingml/2006/main" xmlns:r="http://schemas.openxmlformats.org/officeDocument/2006/relationships" xmlns:p="http://schemas.openxmlformats.org/presentationml/2006/main">
   <p:cSld>
     <p:spTree>
@@ -17575,7 +18521,7 @@
             <a:fld id="{B6F15528-21DE-4FAA-801E-634DDDAF4B2B}" type="slidenum">
               <a:rPr lang="en-US" smtClean="0"/>
               <a:pPr/>
-              <a:t>18</a:t>
+              <a:t>19</a:t>
             </a:fld>
             <a:endParaRPr lang="en-US"/>
           </a:p>
@@ -17585,1182 +18531,6 @@
     <p:extLst>
       <p:ext uri="{BB962C8B-B14F-4D97-AF65-F5344CB8AC3E}">
         <p14:creationId xmlns:p14="http://schemas.microsoft.com/office/powerpoint/2010/main" val="3871378255"/>
-      </p:ext>
-    </p:extLst>
-  </p:cSld>
-  <p:clrMapOvr>
-    <a:masterClrMapping/>
-  </p:clrMapOvr>
-</p:sld>
-</file>
-
-<file path=ppt/slides/slide19.xml><?xml version="1.0" encoding="utf-8"?>
-<p:sld xmlns:a="http://schemas.openxmlformats.org/drawingml/2006/main" xmlns:r="http://schemas.openxmlformats.org/officeDocument/2006/relationships" xmlns:p="http://schemas.openxmlformats.org/presentationml/2006/main">
-  <p:cSld>
-    <p:spTree>
-      <p:nvGrpSpPr>
-        <p:cNvPr id="1" name=""/>
-        <p:cNvGrpSpPr/>
-        <p:nvPr/>
-      </p:nvGrpSpPr>
-      <p:grpSpPr>
-        <a:xfrm>
-          <a:off x="0" y="0"/>
-          <a:ext cx="0" cy="0"/>
-          <a:chOff x="0" y="0"/>
-          <a:chExt cx="0" cy="0"/>
-        </a:xfrm>
-      </p:grpSpPr>
-      <p:sp>
-        <p:nvSpPr>
-          <p:cNvPr id="32" name="TextBox 31"/>
-          <p:cNvSpPr txBox="1"/>
-          <p:nvPr/>
-        </p:nvSpPr>
-        <p:spPr>
-          <a:xfrm>
-            <a:off x="152400" y="111145"/>
-            <a:ext cx="3393045" cy="461665"/>
-          </a:xfrm>
-          <a:prstGeom prst="rect">
-            <a:avLst/>
-          </a:prstGeom>
-          <a:noFill/>
-        </p:spPr>
-        <p:txBody>
-          <a:bodyPr wrap="none" rtlCol="0">
-            <a:spAutoFit/>
-          </a:bodyPr>
-          <a:lstStyle/>
-          <a:p>
-            <a:r>
-              <a:rPr lang="en-US" sz="2400" i="1" u="sng" dirty="0"/>
-              <a:t>DDJ-1000 mode </a:t>
-            </a:r>
-            <a:r>
-              <a:rPr lang="en-US" sz="2400" i="1" u="sng" dirty="0" smtClean="0"/>
-              <a:t>#4: </a:t>
-            </a:r>
-            <a:r>
-              <a:rPr lang="en-US" sz="2400" i="1" u="sng" dirty="0" err="1" smtClean="0"/>
-              <a:t>JogFX</a:t>
-            </a:r>
-            <a:endParaRPr lang="en-US" sz="2400" i="1" u="sng" dirty="0"/>
-          </a:p>
-        </p:txBody>
-      </p:sp>
-      <p:grpSp>
-        <p:nvGrpSpPr>
-          <p:cNvPr id="1026" name="Group 1025"/>
-          <p:cNvGrpSpPr/>
-          <p:nvPr/>
-        </p:nvGrpSpPr>
-        <p:grpSpPr>
-          <a:xfrm>
-            <a:off x="435397" y="1647821"/>
-            <a:ext cx="3679403" cy="1704979"/>
-            <a:chOff x="199224" y="1919408"/>
-            <a:chExt cx="3679403" cy="1704979"/>
-          </a:xfrm>
-        </p:grpSpPr>
-        <p:sp>
-          <p:nvSpPr>
-            <p:cNvPr id="19" name="Rectangle 18"/>
-            <p:cNvSpPr/>
-            <p:nvPr/>
-          </p:nvSpPr>
-          <p:spPr>
-            <a:xfrm>
-              <a:off x="199224" y="1919408"/>
-              <a:ext cx="870682" cy="802343"/>
-            </a:xfrm>
-            <a:prstGeom prst="rect">
-              <a:avLst/>
-            </a:prstGeom>
-            <a:solidFill>
-              <a:schemeClr val="bg1"/>
-            </a:solidFill>
-            <a:ln w="12700">
-              <a:solidFill>
-                <a:schemeClr val="tx1"/>
-              </a:solidFill>
-            </a:ln>
-          </p:spPr>
-          <p:style>
-            <a:lnRef idx="2">
-              <a:schemeClr val="accent1">
-                <a:shade val="50000"/>
-              </a:schemeClr>
-            </a:lnRef>
-            <a:fillRef idx="1">
-              <a:schemeClr val="accent1"/>
-            </a:fillRef>
-            <a:effectRef idx="0">
-              <a:schemeClr val="accent1"/>
-            </a:effectRef>
-            <a:fontRef idx="minor">
-              <a:schemeClr val="lt1"/>
-            </a:fontRef>
-          </p:style>
-          <p:txBody>
-            <a:bodyPr lIns="0" tIns="0" rIns="0" bIns="0" rtlCol="0" anchor="ctr"/>
-            <a:lstStyle/>
-            <a:p>
-              <a:pPr algn="ctr"/>
-              <a:r>
-                <a:rPr lang="en-US" sz="1200" dirty="0" err="1" smtClean="0">
-                  <a:solidFill>
-                    <a:schemeClr val="tx1"/>
-                  </a:solidFill>
-                </a:rPr>
-                <a:t>Beatmasher</a:t>
-              </a:r>
-              <a:r>
-                <a:rPr lang="en-US" sz="1200" dirty="0" smtClean="0">
-                  <a:solidFill>
-                    <a:schemeClr val="tx1"/>
-                  </a:solidFill>
-                </a:rPr>
-                <a:t> </a:t>
-              </a:r>
-              <a:r>
-                <a:rPr lang="en-US" sz="1200" dirty="0">
-                  <a:solidFill>
-                    <a:schemeClr val="tx1"/>
-                  </a:solidFill>
-                </a:rPr>
-                <a:t>Digital </a:t>
-              </a:r>
-              <a:r>
-                <a:rPr lang="en-US" sz="1200" dirty="0" smtClean="0">
-                  <a:solidFill>
-                    <a:schemeClr val="tx1"/>
-                  </a:solidFill>
-                </a:rPr>
-                <a:t>filter </a:t>
-              </a:r>
-              <a:r>
-                <a:rPr lang="en-US" sz="1200" dirty="0" err="1">
-                  <a:solidFill>
-                    <a:schemeClr val="tx1"/>
-                  </a:solidFill>
-                </a:rPr>
-                <a:t>Gater</a:t>
-              </a:r>
-              <a:endParaRPr lang="en-US" sz="1100" dirty="0">
-                <a:solidFill>
-                  <a:schemeClr val="tx1"/>
-                </a:solidFill>
-              </a:endParaRPr>
-            </a:p>
-          </p:txBody>
-        </p:sp>
-        <p:sp>
-          <p:nvSpPr>
-            <p:cNvPr id="45" name="Rectangle 44"/>
-            <p:cNvSpPr/>
-            <p:nvPr/>
-          </p:nvSpPr>
-          <p:spPr>
-            <a:xfrm>
-              <a:off x="1143221" y="1919408"/>
-              <a:ext cx="870682" cy="802343"/>
-            </a:xfrm>
-            <a:prstGeom prst="rect">
-              <a:avLst/>
-            </a:prstGeom>
-            <a:solidFill>
-              <a:schemeClr val="bg1"/>
-            </a:solidFill>
-            <a:ln w="12700">
-              <a:solidFill>
-                <a:schemeClr val="tx1"/>
-              </a:solidFill>
-            </a:ln>
-          </p:spPr>
-          <p:style>
-            <a:lnRef idx="2">
-              <a:schemeClr val="accent1">
-                <a:shade val="50000"/>
-              </a:schemeClr>
-            </a:lnRef>
-            <a:fillRef idx="1">
-              <a:schemeClr val="accent1"/>
-            </a:fillRef>
-            <a:effectRef idx="0">
-              <a:schemeClr val="accent1"/>
-            </a:effectRef>
-            <a:fontRef idx="minor">
-              <a:schemeClr val="lt1"/>
-            </a:fontRef>
-          </p:style>
-          <p:txBody>
-            <a:bodyPr lIns="0" tIns="0" rIns="0" bIns="0" rtlCol="0" anchor="ctr"/>
-            <a:lstStyle/>
-            <a:p>
-              <a:pPr algn="ctr"/>
-              <a:r>
-                <a:rPr lang="en-US" sz="1200" dirty="0" err="1" smtClean="0">
-                  <a:solidFill>
-                    <a:schemeClr val="tx1"/>
-                  </a:solidFill>
-                </a:rPr>
-                <a:t>Beatmasher</a:t>
-              </a:r>
-              <a:r>
-                <a:rPr lang="en-US" sz="1200" dirty="0" smtClean="0">
-                  <a:solidFill>
-                    <a:schemeClr val="tx1"/>
-                  </a:solidFill>
-                </a:rPr>
-                <a:t/>
-              </a:r>
-              <a:br>
-                <a:rPr lang="en-US" sz="1200" dirty="0" smtClean="0">
-                  <a:solidFill>
-                    <a:schemeClr val="tx1"/>
-                  </a:solidFill>
-                </a:rPr>
-              </a:br>
-              <a:r>
-                <a:rPr lang="en-US" sz="1200" dirty="0" smtClean="0">
-                  <a:solidFill>
-                    <a:schemeClr val="tx1"/>
-                  </a:solidFill>
-                </a:rPr>
-                <a:t> Filter</a:t>
-              </a:r>
-              <a:br>
-                <a:rPr lang="en-US" sz="1200" dirty="0" smtClean="0">
-                  <a:solidFill>
-                    <a:schemeClr val="tx1"/>
-                  </a:solidFill>
-                </a:rPr>
-              </a:br>
-              <a:r>
-                <a:rPr lang="en-US" sz="1200" dirty="0" smtClean="0">
-                  <a:solidFill>
-                    <a:schemeClr val="tx1"/>
-                  </a:solidFill>
-                </a:rPr>
-                <a:t>Reverb</a:t>
-              </a:r>
-              <a:endParaRPr lang="en-US" sz="1100" dirty="0">
-                <a:solidFill>
-                  <a:schemeClr val="tx1"/>
-                </a:solidFill>
-              </a:endParaRPr>
-            </a:p>
-          </p:txBody>
-        </p:sp>
-        <p:sp>
-          <p:nvSpPr>
-            <p:cNvPr id="46" name="Rectangle 45"/>
-            <p:cNvSpPr/>
-            <p:nvPr/>
-          </p:nvSpPr>
-          <p:spPr>
-            <a:xfrm>
-              <a:off x="2080481" y="1919408"/>
-              <a:ext cx="870682" cy="802343"/>
-            </a:xfrm>
-            <a:prstGeom prst="rect">
-              <a:avLst/>
-            </a:prstGeom>
-            <a:solidFill>
-              <a:schemeClr val="bg1"/>
-            </a:solidFill>
-            <a:ln w="12700">
-              <a:solidFill>
-                <a:schemeClr val="tx1"/>
-              </a:solidFill>
-            </a:ln>
-          </p:spPr>
-          <p:style>
-            <a:lnRef idx="2">
-              <a:schemeClr val="accent1">
-                <a:shade val="50000"/>
-              </a:schemeClr>
-            </a:lnRef>
-            <a:fillRef idx="1">
-              <a:schemeClr val="accent1"/>
-            </a:fillRef>
-            <a:effectRef idx="0">
-              <a:schemeClr val="accent1"/>
-            </a:effectRef>
-            <a:fontRef idx="minor">
-              <a:schemeClr val="lt1"/>
-            </a:fontRef>
-          </p:style>
-          <p:txBody>
-            <a:bodyPr lIns="0" tIns="0" rIns="0" bIns="0" rtlCol="0" anchor="ctr"/>
-            <a:lstStyle/>
-            <a:p>
-              <a:pPr algn="ctr"/>
-              <a:r>
-                <a:rPr lang="en-US" sz="1200" dirty="0" err="1" smtClean="0">
-                  <a:solidFill>
-                    <a:schemeClr val="tx1"/>
-                  </a:solidFill>
-                </a:rPr>
-                <a:t>EventHorizon</a:t>
-              </a:r>
-              <a:endParaRPr lang="en-US" sz="1200" dirty="0" smtClean="0">
-                <a:solidFill>
-                  <a:schemeClr val="tx1"/>
-                </a:solidFill>
-              </a:endParaRPr>
-            </a:p>
-            <a:p>
-              <a:pPr algn="ctr"/>
-              <a:r>
-                <a:rPr lang="en-US" sz="1200" dirty="0" smtClean="0">
-                  <a:solidFill>
-                    <a:schemeClr val="tx1"/>
-                  </a:solidFill>
-                </a:rPr>
-                <a:t>(none)</a:t>
-              </a:r>
-              <a:br>
-                <a:rPr lang="en-US" sz="1200" dirty="0" smtClean="0">
-                  <a:solidFill>
-                    <a:schemeClr val="tx1"/>
-                  </a:solidFill>
-                </a:rPr>
-              </a:br>
-              <a:r>
-                <a:rPr lang="en-US" sz="1200" dirty="0" err="1" smtClean="0">
-                  <a:solidFill>
-                    <a:schemeClr val="tx1"/>
-                  </a:solidFill>
-                </a:rPr>
-                <a:t>Gater</a:t>
-              </a:r>
-              <a:endParaRPr lang="en-US" sz="1100" dirty="0">
-                <a:solidFill>
-                  <a:schemeClr val="tx1"/>
-                </a:solidFill>
-              </a:endParaRPr>
-            </a:p>
-          </p:txBody>
-        </p:sp>
-        <p:sp>
-          <p:nvSpPr>
-            <p:cNvPr id="47" name="Rectangle 46"/>
-            <p:cNvSpPr/>
-            <p:nvPr/>
-          </p:nvSpPr>
-          <p:spPr>
-            <a:xfrm>
-              <a:off x="3007945" y="1919408"/>
-              <a:ext cx="870682" cy="802343"/>
-            </a:xfrm>
-            <a:prstGeom prst="rect">
-              <a:avLst/>
-            </a:prstGeom>
-            <a:solidFill>
-              <a:schemeClr val="bg1"/>
-            </a:solidFill>
-            <a:ln w="12700">
-              <a:solidFill>
-                <a:schemeClr val="tx1"/>
-              </a:solidFill>
-            </a:ln>
-          </p:spPr>
-          <p:style>
-            <a:lnRef idx="2">
-              <a:schemeClr val="accent1">
-                <a:shade val="50000"/>
-              </a:schemeClr>
-            </a:lnRef>
-            <a:fillRef idx="1">
-              <a:schemeClr val="accent1"/>
-            </a:fillRef>
-            <a:effectRef idx="0">
-              <a:schemeClr val="accent1"/>
-            </a:effectRef>
-            <a:fontRef idx="minor">
-              <a:schemeClr val="lt1"/>
-            </a:fontRef>
-          </p:style>
-          <p:txBody>
-            <a:bodyPr lIns="0" tIns="0" rIns="0" bIns="0" rtlCol="0" anchor="ctr"/>
-            <a:lstStyle/>
-            <a:p>
-              <a:pPr algn="ctr"/>
-              <a:r>
-                <a:rPr lang="en-US" sz="1200" dirty="0" err="1" smtClean="0">
-                  <a:solidFill>
-                    <a:schemeClr val="tx1"/>
-                  </a:solidFill>
-                </a:rPr>
-                <a:t>Gater</a:t>
-              </a:r>
-              <a:r>
-                <a:rPr lang="en-US" sz="1200" dirty="0" smtClean="0">
-                  <a:solidFill>
-                    <a:schemeClr val="tx1"/>
-                  </a:solidFill>
-                </a:rPr>
-                <a:t> </a:t>
-              </a:r>
-              <a:r>
-                <a:rPr lang="en-US" sz="1200" dirty="0" err="1" smtClean="0">
-                  <a:solidFill>
-                    <a:schemeClr val="tx1"/>
-                  </a:solidFill>
-                </a:rPr>
-                <a:t>Beatmasher</a:t>
-              </a:r>
-              <a:r>
-                <a:rPr lang="en-US" sz="1200" dirty="0" smtClean="0">
-                  <a:solidFill>
-                    <a:schemeClr val="tx1"/>
-                  </a:solidFill>
-                </a:rPr>
-                <a:t/>
-              </a:r>
-              <a:br>
-                <a:rPr lang="en-US" sz="1200" dirty="0" smtClean="0">
-                  <a:solidFill>
-                    <a:schemeClr val="tx1"/>
-                  </a:solidFill>
-                </a:rPr>
-              </a:br>
-              <a:r>
-                <a:rPr lang="en-US" sz="1200" dirty="0" smtClean="0">
-                  <a:solidFill>
-                    <a:schemeClr val="tx1"/>
-                  </a:solidFill>
-                </a:rPr>
-                <a:t>Reverb</a:t>
-              </a:r>
-              <a:endParaRPr lang="en-US" sz="1100" dirty="0">
-                <a:solidFill>
-                  <a:schemeClr val="tx1"/>
-                </a:solidFill>
-              </a:endParaRPr>
-            </a:p>
-          </p:txBody>
-        </p:sp>
-        <p:sp>
-          <p:nvSpPr>
-            <p:cNvPr id="48" name="Rectangle 47"/>
-            <p:cNvSpPr/>
-            <p:nvPr/>
-          </p:nvSpPr>
-          <p:spPr>
-            <a:xfrm>
-              <a:off x="199224" y="2822044"/>
-              <a:ext cx="870682" cy="802343"/>
-            </a:xfrm>
-            <a:prstGeom prst="rect">
-              <a:avLst/>
-            </a:prstGeom>
-            <a:solidFill>
-              <a:schemeClr val="bg1"/>
-            </a:solidFill>
-            <a:ln w="12700">
-              <a:solidFill>
-                <a:schemeClr val="tx1"/>
-              </a:solidFill>
-            </a:ln>
-          </p:spPr>
-          <p:style>
-            <a:lnRef idx="2">
-              <a:schemeClr val="accent1">
-                <a:shade val="50000"/>
-              </a:schemeClr>
-            </a:lnRef>
-            <a:fillRef idx="1">
-              <a:schemeClr val="accent1"/>
-            </a:fillRef>
-            <a:effectRef idx="0">
-              <a:schemeClr val="accent1"/>
-            </a:effectRef>
-            <a:fontRef idx="minor">
-              <a:schemeClr val="lt1"/>
-            </a:fontRef>
-          </p:style>
-          <p:txBody>
-            <a:bodyPr lIns="0" tIns="0" rIns="0" bIns="0" rtlCol="0" anchor="ctr"/>
-            <a:lstStyle/>
-            <a:p>
-              <a:pPr algn="ctr"/>
-              <a:r>
-                <a:rPr lang="en-US" sz="1200" dirty="0" err="1">
-                  <a:solidFill>
-                    <a:schemeClr val="tx1"/>
-                  </a:solidFill>
-                </a:rPr>
-                <a:t>Flanger</a:t>
-              </a:r>
-              <a:r>
-                <a:rPr lang="en-US" sz="1200" dirty="0">
-                  <a:solidFill>
-                    <a:schemeClr val="tx1"/>
-                  </a:solidFill>
-                </a:rPr>
-                <a:t> </a:t>
-              </a:r>
-              <a:br>
-                <a:rPr lang="en-US" sz="1200" dirty="0">
-                  <a:solidFill>
-                    <a:schemeClr val="tx1"/>
-                  </a:solidFill>
-                </a:rPr>
-              </a:br>
-              <a:r>
-                <a:rPr lang="en-US" sz="1200" dirty="0" smtClean="0">
-                  <a:solidFill>
-                    <a:schemeClr val="tx1"/>
-                  </a:solidFill>
-                </a:rPr>
-                <a:t>(None)</a:t>
-              </a:r>
-              <a:br>
-                <a:rPr lang="en-US" sz="1200" dirty="0" smtClean="0">
-                  <a:solidFill>
-                    <a:schemeClr val="tx1"/>
-                  </a:solidFill>
-                </a:rPr>
-              </a:br>
-              <a:r>
-                <a:rPr lang="en-US" sz="1200" dirty="0" err="1" smtClean="0">
-                  <a:solidFill>
-                    <a:schemeClr val="tx1"/>
-                  </a:solidFill>
-                </a:rPr>
-                <a:t>Gater</a:t>
-              </a:r>
-              <a:endParaRPr lang="en-US" sz="1100" dirty="0">
-                <a:solidFill>
-                  <a:schemeClr val="tx1"/>
-                </a:solidFill>
-              </a:endParaRPr>
-            </a:p>
-          </p:txBody>
-        </p:sp>
-        <p:sp>
-          <p:nvSpPr>
-            <p:cNvPr id="49" name="Rectangle 48"/>
-            <p:cNvSpPr/>
-            <p:nvPr/>
-          </p:nvSpPr>
-          <p:spPr>
-            <a:xfrm>
-              <a:off x="1143221" y="2822044"/>
-              <a:ext cx="870682" cy="802343"/>
-            </a:xfrm>
-            <a:prstGeom prst="rect">
-              <a:avLst/>
-            </a:prstGeom>
-            <a:solidFill>
-              <a:schemeClr val="bg1"/>
-            </a:solidFill>
-            <a:ln w="12700">
-              <a:solidFill>
-                <a:schemeClr val="tx1"/>
-              </a:solidFill>
-            </a:ln>
-          </p:spPr>
-          <p:style>
-            <a:lnRef idx="2">
-              <a:schemeClr val="accent1">
-                <a:shade val="50000"/>
-              </a:schemeClr>
-            </a:lnRef>
-            <a:fillRef idx="1">
-              <a:schemeClr val="accent1"/>
-            </a:fillRef>
-            <a:effectRef idx="0">
-              <a:schemeClr val="accent1"/>
-            </a:effectRef>
-            <a:fontRef idx="minor">
-              <a:schemeClr val="lt1"/>
-            </a:fontRef>
-          </p:style>
-          <p:txBody>
-            <a:bodyPr lIns="0" tIns="0" rIns="0" bIns="0" rtlCol="0" anchor="ctr"/>
-            <a:lstStyle/>
-            <a:p>
-              <a:pPr algn="ctr"/>
-              <a:r>
-                <a:rPr lang="en-US" sz="1200" dirty="0" err="1" smtClean="0">
-                  <a:solidFill>
-                    <a:schemeClr val="tx1"/>
-                  </a:solidFill>
-                </a:rPr>
-                <a:t>Beatmasher</a:t>
-              </a:r>
-              <a:r>
-                <a:rPr lang="en-US" sz="1200" dirty="0" smtClean="0">
-                  <a:solidFill>
-                    <a:schemeClr val="tx1"/>
-                  </a:solidFill>
-                </a:rPr>
-                <a:t/>
-              </a:r>
-              <a:br>
-                <a:rPr lang="en-US" sz="1200" dirty="0" smtClean="0">
-                  <a:solidFill>
-                    <a:schemeClr val="tx1"/>
-                  </a:solidFill>
-                </a:rPr>
-              </a:br>
-              <a:r>
-                <a:rPr lang="en-US" sz="1200" dirty="0" smtClean="0">
-                  <a:solidFill>
-                    <a:schemeClr val="tx1"/>
-                  </a:solidFill>
-                </a:rPr>
-                <a:t>Peak filter</a:t>
-              </a:r>
-              <a:br>
-                <a:rPr lang="en-US" sz="1200" dirty="0" smtClean="0">
-                  <a:solidFill>
-                    <a:schemeClr val="tx1"/>
-                  </a:solidFill>
-                </a:rPr>
-              </a:br>
-              <a:r>
-                <a:rPr lang="en-US" sz="1200" dirty="0" err="1" smtClean="0">
-                  <a:solidFill>
-                    <a:schemeClr val="tx1"/>
-                  </a:solidFill>
-                </a:rPr>
-                <a:t>Gater</a:t>
-              </a:r>
-              <a:endParaRPr lang="en-US" sz="1100" dirty="0">
-                <a:solidFill>
-                  <a:schemeClr val="tx1"/>
-                </a:solidFill>
-              </a:endParaRPr>
-            </a:p>
-          </p:txBody>
-        </p:sp>
-        <p:sp>
-          <p:nvSpPr>
-            <p:cNvPr id="50" name="Rectangle 49"/>
-            <p:cNvSpPr/>
-            <p:nvPr/>
-          </p:nvSpPr>
-          <p:spPr>
-            <a:xfrm>
-              <a:off x="2080481" y="2822044"/>
-              <a:ext cx="870682" cy="802343"/>
-            </a:xfrm>
-            <a:prstGeom prst="rect">
-              <a:avLst/>
-            </a:prstGeom>
-            <a:solidFill>
-              <a:schemeClr val="bg1"/>
-            </a:solidFill>
-            <a:ln w="12700">
-              <a:solidFill>
-                <a:schemeClr val="tx1"/>
-              </a:solidFill>
-            </a:ln>
-          </p:spPr>
-          <p:style>
-            <a:lnRef idx="2">
-              <a:schemeClr val="accent1">
-                <a:shade val="50000"/>
-              </a:schemeClr>
-            </a:lnRef>
-            <a:fillRef idx="1">
-              <a:schemeClr val="accent1"/>
-            </a:fillRef>
-            <a:effectRef idx="0">
-              <a:schemeClr val="accent1"/>
-            </a:effectRef>
-            <a:fontRef idx="minor">
-              <a:schemeClr val="lt1"/>
-            </a:fontRef>
-          </p:style>
-          <p:txBody>
-            <a:bodyPr lIns="0" tIns="0" rIns="0" bIns="0" rtlCol="0" anchor="ctr"/>
-            <a:lstStyle/>
-            <a:p>
-              <a:pPr algn="ctr"/>
-              <a:r>
-                <a:rPr lang="en-US" sz="1200" dirty="0" err="1" smtClean="0">
-                  <a:solidFill>
-                    <a:schemeClr val="tx1"/>
-                  </a:solidFill>
-                </a:rPr>
-                <a:t>FormatFilter</a:t>
-              </a:r>
-              <a:r>
-                <a:rPr lang="en-US" sz="1200" dirty="0" smtClean="0">
-                  <a:solidFill>
-                    <a:schemeClr val="tx1"/>
-                  </a:solidFill>
-                </a:rPr>
-                <a:t> </a:t>
-              </a:r>
-              <a:r>
-                <a:rPr lang="en-US" sz="1200" dirty="0">
-                  <a:solidFill>
-                    <a:schemeClr val="tx1"/>
-                  </a:solidFill>
-                </a:rPr>
-                <a:t>Peak </a:t>
-              </a:r>
-              <a:r>
-                <a:rPr lang="en-US" sz="1200" dirty="0" smtClean="0">
-                  <a:solidFill>
-                    <a:schemeClr val="tx1"/>
-                  </a:solidFill>
-                </a:rPr>
-                <a:t>filter </a:t>
-              </a:r>
-              <a:r>
-                <a:rPr lang="en-US" sz="1200" dirty="0" err="1">
-                  <a:solidFill>
-                    <a:schemeClr val="tx1"/>
-                  </a:solidFill>
-                </a:rPr>
-                <a:t>Flightest</a:t>
-              </a:r>
-              <a:endParaRPr lang="en-US" sz="1100" dirty="0">
-                <a:solidFill>
-                  <a:schemeClr val="tx1"/>
-                </a:solidFill>
-              </a:endParaRPr>
-            </a:p>
-          </p:txBody>
-        </p:sp>
-        <p:sp>
-          <p:nvSpPr>
-            <p:cNvPr id="51" name="Rectangle 50"/>
-            <p:cNvSpPr/>
-            <p:nvPr/>
-          </p:nvSpPr>
-          <p:spPr>
-            <a:xfrm>
-              <a:off x="3007945" y="2822044"/>
-              <a:ext cx="870682" cy="802343"/>
-            </a:xfrm>
-            <a:prstGeom prst="rect">
-              <a:avLst/>
-            </a:prstGeom>
-            <a:solidFill>
-              <a:schemeClr val="bg1"/>
-            </a:solidFill>
-            <a:ln w="12700">
-              <a:solidFill>
-                <a:schemeClr val="tx1"/>
-              </a:solidFill>
-            </a:ln>
-          </p:spPr>
-          <p:style>
-            <a:lnRef idx="2">
-              <a:schemeClr val="accent1">
-                <a:shade val="50000"/>
-              </a:schemeClr>
-            </a:lnRef>
-            <a:fillRef idx="1">
-              <a:schemeClr val="accent1"/>
-            </a:fillRef>
-            <a:effectRef idx="0">
-              <a:schemeClr val="accent1"/>
-            </a:effectRef>
-            <a:fontRef idx="minor">
-              <a:schemeClr val="lt1"/>
-            </a:fontRef>
-          </p:style>
-          <p:txBody>
-            <a:bodyPr lIns="0" tIns="0" rIns="0" bIns="0" rtlCol="0" anchor="ctr"/>
-            <a:lstStyle/>
-            <a:p>
-              <a:pPr algn="ctr"/>
-              <a:endParaRPr lang="en-US" sz="1100" dirty="0">
-                <a:solidFill>
-                  <a:schemeClr val="tx1"/>
-                </a:solidFill>
-              </a:endParaRPr>
-            </a:p>
-          </p:txBody>
-        </p:sp>
-      </p:grpSp>
-      <p:grpSp>
-        <p:nvGrpSpPr>
-          <p:cNvPr id="1024" name="Group 1023"/>
-          <p:cNvGrpSpPr/>
-          <p:nvPr/>
-        </p:nvGrpSpPr>
-        <p:grpSpPr>
-          <a:xfrm>
-            <a:off x="3287062" y="1328614"/>
-            <a:ext cx="827737" cy="250230"/>
-            <a:chOff x="2080481" y="1600201"/>
-            <a:chExt cx="864333" cy="250230"/>
-          </a:xfrm>
-        </p:grpSpPr>
-        <p:sp>
-          <p:nvSpPr>
-            <p:cNvPr id="58" name="Rectangle 57"/>
-            <p:cNvSpPr/>
-            <p:nvPr/>
-          </p:nvSpPr>
-          <p:spPr>
-            <a:xfrm>
-              <a:off x="2141752" y="1662726"/>
-              <a:ext cx="803062" cy="187705"/>
-            </a:xfrm>
-            <a:prstGeom prst="rect">
-              <a:avLst/>
-            </a:prstGeom>
-            <a:solidFill>
-              <a:schemeClr val="bg1"/>
-            </a:solidFill>
-            <a:ln w="12700">
-              <a:solidFill>
-                <a:schemeClr val="tx1"/>
-              </a:solidFill>
-            </a:ln>
-          </p:spPr>
-          <p:style>
-            <a:lnRef idx="2">
-              <a:schemeClr val="accent1">
-                <a:shade val="50000"/>
-              </a:schemeClr>
-            </a:lnRef>
-            <a:fillRef idx="1">
-              <a:schemeClr val="accent1"/>
-            </a:fillRef>
-            <a:effectRef idx="0">
-              <a:schemeClr val="accent1"/>
-            </a:effectRef>
-            <a:fontRef idx="minor">
-              <a:schemeClr val="lt1"/>
-            </a:fontRef>
-          </p:style>
-          <p:txBody>
-            <a:bodyPr lIns="0" tIns="0" rIns="0" bIns="0" rtlCol="0" anchor="ctr"/>
-            <a:lstStyle/>
-            <a:p>
-              <a:pPr algn="ctr"/>
-              <a:endParaRPr lang="en-US" sz="1200" b="1" dirty="0">
-                <a:solidFill>
-                  <a:schemeClr val="tx1"/>
-                </a:solidFill>
-              </a:endParaRPr>
-            </a:p>
-          </p:txBody>
-        </p:sp>
-        <p:sp>
-          <p:nvSpPr>
-            <p:cNvPr id="59" name="Rectangle 58"/>
-            <p:cNvSpPr/>
-            <p:nvPr/>
-          </p:nvSpPr>
-          <p:spPr>
-            <a:xfrm>
-              <a:off x="2080481" y="1600201"/>
-              <a:ext cx="803062" cy="187705"/>
-            </a:xfrm>
-            <a:prstGeom prst="rect">
-              <a:avLst/>
-            </a:prstGeom>
-            <a:solidFill>
-              <a:schemeClr val="bg1"/>
-            </a:solidFill>
-            <a:ln w="12700">
-              <a:solidFill>
-                <a:schemeClr val="tx1"/>
-              </a:solidFill>
-            </a:ln>
-          </p:spPr>
-          <p:style>
-            <a:lnRef idx="2">
-              <a:schemeClr val="accent1">
-                <a:shade val="50000"/>
-              </a:schemeClr>
-            </a:lnRef>
-            <a:fillRef idx="1">
-              <a:schemeClr val="accent1"/>
-            </a:fillRef>
-            <a:effectRef idx="0">
-              <a:schemeClr val="accent1"/>
-            </a:effectRef>
-            <a:fontRef idx="minor">
-              <a:schemeClr val="lt1"/>
-            </a:fontRef>
-          </p:style>
-          <p:txBody>
-            <a:bodyPr lIns="0" tIns="0" rIns="0" bIns="0" rtlCol="0" anchor="ctr"/>
-            <a:lstStyle/>
-            <a:p>
-              <a:pPr algn="ctr"/>
-              <a:r>
-                <a:rPr lang="en-US" sz="1200" b="1" i="1" dirty="0" smtClean="0">
-                  <a:solidFill>
-                    <a:schemeClr val="tx1"/>
-                  </a:solidFill>
-                </a:rPr>
-                <a:t>JOG FX</a:t>
-              </a:r>
-              <a:endParaRPr lang="en-US" sz="1200" b="1" i="1" dirty="0">
-                <a:solidFill>
-                  <a:schemeClr val="tx1"/>
-                </a:solidFill>
-              </a:endParaRPr>
-            </a:p>
-          </p:txBody>
-        </p:sp>
-      </p:grpSp>
-      <p:grpSp>
-        <p:nvGrpSpPr>
-          <p:cNvPr id="61" name="Group 60"/>
-          <p:cNvGrpSpPr/>
-          <p:nvPr/>
-        </p:nvGrpSpPr>
-        <p:grpSpPr>
-          <a:xfrm>
-            <a:off x="5715000" y="762000"/>
-            <a:ext cx="2966357" cy="3111314"/>
-            <a:chOff x="5562599" y="838200"/>
-            <a:chExt cx="2966357" cy="3111314"/>
-          </a:xfrm>
-        </p:grpSpPr>
-        <p:pic>
-          <p:nvPicPr>
-            <p:cNvPr id="62" name="Picture 4" descr="C:\Users\Pedro\Desktop\Z_DRIVE_Pedro\2 Music\1 Controllers\0_TSI_Traktor\ddj-sz\2 Working\v6.3.0 - DDJ-1000 TP3 - Initial release\Support files\DDJ-1000 - Deck.jpg"/>
-            <p:cNvPicPr>
-              <a:picLocks noChangeAspect="1" noChangeArrowheads="1"/>
-            </p:cNvPicPr>
-            <p:nvPr/>
-          </p:nvPicPr>
-          <p:blipFill rotWithShape="1">
-            <a:blip r:embed="rId2" cstate="print">
-              <a:extLst>
-                <a:ext uri="{28A0092B-C50C-407E-A947-70E740481C1C}">
-                  <a14:useLocalDpi xmlns:a14="http://schemas.microsoft.com/office/drawing/2010/main" val="0"/>
-                </a:ext>
-              </a:extLst>
-            </a:blip>
-            <a:srcRect t="8386" b="27013"/>
-            <a:stretch/>
-          </p:blipFill>
-          <p:spPr bwMode="auto">
-            <a:xfrm>
-              <a:off x="5562599" y="1194709"/>
-              <a:ext cx="2966357" cy="2754805"/>
-            </a:xfrm>
-            <a:prstGeom prst="rect">
-              <a:avLst/>
-            </a:prstGeom>
-            <a:noFill/>
-            <a:extLst>
-              <a:ext uri="{909E8E84-426E-40DD-AFC4-6F175D3DCCD1}">
-                <a14:hiddenFill xmlns:a14="http://schemas.microsoft.com/office/drawing/2010/main">
-                  <a:solidFill>
-                    <a:srgbClr val="FFFFFF"/>
-                  </a:solidFill>
-                </a14:hiddenFill>
-              </a:ext>
-            </a:extLst>
-          </p:spPr>
-        </p:pic>
-        <p:sp>
-          <p:nvSpPr>
-            <p:cNvPr id="63" name="Line Callout 1 (Accent Bar) 62"/>
-            <p:cNvSpPr/>
-            <p:nvPr/>
-          </p:nvSpPr>
-          <p:spPr>
-            <a:xfrm>
-              <a:off x="5836920" y="838200"/>
-              <a:ext cx="520542" cy="185626"/>
-            </a:xfrm>
-            <a:prstGeom prst="accentCallout1">
-              <a:avLst>
-                <a:gd name="adj1" fmla="val 54662"/>
-                <a:gd name="adj2" fmla="val 117505"/>
-                <a:gd name="adj3" fmla="val 478317"/>
-                <a:gd name="adj4" fmla="val 219826"/>
-              </a:avLst>
-            </a:prstGeom>
-            <a:noFill/>
-            <a:ln>
-              <a:solidFill>
-                <a:schemeClr val="bg2">
-                  <a:lumMod val="50000"/>
-                </a:schemeClr>
-              </a:solidFill>
-            </a:ln>
-          </p:spPr>
-          <p:style>
-            <a:lnRef idx="2">
-              <a:schemeClr val="accent1">
-                <a:shade val="50000"/>
-              </a:schemeClr>
-            </a:lnRef>
-            <a:fillRef idx="1">
-              <a:schemeClr val="accent1"/>
-            </a:fillRef>
-            <a:effectRef idx="0">
-              <a:schemeClr val="accent1"/>
-            </a:effectRef>
-            <a:fontRef idx="minor">
-              <a:schemeClr val="lt1"/>
-            </a:fontRef>
-          </p:style>
-          <p:txBody>
-            <a:bodyPr lIns="0" tIns="0" rIns="0" bIns="0" rtlCol="0" anchor="ctr"/>
-            <a:lstStyle/>
-            <a:p>
-              <a:pPr algn="r"/>
-              <a:r>
-                <a:rPr lang="en-US" sz="1200" dirty="0" smtClean="0">
-                  <a:solidFill>
-                    <a:schemeClr val="tx1"/>
-                  </a:solidFill>
-                </a:rPr>
-                <a:t>Jog FX</a:t>
-              </a:r>
-            </a:p>
-          </p:txBody>
-        </p:sp>
-      </p:grpSp>
-      <p:sp>
-        <p:nvSpPr>
-          <p:cNvPr id="70" name="TextBox 69"/>
-          <p:cNvSpPr txBox="1"/>
-          <p:nvPr/>
-        </p:nvSpPr>
-        <p:spPr>
-          <a:xfrm>
-            <a:off x="184150" y="3962400"/>
-            <a:ext cx="4830233" cy="1754326"/>
-          </a:xfrm>
-          <a:prstGeom prst="rect">
-            <a:avLst/>
-          </a:prstGeom>
-          <a:noFill/>
-        </p:spPr>
-        <p:txBody>
-          <a:bodyPr wrap="none" rtlCol="0">
-            <a:spAutoFit/>
-          </a:bodyPr>
-          <a:lstStyle/>
-          <a:p>
-            <a:pPr marL="285750" indent="-285750">
-              <a:buFont typeface="Arial" panose="020B0604020202020204" pitchFamily="34" charset="0"/>
-              <a:buChar char="•"/>
-            </a:pPr>
-            <a:r>
-              <a:rPr lang="en-US" dirty="0" smtClean="0"/>
-              <a:t>Enter </a:t>
-            </a:r>
-            <a:r>
-              <a:rPr lang="en-US" dirty="0" err="1" smtClean="0"/>
-              <a:t>jogFX</a:t>
-            </a:r>
-            <a:r>
-              <a:rPr lang="en-US" dirty="0" smtClean="0"/>
-              <a:t> mode on mode4 (jog will blink)</a:t>
-            </a:r>
-          </a:p>
-          <a:p>
-            <a:pPr marL="285750" indent="-285750">
-              <a:buFont typeface="Arial" panose="020B0604020202020204" pitchFamily="34" charset="0"/>
-              <a:buChar char="•"/>
-            </a:pPr>
-            <a:r>
-              <a:rPr lang="en-US" dirty="0" smtClean="0"/>
-              <a:t>Touch jog to apply FX</a:t>
-            </a:r>
-          </a:p>
-          <a:p>
-            <a:pPr marL="285750" indent="-285750">
-              <a:buFont typeface="Arial" panose="020B0604020202020204" pitchFamily="34" charset="0"/>
-              <a:buChar char="•"/>
-            </a:pPr>
-            <a:r>
-              <a:rPr lang="en-US" dirty="0" smtClean="0"/>
-              <a:t>Turn jog to change FX</a:t>
-            </a:r>
-          </a:p>
-          <a:p>
-            <a:pPr marL="285750" indent="-285750">
-              <a:buFont typeface="Arial" panose="020B0604020202020204" pitchFamily="34" charset="0"/>
-              <a:buChar char="•"/>
-            </a:pPr>
-            <a:r>
-              <a:rPr lang="en-US" dirty="0" smtClean="0"/>
-              <a:t>Release jog to stop FX</a:t>
-            </a:r>
-          </a:p>
-          <a:p>
-            <a:pPr marL="285750" indent="-285750">
-              <a:buFont typeface="Arial" panose="020B0604020202020204" pitchFamily="34" charset="0"/>
-              <a:buChar char="•"/>
-            </a:pPr>
-            <a:r>
-              <a:rPr lang="en-US" dirty="0" smtClean="0"/>
-              <a:t>Sampler volume to Dry/Wet</a:t>
-            </a:r>
-          </a:p>
-          <a:p>
-            <a:pPr marL="285750" indent="-285750">
-              <a:buFont typeface="Arial" panose="020B0604020202020204" pitchFamily="34" charset="0"/>
-              <a:buChar char="•"/>
-            </a:pPr>
-            <a:r>
-              <a:rPr lang="en-US" dirty="0" smtClean="0"/>
-              <a:t>Call “</a:t>
-            </a:r>
-            <a:r>
-              <a:rPr lang="en-US" dirty="0" err="1" smtClean="0"/>
-              <a:t>hotcues</a:t>
-            </a:r>
-            <a:r>
-              <a:rPr lang="en-US" dirty="0" smtClean="0"/>
-              <a:t>” to cancel </a:t>
-            </a:r>
-            <a:r>
-              <a:rPr lang="en-US" dirty="0" err="1" smtClean="0"/>
-              <a:t>jogFX</a:t>
-            </a:r>
-            <a:r>
-              <a:rPr lang="en-US" dirty="0" smtClean="0"/>
-              <a:t> (=scratch mode)</a:t>
-            </a:r>
-            <a:endParaRPr lang="en-US" dirty="0"/>
-          </a:p>
-        </p:txBody>
-      </p:sp>
-      <p:sp>
-        <p:nvSpPr>
-          <p:cNvPr id="2" name="Slide Number Placeholder 1"/>
-          <p:cNvSpPr>
-            <a:spLocks noGrp="1"/>
-          </p:cNvSpPr>
-          <p:nvPr>
-            <p:ph type="sldNum" sz="quarter" idx="12"/>
-          </p:nvPr>
-        </p:nvSpPr>
-        <p:spPr/>
-        <p:txBody>
-          <a:bodyPr/>
-          <a:lstStyle/>
-          <a:p>
-            <a:fld id="{B6F15528-21DE-4FAA-801E-634DDDAF4B2B}" type="slidenum">
-              <a:rPr lang="en-US" smtClean="0"/>
-              <a:pPr/>
-              <a:t>19</a:t>
-            </a:fld>
-            <a:endParaRPr lang="en-US"/>
-          </a:p>
-        </p:txBody>
-      </p:sp>
-    </p:spTree>
-    <p:extLst>
-      <p:ext uri="{BB962C8B-B14F-4D97-AF65-F5344CB8AC3E}">
-        <p14:creationId xmlns:p14="http://schemas.microsoft.com/office/powerpoint/2010/main" val="988633305"/>
       </p:ext>
     </p:extLst>
   </p:cSld>
@@ -18903,7 +18673,7 @@
                     <a:schemeClr val="tx1"/>
                   </a:solidFill>
                 </a:rPr>
-                <a:t>Key Variation / Key </a:t>
+                <a:t>Phase error</a:t>
               </a:r>
               <a:endParaRPr lang="en-US" sz="1400" dirty="0">
                 <a:solidFill>
@@ -19059,7 +18829,7 @@
                     <a:schemeClr val="tx1"/>
                   </a:solidFill>
                 </a:rPr>
-                <a:t>CUE Needle</a:t>
+                <a:t>Cue Needle</a:t>
               </a:r>
               <a:endParaRPr lang="en-US" sz="1400" dirty="0">
                 <a:solidFill>
@@ -19264,14 +19034,14 @@
           <p:spPr>
             <a:xfrm>
               <a:off x="6869175" y="1787486"/>
-              <a:ext cx="3307747" cy="346114"/>
+              <a:ext cx="3307747" cy="422314"/>
             </a:xfrm>
             <a:prstGeom prst="accentCallout1">
               <a:avLst>
-                <a:gd name="adj1" fmla="val 45417"/>
-                <a:gd name="adj2" fmla="val -2669"/>
-                <a:gd name="adj3" fmla="val 288236"/>
-                <a:gd name="adj4" fmla="val -62802"/>
+                <a:gd name="adj1" fmla="val 51385"/>
+                <a:gd name="adj2" fmla="val -3582"/>
+                <a:gd name="adj3" fmla="val 230914"/>
+                <a:gd name="adj4" fmla="val -40589"/>
               </a:avLst>
             </a:prstGeom>
             <a:noFill/>
@@ -19307,7 +19077,17 @@
                     <a:schemeClr val="tx1"/>
                   </a:solidFill>
                 </a:rPr>
-                <a:t>Current Tempo / Tempo range</a:t>
+                <a:t>Current Tempo / Tempo range / </a:t>
+              </a:r>
+            </a:p>
+            <a:p>
+              <a:r>
+                <a:rPr lang="en-US" sz="1400" dirty="0" smtClean="0">
+                  <a:solidFill>
+                    <a:schemeClr val="tx1"/>
+                  </a:solidFill>
+                </a:rPr>
+                <a:t>Soft takeover (blinks)</a:t>
               </a:r>
               <a:endParaRPr lang="en-US" sz="1400" dirty="0">
                 <a:solidFill>
@@ -19413,352 +19193,155 @@
       </p:sp>
       <p:grpSp>
         <p:nvGrpSpPr>
-          <p:cNvPr id="8" name="Group 7"/>
+          <p:cNvPr id="11" name="Group 10"/>
           <p:cNvGrpSpPr/>
           <p:nvPr/>
         </p:nvGrpSpPr>
         <p:grpSpPr>
           <a:xfrm>
-            <a:off x="4582774" y="4705475"/>
-            <a:ext cx="4656778" cy="1722426"/>
-            <a:chOff x="310954" y="4542659"/>
-            <a:chExt cx="4656778" cy="1722426"/>
+            <a:off x="4966315" y="5961347"/>
+            <a:ext cx="3865037" cy="752005"/>
+            <a:chOff x="4912778" y="4705475"/>
+            <a:chExt cx="3865037" cy="752005"/>
           </a:xfrm>
         </p:grpSpPr>
-        <p:grpSp>
-          <p:nvGrpSpPr>
-            <p:cNvPr id="6" name="Group 5"/>
-            <p:cNvGrpSpPr/>
+        <p:pic>
+          <p:nvPicPr>
+            <p:cNvPr id="17" name="Picture 4" descr="C:\Users\Pedro\Desktop\Z_DRIVE_Pedro\2 Music\1 Controllers\0_TSI_Traktor\ddj-sz\2 Working\v6.3.0 - DDJ-1000 TP3 - Initial release\Support files\DDJ-1000 - Deck.jpg"/>
+            <p:cNvPicPr>
+              <a:picLocks noChangeAspect="1" noChangeArrowheads="1"/>
+            </p:cNvPicPr>
             <p:nvPr/>
-          </p:nvGrpSpPr>
-          <p:grpSpPr>
+          </p:nvPicPr>
+          <p:blipFill rotWithShape="1">
+            <a:blip r:embed="rId3" cstate="print">
+              <a:extLst>
+                <a:ext uri="{28A0092B-C50C-407E-A947-70E740481C1C}">
+                  <a14:useLocalDpi xmlns:a14="http://schemas.microsoft.com/office/drawing/2010/main" val="0"/>
+                </a:ext>
+              </a:extLst>
+            </a:blip>
+            <a:srcRect l="2171" t="54202" r="90862" b="40720"/>
+            <a:stretch/>
+          </p:blipFill>
+          <p:spPr bwMode="auto">
             <a:xfrm>
-              <a:off x="388887" y="4542659"/>
-              <a:ext cx="4578845" cy="752005"/>
-              <a:chOff x="1136155" y="4594538"/>
-              <a:chExt cx="4578845" cy="752005"/>
+              <a:off x="4912778" y="4741957"/>
+              <a:ext cx="618703" cy="648248"/>
             </a:xfrm>
-          </p:grpSpPr>
-          <p:grpSp>
-            <p:nvGrpSpPr>
-              <p:cNvPr id="3" name="Group 2"/>
-              <p:cNvGrpSpPr/>
-              <p:nvPr/>
-            </p:nvGrpSpPr>
-            <p:grpSpPr>
-              <a:xfrm>
-                <a:off x="1136155" y="4594538"/>
-                <a:ext cx="2055186" cy="752005"/>
-                <a:chOff x="1622957" y="4953000"/>
-                <a:chExt cx="2055186" cy="752005"/>
-              </a:xfrm>
-            </p:grpSpPr>
-            <p:pic>
-              <p:nvPicPr>
-                <p:cNvPr id="17" name="Picture 4" descr="C:\Users\Pedro\Desktop\Z_DRIVE_Pedro\2 Music\1 Controllers\0_TSI_Traktor\ddj-sz\2 Working\v6.3.0 - DDJ-1000 TP3 - Initial release\Support files\DDJ-1000 - Deck.jpg"/>
-                <p:cNvPicPr>
-                  <a:picLocks noChangeAspect="1" noChangeArrowheads="1"/>
-                </p:cNvPicPr>
-                <p:nvPr/>
-              </p:nvPicPr>
-              <p:blipFill rotWithShape="1">
-                <a:blip r:embed="rId3" cstate="print">
-                  <a:extLst>
-                    <a:ext uri="{28A0092B-C50C-407E-A947-70E740481C1C}">
-                      <a14:useLocalDpi xmlns:a14="http://schemas.microsoft.com/office/drawing/2010/main" val="0"/>
-                    </a:ext>
-                  </a:extLst>
-                </a:blip>
-                <a:srcRect l="2171" t="54202" r="90862" b="40720"/>
-                <a:stretch/>
-              </p:blipFill>
-              <p:spPr bwMode="auto">
-                <a:xfrm>
-                  <a:off x="1622957" y="5004878"/>
-                  <a:ext cx="618703" cy="648248"/>
-                </a:xfrm>
-                <a:prstGeom prst="rect">
-                  <a:avLst/>
-                </a:prstGeom>
-                <a:noFill/>
-                <a:extLst>
-                  <a:ext uri="{909E8E84-426E-40DD-AFC4-6F175D3DCCD1}">
-                    <a14:hiddenFill xmlns:a14="http://schemas.microsoft.com/office/drawing/2010/main">
-                      <a:solidFill>
-                        <a:srgbClr val="FFFFFF"/>
-                      </a:solidFill>
-                    </a14:hiddenFill>
-                  </a:ext>
-                </a:extLst>
-              </p:spPr>
-            </p:pic>
-            <p:sp>
-              <p:nvSpPr>
-                <p:cNvPr id="18" name="TextBox 17"/>
-                <p:cNvSpPr txBox="1"/>
-                <p:nvPr/>
-              </p:nvSpPr>
-              <p:spPr>
-                <a:xfrm>
-                  <a:off x="2504617" y="5067393"/>
-                  <a:ext cx="364202" cy="523220"/>
-                </a:xfrm>
-                <a:prstGeom prst="rect">
-                  <a:avLst/>
-                </a:prstGeom>
-                <a:noFill/>
-              </p:spPr>
-              <p:txBody>
-                <a:bodyPr wrap="none" rtlCol="0">
-                  <a:spAutoFit/>
-                </a:bodyPr>
-                <a:lstStyle/>
-                <a:p>
-                  <a:r>
-                    <a:rPr lang="en-US" sz="2800" b="1" dirty="0"/>
-                    <a:t>+</a:t>
-                  </a:r>
-                </a:p>
-              </p:txBody>
-            </p:sp>
-            <p:pic>
-              <p:nvPicPr>
-                <p:cNvPr id="20" name="Picture 4" descr="C:\Users\Pedro\Desktop\Z_DRIVE_Pedro\2 Music\1 Controllers\0_TSI_Traktor\ddj-sz\2 Working\v6.3.0 - DDJ-1000 TP3 - Initial release\Support files\DDJ-1000 - Deck.jpg"/>
-                <p:cNvPicPr>
-                  <a:picLocks noChangeAspect="1" noChangeArrowheads="1"/>
-                </p:cNvPicPr>
-                <p:nvPr/>
-              </p:nvPicPr>
-              <p:blipFill rotWithShape="1">
-                <a:blip r:embed="rId3" cstate="print">
-                  <a:extLst>
-                    <a:ext uri="{28A0092B-C50C-407E-A947-70E740481C1C}">
-                      <a14:useLocalDpi xmlns:a14="http://schemas.microsoft.com/office/drawing/2010/main" val="0"/>
-                    </a:ext>
-                  </a:extLst>
-                </a:blip>
-                <a:srcRect l="76793" t="72701" r="13811" b="20768"/>
-                <a:stretch/>
-              </p:blipFill>
-              <p:spPr bwMode="auto">
-                <a:xfrm>
-                  <a:off x="2925667" y="4953000"/>
-                  <a:ext cx="752476" cy="752005"/>
-                </a:xfrm>
-                <a:prstGeom prst="rect">
-                  <a:avLst/>
-                </a:prstGeom>
-                <a:noFill/>
-                <a:extLst>
-                  <a:ext uri="{909E8E84-426E-40DD-AFC4-6F175D3DCCD1}">
-                    <a14:hiddenFill xmlns:a14="http://schemas.microsoft.com/office/drawing/2010/main">
-                      <a:solidFill>
-                        <a:srgbClr val="FFFFFF"/>
-                      </a:solidFill>
-                    </a14:hiddenFill>
-                  </a:ext>
-                </a:extLst>
-              </p:spPr>
-            </p:pic>
-          </p:grpSp>
-          <p:sp>
-            <p:nvSpPr>
-              <p:cNvPr id="15" name="TextBox 14"/>
-              <p:cNvSpPr txBox="1"/>
-              <p:nvPr/>
-            </p:nvSpPr>
-            <p:spPr>
-              <a:xfrm>
-                <a:off x="3276600" y="4795344"/>
-                <a:ext cx="2438400" cy="369332"/>
-              </a:xfrm>
-              <a:prstGeom prst="rect">
-                <a:avLst/>
-              </a:prstGeom>
-              <a:noFill/>
-            </p:spPr>
-            <p:txBody>
-              <a:bodyPr wrap="square" rtlCol="0">
-                <a:spAutoFit/>
-              </a:bodyPr>
-              <a:lstStyle/>
-              <a:p>
-                <a:r>
-                  <a:rPr lang="en-US" dirty="0" smtClean="0"/>
-                  <a:t>Set Tempo range</a:t>
-                </a:r>
-                <a:endParaRPr lang="en-US" dirty="0"/>
-              </a:p>
-            </p:txBody>
-          </p:sp>
-        </p:grpSp>
-        <p:grpSp>
-          <p:nvGrpSpPr>
-            <p:cNvPr id="7" name="Group 6"/>
-            <p:cNvGrpSpPr/>
+            <a:prstGeom prst="rect">
+              <a:avLst/>
+            </a:prstGeom>
+            <a:noFill/>
+            <a:extLst>
+              <a:ext uri="{909E8E84-426E-40DD-AFC4-6F175D3DCCD1}">
+                <a14:hiddenFill xmlns:a14="http://schemas.microsoft.com/office/drawing/2010/main">
+                  <a:solidFill>
+                    <a:srgbClr val="FFFFFF"/>
+                  </a:solidFill>
+                </a14:hiddenFill>
+              </a:ext>
+            </a:extLst>
+          </p:spPr>
+        </p:pic>
+        <p:sp>
+          <p:nvSpPr>
+            <p:cNvPr id="18" name="TextBox 17"/>
+            <p:cNvSpPr txBox="1"/>
             <p:nvPr/>
-          </p:nvGrpSpPr>
-          <p:grpSpPr>
+          </p:nvSpPr>
+          <p:spPr>
             <a:xfrm>
-              <a:off x="310954" y="5513080"/>
-              <a:ext cx="4332626" cy="752005"/>
-              <a:chOff x="972799" y="5508938"/>
-              <a:chExt cx="4332626" cy="752005"/>
+              <a:off x="5542367" y="4819868"/>
+              <a:ext cx="364202" cy="523220"/>
             </a:xfrm>
-          </p:grpSpPr>
-          <p:grpSp>
-            <p:nvGrpSpPr>
-              <p:cNvPr id="25" name="Group 24"/>
-              <p:cNvGrpSpPr/>
-              <p:nvPr/>
-            </p:nvGrpSpPr>
-            <p:grpSpPr>
-              <a:xfrm>
-                <a:off x="972799" y="5508938"/>
-                <a:ext cx="2133119" cy="752005"/>
-                <a:chOff x="1488176" y="4953000"/>
-                <a:chExt cx="2133119" cy="752005"/>
-              </a:xfrm>
-            </p:grpSpPr>
-            <p:pic>
-              <p:nvPicPr>
-                <p:cNvPr id="28" name="Picture 4" descr="C:\Users\Pedro\Desktop\Z_DRIVE_Pedro\2 Music\1 Controllers\0_TSI_Traktor\ddj-sz\2 Working\v6.3.0 - DDJ-1000 TP3 - Initial release\Support files\DDJ-1000 - Deck.jpg"/>
-                <p:cNvPicPr>
-                  <a:picLocks noChangeAspect="1" noChangeArrowheads="1"/>
-                </p:cNvPicPr>
-                <p:nvPr/>
-              </p:nvPicPr>
-              <p:blipFill rotWithShape="1">
-                <a:blip r:embed="rId3" cstate="print">
-                  <a:extLst>
-                    <a:ext uri="{28A0092B-C50C-407E-A947-70E740481C1C}">
-                      <a14:useLocalDpi xmlns:a14="http://schemas.microsoft.com/office/drawing/2010/main" val="0"/>
-                    </a:ext>
-                  </a:extLst>
-                </a:blip>
-                <a:srcRect l="3414" t="59283" r="85941" b="35639"/>
-                <a:stretch/>
-              </p:blipFill>
-              <p:spPr bwMode="auto">
-                <a:xfrm>
-                  <a:off x="1488176" y="5014348"/>
-                  <a:ext cx="945417" cy="648248"/>
-                </a:xfrm>
-                <a:prstGeom prst="rect">
-                  <a:avLst/>
-                </a:prstGeom>
-                <a:noFill/>
-                <a:extLst>
-                  <a:ext uri="{909E8E84-426E-40DD-AFC4-6F175D3DCCD1}">
-                    <a14:hiddenFill xmlns:a14="http://schemas.microsoft.com/office/drawing/2010/main">
-                      <a:solidFill>
-                        <a:srgbClr val="FFFFFF"/>
-                      </a:solidFill>
-                    </a14:hiddenFill>
-                  </a:ext>
-                </a:extLst>
-              </p:spPr>
-            </p:pic>
-            <p:sp>
-              <p:nvSpPr>
-                <p:cNvPr id="29" name="TextBox 28"/>
-                <p:cNvSpPr txBox="1"/>
-                <p:nvPr/>
-              </p:nvSpPr>
-              <p:spPr>
-                <a:xfrm>
-                  <a:off x="2504617" y="5067393"/>
-                  <a:ext cx="364202" cy="523220"/>
-                </a:xfrm>
-                <a:prstGeom prst="rect">
-                  <a:avLst/>
-                </a:prstGeom>
-                <a:noFill/>
-              </p:spPr>
-              <p:txBody>
-                <a:bodyPr wrap="none" rtlCol="0">
-                  <a:spAutoFit/>
-                </a:bodyPr>
-                <a:lstStyle/>
-                <a:p>
-                  <a:r>
-                    <a:rPr lang="en-US" sz="2800" b="1" dirty="0"/>
-                    <a:t>+</a:t>
-                  </a:r>
-                </a:p>
-              </p:txBody>
-            </p:sp>
-            <p:pic>
-              <p:nvPicPr>
-                <p:cNvPr id="30" name="Picture 4" descr="C:\Users\Pedro\Desktop\Z_DRIVE_Pedro\2 Music\1 Controllers\0_TSI_Traktor\ddj-sz\2 Working\v6.3.0 - DDJ-1000 TP3 - Initial release\Support files\DDJ-1000 - Deck.jpg"/>
-                <p:cNvPicPr>
-                  <a:picLocks noChangeAspect="1" noChangeArrowheads="1"/>
-                </p:cNvPicPr>
-                <p:nvPr/>
-              </p:nvPicPr>
-              <p:blipFill rotWithShape="1">
-                <a:blip r:embed="rId3" cstate="print">
-                  <a:extLst>
-                    <a:ext uri="{28A0092B-C50C-407E-A947-70E740481C1C}">
-                      <a14:useLocalDpi xmlns:a14="http://schemas.microsoft.com/office/drawing/2010/main" val="0"/>
-                    </a:ext>
-                  </a:extLst>
-                </a:blip>
-                <a:srcRect l="76793" t="72701" r="13811" b="20768"/>
-                <a:stretch/>
-              </p:blipFill>
-              <p:spPr bwMode="auto">
-                <a:xfrm>
-                  <a:off x="2868819" y="4953000"/>
-                  <a:ext cx="752476" cy="752005"/>
-                </a:xfrm>
-                <a:prstGeom prst="rect">
-                  <a:avLst/>
-                </a:prstGeom>
-                <a:noFill/>
-                <a:extLst>
-                  <a:ext uri="{909E8E84-426E-40DD-AFC4-6F175D3DCCD1}">
-                    <a14:hiddenFill xmlns:a14="http://schemas.microsoft.com/office/drawing/2010/main">
-                      <a:solidFill>
-                        <a:srgbClr val="FFFFFF"/>
-                      </a:solidFill>
-                    </a14:hiddenFill>
-                  </a:ext>
-                </a:extLst>
-              </p:spPr>
-            </p:pic>
-          </p:grpSp>
-          <p:sp>
-            <p:nvSpPr>
-              <p:cNvPr id="27" name="TextBox 26"/>
-              <p:cNvSpPr txBox="1"/>
-              <p:nvPr/>
-            </p:nvSpPr>
-            <p:spPr>
-              <a:xfrm>
-                <a:off x="3248025" y="5709744"/>
-                <a:ext cx="2057400" cy="369332"/>
-              </a:xfrm>
-              <a:prstGeom prst="rect">
-                <a:avLst/>
-              </a:prstGeom>
-              <a:noFill/>
-            </p:spPr>
-            <p:txBody>
-              <a:bodyPr wrap="square" rtlCol="0">
-                <a:spAutoFit/>
-              </a:bodyPr>
-              <a:lstStyle/>
-              <a:p>
-                <a:r>
-                  <a:rPr lang="en-US" dirty="0" smtClean="0"/>
-                  <a:t>Set elapsed/remain</a:t>
-                </a:r>
-                <a:endParaRPr lang="en-US" dirty="0"/>
-              </a:p>
-            </p:txBody>
-          </p:sp>
-        </p:grpSp>
+            <a:prstGeom prst="rect">
+              <a:avLst/>
+            </a:prstGeom>
+            <a:noFill/>
+          </p:spPr>
+          <p:txBody>
+            <a:bodyPr wrap="none" rtlCol="0">
+              <a:spAutoFit/>
+            </a:bodyPr>
+            <a:lstStyle/>
+            <a:p>
+              <a:r>
+                <a:rPr lang="en-US" sz="2800" b="1" dirty="0"/>
+                <a:t>+</a:t>
+              </a:r>
+            </a:p>
+          </p:txBody>
+        </p:sp>
+        <p:pic>
+          <p:nvPicPr>
+            <p:cNvPr id="20" name="Picture 4" descr="C:\Users\Pedro\Desktop\Z_DRIVE_Pedro\2 Music\1 Controllers\0_TSI_Traktor\ddj-sz\2 Working\v6.3.0 - DDJ-1000 TP3 - Initial release\Support files\DDJ-1000 - Deck.jpg"/>
+            <p:cNvPicPr>
+              <a:picLocks noChangeAspect="1" noChangeArrowheads="1"/>
+            </p:cNvPicPr>
+            <p:nvPr/>
+          </p:nvPicPr>
+          <p:blipFill rotWithShape="1">
+            <a:blip r:embed="rId3" cstate="print">
+              <a:extLst>
+                <a:ext uri="{28A0092B-C50C-407E-A947-70E740481C1C}">
+                  <a14:useLocalDpi xmlns:a14="http://schemas.microsoft.com/office/drawing/2010/main" val="0"/>
+                </a:ext>
+              </a:extLst>
+            </a:blip>
+            <a:srcRect l="76793" t="72701" r="13811" b="20768"/>
+            <a:stretch/>
+          </p:blipFill>
+          <p:spPr bwMode="auto">
+            <a:xfrm>
+              <a:off x="5963417" y="4705475"/>
+              <a:ext cx="752476" cy="752005"/>
+            </a:xfrm>
+            <a:prstGeom prst="rect">
+              <a:avLst/>
+            </a:prstGeom>
+            <a:noFill/>
+            <a:extLst>
+              <a:ext uri="{909E8E84-426E-40DD-AFC4-6F175D3DCCD1}">
+                <a14:hiddenFill xmlns:a14="http://schemas.microsoft.com/office/drawing/2010/main">
+                  <a:solidFill>
+                    <a:srgbClr val="FFFFFF"/>
+                  </a:solidFill>
+                </a14:hiddenFill>
+              </a:ext>
+            </a:extLst>
+          </p:spPr>
+        </p:pic>
+        <p:sp>
+          <p:nvSpPr>
+            <p:cNvPr id="15" name="TextBox 14"/>
+            <p:cNvSpPr txBox="1"/>
+            <p:nvPr/>
+          </p:nvSpPr>
+          <p:spPr>
+            <a:xfrm>
+              <a:off x="6801152" y="4906281"/>
+              <a:ext cx="1976663" cy="369332"/>
+            </a:xfrm>
+            <a:prstGeom prst="rect">
+              <a:avLst/>
+            </a:prstGeom>
+            <a:noFill/>
+          </p:spPr>
+          <p:txBody>
+            <a:bodyPr wrap="square" rtlCol="0">
+              <a:spAutoFit/>
+            </a:bodyPr>
+            <a:lstStyle/>
+            <a:p>
+              <a:r>
+                <a:rPr lang="en-US" dirty="0" smtClean="0"/>
+                <a:t>Set Tempo range</a:t>
+              </a:r>
+              <a:endParaRPr lang="en-US" dirty="0"/>
+            </a:p>
+          </p:txBody>
+        </p:sp>
       </p:grpSp>
       <p:grpSp>
         <p:nvGrpSpPr>
@@ -19768,7 +19351,7 @@
         </p:nvGrpSpPr>
         <p:grpSpPr>
           <a:xfrm>
-            <a:off x="498563" y="5639549"/>
+            <a:off x="498563" y="5215271"/>
             <a:ext cx="3804714" cy="752005"/>
             <a:chOff x="1395366" y="6481997"/>
             <a:chExt cx="3804714" cy="752005"/>
@@ -19935,7 +19518,7 @@
         </p:nvGrpSpPr>
         <p:grpSpPr>
           <a:xfrm>
-            <a:off x="1638040" y="4657200"/>
+            <a:off x="1638040" y="4232922"/>
             <a:ext cx="2741437" cy="923330"/>
             <a:chOff x="2453072" y="6341879"/>
             <a:chExt cx="2741437" cy="923330"/>
@@ -20021,7 +19604,12 @@
             <p:ph type="sldNum" sz="quarter" idx="12"/>
           </p:nvPr>
         </p:nvSpPr>
-        <p:spPr/>
+        <p:spPr>
+          <a:xfrm>
+            <a:off x="8839200" y="6492875"/>
+            <a:ext cx="268386" cy="365125"/>
+          </a:xfrm>
+        </p:spPr>
         <p:txBody>
           <a:bodyPr/>
           <a:lstStyle/>
@@ -20035,6 +19623,236 @@
           </a:p>
         </p:txBody>
       </p:sp>
+      <p:grpSp>
+        <p:nvGrpSpPr>
+          <p:cNvPr id="6" name="Group 5"/>
+          <p:cNvGrpSpPr/>
+          <p:nvPr/>
+        </p:nvGrpSpPr>
+        <p:grpSpPr>
+          <a:xfrm>
+            <a:off x="5806117" y="4163671"/>
+            <a:ext cx="3418620" cy="855997"/>
+            <a:chOff x="5820932" y="5019668"/>
+            <a:chExt cx="3418620" cy="855997"/>
+          </a:xfrm>
+        </p:grpSpPr>
+        <p:sp>
+          <p:nvSpPr>
+            <p:cNvPr id="27" name="TextBox 26"/>
+            <p:cNvSpPr txBox="1"/>
+            <p:nvPr/>
+          </p:nvSpPr>
+          <p:spPr>
+            <a:xfrm>
+              <a:off x="6858000" y="5350177"/>
+              <a:ext cx="2381552" cy="369332"/>
+            </a:xfrm>
+            <a:prstGeom prst="rect">
+              <a:avLst/>
+            </a:prstGeom>
+            <a:noFill/>
+          </p:spPr>
+          <p:txBody>
+            <a:bodyPr wrap="square" rtlCol="0">
+              <a:spAutoFit/>
+            </a:bodyPr>
+            <a:lstStyle/>
+            <a:p>
+              <a:r>
+                <a:rPr lang="en-US" dirty="0" smtClean="0"/>
+                <a:t>Toggle elapsed/remain</a:t>
+              </a:r>
+              <a:endParaRPr lang="en-US" dirty="0"/>
+            </a:p>
+          </p:txBody>
+        </p:sp>
+        <p:sp>
+          <p:nvSpPr>
+            <p:cNvPr id="37" name="TextBox 36"/>
+            <p:cNvSpPr txBox="1"/>
+            <p:nvPr/>
+          </p:nvSpPr>
+          <p:spPr>
+            <a:xfrm>
+              <a:off x="5820932" y="5019668"/>
+              <a:ext cx="1251478" cy="253916"/>
+            </a:xfrm>
+            <a:prstGeom prst="rect">
+              <a:avLst/>
+            </a:prstGeom>
+            <a:noFill/>
+          </p:spPr>
+          <p:txBody>
+            <a:bodyPr wrap="square" rtlCol="0">
+              <a:spAutoFit/>
+            </a:bodyPr>
+            <a:lstStyle/>
+            <a:p>
+              <a:pPr algn="ctr"/>
+              <a:r>
+                <a:rPr lang="en-US" sz="1050" dirty="0" smtClean="0"/>
+                <a:t>(Double Tap)</a:t>
+              </a:r>
+              <a:endParaRPr lang="en-US" sz="1050" dirty="0"/>
+            </a:p>
+          </p:txBody>
+        </p:sp>
+        <p:pic>
+          <p:nvPicPr>
+            <p:cNvPr id="38" name="Picture 4" descr="C:\Users\Pedro\Desktop\Z_DRIVE_Pedro\2 Music\1 Controllers\0_TSI_Traktor\ddj-sz\2 Working\v6.3.0 - DDJ-1000 TP3 - Initial release\Support files\DDJ-1000 - Deck.jpg"/>
+            <p:cNvPicPr>
+              <a:picLocks noChangeAspect="1" noChangeArrowheads="1"/>
+            </p:cNvPicPr>
+            <p:nvPr/>
+          </p:nvPicPr>
+          <p:blipFill rotWithShape="1">
+            <a:blip r:embed="rId3" cstate="print">
+              <a:extLst>
+                <a:ext uri="{28A0092B-C50C-407E-A947-70E740481C1C}">
+                  <a14:useLocalDpi xmlns:a14="http://schemas.microsoft.com/office/drawing/2010/main" val="0"/>
+                </a:ext>
+              </a:extLst>
+            </a:blip>
+            <a:srcRect l="3414" t="59283" r="85941" b="35639"/>
+            <a:stretch/>
+          </p:blipFill>
+          <p:spPr bwMode="auto">
+            <a:xfrm>
+              <a:off x="5963417" y="5227417"/>
+              <a:ext cx="945417" cy="648248"/>
+            </a:xfrm>
+            <a:prstGeom prst="rect">
+              <a:avLst/>
+            </a:prstGeom>
+            <a:noFill/>
+            <a:extLst>
+              <a:ext uri="{909E8E84-426E-40DD-AFC4-6F175D3DCCD1}">
+                <a14:hiddenFill xmlns:a14="http://schemas.microsoft.com/office/drawing/2010/main">
+                  <a:solidFill>
+                    <a:srgbClr val="FFFFFF"/>
+                  </a:solidFill>
+                </a14:hiddenFill>
+              </a:ext>
+            </a:extLst>
+          </p:spPr>
+        </p:pic>
+      </p:grpSp>
+      <p:grpSp>
+        <p:nvGrpSpPr>
+          <p:cNvPr id="3" name="Group 2"/>
+          <p:cNvGrpSpPr/>
+          <p:nvPr/>
+        </p:nvGrpSpPr>
+        <p:grpSpPr>
+          <a:xfrm>
+            <a:off x="5806117" y="5024553"/>
+            <a:ext cx="2372084" cy="854403"/>
+            <a:chOff x="5781316" y="5842749"/>
+            <a:chExt cx="2372084" cy="854403"/>
+          </a:xfrm>
+        </p:grpSpPr>
+        <p:sp>
+          <p:nvSpPr>
+            <p:cNvPr id="39" name="TextBox 38"/>
+            <p:cNvSpPr txBox="1"/>
+            <p:nvPr/>
+          </p:nvSpPr>
+          <p:spPr>
+            <a:xfrm>
+              <a:off x="6804837" y="6171664"/>
+              <a:ext cx="1348563" cy="369332"/>
+            </a:xfrm>
+            <a:prstGeom prst="rect">
+              <a:avLst/>
+            </a:prstGeom>
+            <a:noFill/>
+          </p:spPr>
+          <p:txBody>
+            <a:bodyPr wrap="square" rtlCol="0">
+              <a:spAutoFit/>
+            </a:bodyPr>
+            <a:lstStyle/>
+            <a:p>
+              <a:r>
+                <a:rPr lang="en-US" dirty="0" smtClean="0"/>
+                <a:t>Total time</a:t>
+              </a:r>
+              <a:endParaRPr lang="en-US" dirty="0"/>
+            </a:p>
+          </p:txBody>
+        </p:sp>
+        <p:sp>
+          <p:nvSpPr>
+            <p:cNvPr id="51" name="TextBox 50"/>
+            <p:cNvSpPr txBox="1"/>
+            <p:nvPr/>
+          </p:nvSpPr>
+          <p:spPr>
+            <a:xfrm>
+              <a:off x="5781316" y="5842749"/>
+              <a:ext cx="1210685" cy="253916"/>
+            </a:xfrm>
+            <a:prstGeom prst="rect">
+              <a:avLst/>
+            </a:prstGeom>
+            <a:noFill/>
+          </p:spPr>
+          <p:txBody>
+            <a:bodyPr wrap="square" rtlCol="0">
+              <a:spAutoFit/>
+            </a:bodyPr>
+            <a:lstStyle/>
+            <a:p>
+              <a:pPr algn="ctr"/>
+              <a:r>
+                <a:rPr lang="en-US" sz="1050" dirty="0" smtClean="0"/>
+                <a:t>(Long press)</a:t>
+              </a:r>
+              <a:endParaRPr lang="en-US" sz="1050" dirty="0"/>
+            </a:p>
+          </p:txBody>
+        </p:sp>
+        <p:pic>
+          <p:nvPicPr>
+            <p:cNvPr id="52" name="Picture 4" descr="C:\Users\Pedro\Desktop\Z_DRIVE_Pedro\2 Music\1 Controllers\0_TSI_Traktor\ddj-sz\2 Working\v6.3.0 - DDJ-1000 TP3 - Initial release\Support files\DDJ-1000 - Deck.jpg"/>
+            <p:cNvPicPr>
+              <a:picLocks noChangeAspect="1" noChangeArrowheads="1"/>
+            </p:cNvPicPr>
+            <p:nvPr/>
+          </p:nvPicPr>
+          <p:blipFill rotWithShape="1">
+            <a:blip r:embed="rId3" cstate="print">
+              <a:extLst>
+                <a:ext uri="{28A0092B-C50C-407E-A947-70E740481C1C}">
+                  <a14:useLocalDpi xmlns:a14="http://schemas.microsoft.com/office/drawing/2010/main" val="0"/>
+                </a:ext>
+              </a:extLst>
+            </a:blip>
+            <a:srcRect l="3414" t="59283" r="85941" b="35639"/>
+            <a:stretch/>
+          </p:blipFill>
+          <p:spPr bwMode="auto">
+            <a:xfrm>
+              <a:off x="5910254" y="6048904"/>
+              <a:ext cx="945417" cy="648248"/>
+            </a:xfrm>
+            <a:prstGeom prst="rect">
+              <a:avLst/>
+            </a:prstGeom>
+            <a:noFill/>
+            <a:extLst>
+              <a:ext uri="{909E8E84-426E-40DD-AFC4-6F175D3DCCD1}">
+                <a14:hiddenFill xmlns:a14="http://schemas.microsoft.com/office/drawing/2010/main">
+                  <a:solidFill>
+                    <a:srgbClr val="FFFFFF"/>
+                  </a:solidFill>
+                </a14:hiddenFill>
+              </a:ext>
+            </a:extLst>
+          </p:spPr>
+        </p:pic>
+      </p:grpSp>
     </p:spTree>
     <p:extLst>
       <p:ext uri="{BB962C8B-B14F-4D97-AF65-F5344CB8AC3E}">
@@ -20049,6 +19867,1182 @@
 </file>
 
 <file path=ppt/slides/slide20.xml><?xml version="1.0" encoding="utf-8"?>
+<p:sld xmlns:a="http://schemas.openxmlformats.org/drawingml/2006/main" xmlns:r="http://schemas.openxmlformats.org/officeDocument/2006/relationships" xmlns:p="http://schemas.openxmlformats.org/presentationml/2006/main">
+  <p:cSld>
+    <p:spTree>
+      <p:nvGrpSpPr>
+        <p:cNvPr id="1" name=""/>
+        <p:cNvGrpSpPr/>
+        <p:nvPr/>
+      </p:nvGrpSpPr>
+      <p:grpSpPr>
+        <a:xfrm>
+          <a:off x="0" y="0"/>
+          <a:ext cx="0" cy="0"/>
+          <a:chOff x="0" y="0"/>
+          <a:chExt cx="0" cy="0"/>
+        </a:xfrm>
+      </p:grpSpPr>
+      <p:sp>
+        <p:nvSpPr>
+          <p:cNvPr id="32" name="TextBox 31"/>
+          <p:cNvSpPr txBox="1"/>
+          <p:nvPr/>
+        </p:nvSpPr>
+        <p:spPr>
+          <a:xfrm>
+            <a:off x="152400" y="111145"/>
+            <a:ext cx="3393045" cy="461665"/>
+          </a:xfrm>
+          <a:prstGeom prst="rect">
+            <a:avLst/>
+          </a:prstGeom>
+          <a:noFill/>
+        </p:spPr>
+        <p:txBody>
+          <a:bodyPr wrap="none" rtlCol="0">
+            <a:spAutoFit/>
+          </a:bodyPr>
+          <a:lstStyle/>
+          <a:p>
+            <a:r>
+              <a:rPr lang="en-US" sz="2400" i="1" u="sng" dirty="0"/>
+              <a:t>DDJ-1000 mode </a:t>
+            </a:r>
+            <a:r>
+              <a:rPr lang="en-US" sz="2400" i="1" u="sng" dirty="0" smtClean="0"/>
+              <a:t>#4: </a:t>
+            </a:r>
+            <a:r>
+              <a:rPr lang="en-US" sz="2400" i="1" u="sng" dirty="0" err="1" smtClean="0"/>
+              <a:t>JogFX</a:t>
+            </a:r>
+            <a:endParaRPr lang="en-US" sz="2400" i="1" u="sng" dirty="0"/>
+          </a:p>
+        </p:txBody>
+      </p:sp>
+      <p:grpSp>
+        <p:nvGrpSpPr>
+          <p:cNvPr id="1026" name="Group 1025"/>
+          <p:cNvGrpSpPr/>
+          <p:nvPr/>
+        </p:nvGrpSpPr>
+        <p:grpSpPr>
+          <a:xfrm>
+            <a:off x="435397" y="1647821"/>
+            <a:ext cx="3679403" cy="1704979"/>
+            <a:chOff x="199224" y="1919408"/>
+            <a:chExt cx="3679403" cy="1704979"/>
+          </a:xfrm>
+        </p:grpSpPr>
+        <p:sp>
+          <p:nvSpPr>
+            <p:cNvPr id="19" name="Rectangle 18"/>
+            <p:cNvSpPr/>
+            <p:nvPr/>
+          </p:nvSpPr>
+          <p:spPr>
+            <a:xfrm>
+              <a:off x="199224" y="1919408"/>
+              <a:ext cx="870682" cy="802343"/>
+            </a:xfrm>
+            <a:prstGeom prst="rect">
+              <a:avLst/>
+            </a:prstGeom>
+            <a:solidFill>
+              <a:schemeClr val="bg1"/>
+            </a:solidFill>
+            <a:ln w="12700">
+              <a:solidFill>
+                <a:schemeClr val="tx1"/>
+              </a:solidFill>
+            </a:ln>
+          </p:spPr>
+          <p:style>
+            <a:lnRef idx="2">
+              <a:schemeClr val="accent1">
+                <a:shade val="50000"/>
+              </a:schemeClr>
+            </a:lnRef>
+            <a:fillRef idx="1">
+              <a:schemeClr val="accent1"/>
+            </a:fillRef>
+            <a:effectRef idx="0">
+              <a:schemeClr val="accent1"/>
+            </a:effectRef>
+            <a:fontRef idx="minor">
+              <a:schemeClr val="lt1"/>
+            </a:fontRef>
+          </p:style>
+          <p:txBody>
+            <a:bodyPr lIns="0" tIns="0" rIns="0" bIns="0" rtlCol="0" anchor="ctr"/>
+            <a:lstStyle/>
+            <a:p>
+              <a:pPr algn="ctr"/>
+              <a:r>
+                <a:rPr lang="en-US" sz="1200" dirty="0" err="1" smtClean="0">
+                  <a:solidFill>
+                    <a:schemeClr val="tx1"/>
+                  </a:solidFill>
+                </a:rPr>
+                <a:t>Beatmasher</a:t>
+              </a:r>
+              <a:r>
+                <a:rPr lang="en-US" sz="1200" dirty="0" smtClean="0">
+                  <a:solidFill>
+                    <a:schemeClr val="tx1"/>
+                  </a:solidFill>
+                </a:rPr>
+                <a:t> </a:t>
+              </a:r>
+              <a:r>
+                <a:rPr lang="en-US" sz="1200" dirty="0">
+                  <a:solidFill>
+                    <a:schemeClr val="tx1"/>
+                  </a:solidFill>
+                </a:rPr>
+                <a:t>Digital </a:t>
+              </a:r>
+              <a:r>
+                <a:rPr lang="en-US" sz="1200" dirty="0" smtClean="0">
+                  <a:solidFill>
+                    <a:schemeClr val="tx1"/>
+                  </a:solidFill>
+                </a:rPr>
+                <a:t>filter </a:t>
+              </a:r>
+              <a:r>
+                <a:rPr lang="en-US" sz="1200" dirty="0" err="1">
+                  <a:solidFill>
+                    <a:schemeClr val="tx1"/>
+                  </a:solidFill>
+                </a:rPr>
+                <a:t>Gater</a:t>
+              </a:r>
+              <a:endParaRPr lang="en-US" sz="1100" dirty="0">
+                <a:solidFill>
+                  <a:schemeClr val="tx1"/>
+                </a:solidFill>
+              </a:endParaRPr>
+            </a:p>
+          </p:txBody>
+        </p:sp>
+        <p:sp>
+          <p:nvSpPr>
+            <p:cNvPr id="45" name="Rectangle 44"/>
+            <p:cNvSpPr/>
+            <p:nvPr/>
+          </p:nvSpPr>
+          <p:spPr>
+            <a:xfrm>
+              <a:off x="1143221" y="1919408"/>
+              <a:ext cx="870682" cy="802343"/>
+            </a:xfrm>
+            <a:prstGeom prst="rect">
+              <a:avLst/>
+            </a:prstGeom>
+            <a:solidFill>
+              <a:schemeClr val="bg1"/>
+            </a:solidFill>
+            <a:ln w="12700">
+              <a:solidFill>
+                <a:schemeClr val="tx1"/>
+              </a:solidFill>
+            </a:ln>
+          </p:spPr>
+          <p:style>
+            <a:lnRef idx="2">
+              <a:schemeClr val="accent1">
+                <a:shade val="50000"/>
+              </a:schemeClr>
+            </a:lnRef>
+            <a:fillRef idx="1">
+              <a:schemeClr val="accent1"/>
+            </a:fillRef>
+            <a:effectRef idx="0">
+              <a:schemeClr val="accent1"/>
+            </a:effectRef>
+            <a:fontRef idx="minor">
+              <a:schemeClr val="lt1"/>
+            </a:fontRef>
+          </p:style>
+          <p:txBody>
+            <a:bodyPr lIns="0" tIns="0" rIns="0" bIns="0" rtlCol="0" anchor="ctr"/>
+            <a:lstStyle/>
+            <a:p>
+              <a:pPr algn="ctr"/>
+              <a:r>
+                <a:rPr lang="en-US" sz="1200" dirty="0" err="1" smtClean="0">
+                  <a:solidFill>
+                    <a:schemeClr val="tx1"/>
+                  </a:solidFill>
+                </a:rPr>
+                <a:t>Beatmasher</a:t>
+              </a:r>
+              <a:r>
+                <a:rPr lang="en-US" sz="1200" dirty="0" smtClean="0">
+                  <a:solidFill>
+                    <a:schemeClr val="tx1"/>
+                  </a:solidFill>
+                </a:rPr>
+                <a:t/>
+              </a:r>
+              <a:br>
+                <a:rPr lang="en-US" sz="1200" dirty="0" smtClean="0">
+                  <a:solidFill>
+                    <a:schemeClr val="tx1"/>
+                  </a:solidFill>
+                </a:rPr>
+              </a:br>
+              <a:r>
+                <a:rPr lang="en-US" sz="1200" dirty="0" smtClean="0">
+                  <a:solidFill>
+                    <a:schemeClr val="tx1"/>
+                  </a:solidFill>
+                </a:rPr>
+                <a:t> Filter</a:t>
+              </a:r>
+              <a:br>
+                <a:rPr lang="en-US" sz="1200" dirty="0" smtClean="0">
+                  <a:solidFill>
+                    <a:schemeClr val="tx1"/>
+                  </a:solidFill>
+                </a:rPr>
+              </a:br>
+              <a:r>
+                <a:rPr lang="en-US" sz="1200" dirty="0" smtClean="0">
+                  <a:solidFill>
+                    <a:schemeClr val="tx1"/>
+                  </a:solidFill>
+                </a:rPr>
+                <a:t>Reverb</a:t>
+              </a:r>
+              <a:endParaRPr lang="en-US" sz="1100" dirty="0">
+                <a:solidFill>
+                  <a:schemeClr val="tx1"/>
+                </a:solidFill>
+              </a:endParaRPr>
+            </a:p>
+          </p:txBody>
+        </p:sp>
+        <p:sp>
+          <p:nvSpPr>
+            <p:cNvPr id="46" name="Rectangle 45"/>
+            <p:cNvSpPr/>
+            <p:nvPr/>
+          </p:nvSpPr>
+          <p:spPr>
+            <a:xfrm>
+              <a:off x="2080481" y="1919408"/>
+              <a:ext cx="870682" cy="802343"/>
+            </a:xfrm>
+            <a:prstGeom prst="rect">
+              <a:avLst/>
+            </a:prstGeom>
+            <a:solidFill>
+              <a:schemeClr val="bg1"/>
+            </a:solidFill>
+            <a:ln w="12700">
+              <a:solidFill>
+                <a:schemeClr val="tx1"/>
+              </a:solidFill>
+            </a:ln>
+          </p:spPr>
+          <p:style>
+            <a:lnRef idx="2">
+              <a:schemeClr val="accent1">
+                <a:shade val="50000"/>
+              </a:schemeClr>
+            </a:lnRef>
+            <a:fillRef idx="1">
+              <a:schemeClr val="accent1"/>
+            </a:fillRef>
+            <a:effectRef idx="0">
+              <a:schemeClr val="accent1"/>
+            </a:effectRef>
+            <a:fontRef idx="minor">
+              <a:schemeClr val="lt1"/>
+            </a:fontRef>
+          </p:style>
+          <p:txBody>
+            <a:bodyPr lIns="0" tIns="0" rIns="0" bIns="0" rtlCol="0" anchor="ctr"/>
+            <a:lstStyle/>
+            <a:p>
+              <a:pPr algn="ctr"/>
+              <a:r>
+                <a:rPr lang="en-US" sz="1200" dirty="0" err="1" smtClean="0">
+                  <a:solidFill>
+                    <a:schemeClr val="tx1"/>
+                  </a:solidFill>
+                </a:rPr>
+                <a:t>EventHorizon</a:t>
+              </a:r>
+              <a:endParaRPr lang="en-US" sz="1200" dirty="0" smtClean="0">
+                <a:solidFill>
+                  <a:schemeClr val="tx1"/>
+                </a:solidFill>
+              </a:endParaRPr>
+            </a:p>
+            <a:p>
+              <a:pPr algn="ctr"/>
+              <a:r>
+                <a:rPr lang="en-US" sz="1200" dirty="0" smtClean="0">
+                  <a:solidFill>
+                    <a:schemeClr val="tx1"/>
+                  </a:solidFill>
+                </a:rPr>
+                <a:t>(none)</a:t>
+              </a:r>
+              <a:br>
+                <a:rPr lang="en-US" sz="1200" dirty="0" smtClean="0">
+                  <a:solidFill>
+                    <a:schemeClr val="tx1"/>
+                  </a:solidFill>
+                </a:rPr>
+              </a:br>
+              <a:r>
+                <a:rPr lang="en-US" sz="1200" dirty="0" err="1" smtClean="0">
+                  <a:solidFill>
+                    <a:schemeClr val="tx1"/>
+                  </a:solidFill>
+                </a:rPr>
+                <a:t>Gater</a:t>
+              </a:r>
+              <a:endParaRPr lang="en-US" sz="1100" dirty="0">
+                <a:solidFill>
+                  <a:schemeClr val="tx1"/>
+                </a:solidFill>
+              </a:endParaRPr>
+            </a:p>
+          </p:txBody>
+        </p:sp>
+        <p:sp>
+          <p:nvSpPr>
+            <p:cNvPr id="47" name="Rectangle 46"/>
+            <p:cNvSpPr/>
+            <p:nvPr/>
+          </p:nvSpPr>
+          <p:spPr>
+            <a:xfrm>
+              <a:off x="3007945" y="1919408"/>
+              <a:ext cx="870682" cy="802343"/>
+            </a:xfrm>
+            <a:prstGeom prst="rect">
+              <a:avLst/>
+            </a:prstGeom>
+            <a:solidFill>
+              <a:schemeClr val="bg1"/>
+            </a:solidFill>
+            <a:ln w="12700">
+              <a:solidFill>
+                <a:schemeClr val="tx1"/>
+              </a:solidFill>
+            </a:ln>
+          </p:spPr>
+          <p:style>
+            <a:lnRef idx="2">
+              <a:schemeClr val="accent1">
+                <a:shade val="50000"/>
+              </a:schemeClr>
+            </a:lnRef>
+            <a:fillRef idx="1">
+              <a:schemeClr val="accent1"/>
+            </a:fillRef>
+            <a:effectRef idx="0">
+              <a:schemeClr val="accent1"/>
+            </a:effectRef>
+            <a:fontRef idx="minor">
+              <a:schemeClr val="lt1"/>
+            </a:fontRef>
+          </p:style>
+          <p:txBody>
+            <a:bodyPr lIns="0" tIns="0" rIns="0" bIns="0" rtlCol="0" anchor="ctr"/>
+            <a:lstStyle/>
+            <a:p>
+              <a:pPr algn="ctr"/>
+              <a:r>
+                <a:rPr lang="en-US" sz="1200" dirty="0" err="1" smtClean="0">
+                  <a:solidFill>
+                    <a:schemeClr val="tx1"/>
+                  </a:solidFill>
+                </a:rPr>
+                <a:t>Gater</a:t>
+              </a:r>
+              <a:r>
+                <a:rPr lang="en-US" sz="1200" dirty="0" smtClean="0">
+                  <a:solidFill>
+                    <a:schemeClr val="tx1"/>
+                  </a:solidFill>
+                </a:rPr>
+                <a:t> </a:t>
+              </a:r>
+              <a:r>
+                <a:rPr lang="en-US" sz="1200" dirty="0" err="1" smtClean="0">
+                  <a:solidFill>
+                    <a:schemeClr val="tx1"/>
+                  </a:solidFill>
+                </a:rPr>
+                <a:t>Beatmasher</a:t>
+              </a:r>
+              <a:r>
+                <a:rPr lang="en-US" sz="1200" dirty="0" smtClean="0">
+                  <a:solidFill>
+                    <a:schemeClr val="tx1"/>
+                  </a:solidFill>
+                </a:rPr>
+                <a:t/>
+              </a:r>
+              <a:br>
+                <a:rPr lang="en-US" sz="1200" dirty="0" smtClean="0">
+                  <a:solidFill>
+                    <a:schemeClr val="tx1"/>
+                  </a:solidFill>
+                </a:rPr>
+              </a:br>
+              <a:r>
+                <a:rPr lang="en-US" sz="1200" dirty="0" smtClean="0">
+                  <a:solidFill>
+                    <a:schemeClr val="tx1"/>
+                  </a:solidFill>
+                </a:rPr>
+                <a:t>Reverb</a:t>
+              </a:r>
+              <a:endParaRPr lang="en-US" sz="1100" dirty="0">
+                <a:solidFill>
+                  <a:schemeClr val="tx1"/>
+                </a:solidFill>
+              </a:endParaRPr>
+            </a:p>
+          </p:txBody>
+        </p:sp>
+        <p:sp>
+          <p:nvSpPr>
+            <p:cNvPr id="48" name="Rectangle 47"/>
+            <p:cNvSpPr/>
+            <p:nvPr/>
+          </p:nvSpPr>
+          <p:spPr>
+            <a:xfrm>
+              <a:off x="199224" y="2822044"/>
+              <a:ext cx="870682" cy="802343"/>
+            </a:xfrm>
+            <a:prstGeom prst="rect">
+              <a:avLst/>
+            </a:prstGeom>
+            <a:solidFill>
+              <a:schemeClr val="bg1"/>
+            </a:solidFill>
+            <a:ln w="12700">
+              <a:solidFill>
+                <a:schemeClr val="tx1"/>
+              </a:solidFill>
+            </a:ln>
+          </p:spPr>
+          <p:style>
+            <a:lnRef idx="2">
+              <a:schemeClr val="accent1">
+                <a:shade val="50000"/>
+              </a:schemeClr>
+            </a:lnRef>
+            <a:fillRef idx="1">
+              <a:schemeClr val="accent1"/>
+            </a:fillRef>
+            <a:effectRef idx="0">
+              <a:schemeClr val="accent1"/>
+            </a:effectRef>
+            <a:fontRef idx="minor">
+              <a:schemeClr val="lt1"/>
+            </a:fontRef>
+          </p:style>
+          <p:txBody>
+            <a:bodyPr lIns="0" tIns="0" rIns="0" bIns="0" rtlCol="0" anchor="ctr"/>
+            <a:lstStyle/>
+            <a:p>
+              <a:pPr algn="ctr"/>
+              <a:r>
+                <a:rPr lang="en-US" sz="1200" dirty="0" err="1">
+                  <a:solidFill>
+                    <a:schemeClr val="tx1"/>
+                  </a:solidFill>
+                </a:rPr>
+                <a:t>Flanger</a:t>
+              </a:r>
+              <a:r>
+                <a:rPr lang="en-US" sz="1200" dirty="0">
+                  <a:solidFill>
+                    <a:schemeClr val="tx1"/>
+                  </a:solidFill>
+                </a:rPr>
+                <a:t> </a:t>
+              </a:r>
+              <a:br>
+                <a:rPr lang="en-US" sz="1200" dirty="0">
+                  <a:solidFill>
+                    <a:schemeClr val="tx1"/>
+                  </a:solidFill>
+                </a:rPr>
+              </a:br>
+              <a:r>
+                <a:rPr lang="en-US" sz="1200" dirty="0" smtClean="0">
+                  <a:solidFill>
+                    <a:schemeClr val="tx1"/>
+                  </a:solidFill>
+                </a:rPr>
+                <a:t>(None)</a:t>
+              </a:r>
+              <a:br>
+                <a:rPr lang="en-US" sz="1200" dirty="0" smtClean="0">
+                  <a:solidFill>
+                    <a:schemeClr val="tx1"/>
+                  </a:solidFill>
+                </a:rPr>
+              </a:br>
+              <a:r>
+                <a:rPr lang="en-US" sz="1200" dirty="0" err="1" smtClean="0">
+                  <a:solidFill>
+                    <a:schemeClr val="tx1"/>
+                  </a:solidFill>
+                </a:rPr>
+                <a:t>Gater</a:t>
+              </a:r>
+              <a:endParaRPr lang="en-US" sz="1100" dirty="0">
+                <a:solidFill>
+                  <a:schemeClr val="tx1"/>
+                </a:solidFill>
+              </a:endParaRPr>
+            </a:p>
+          </p:txBody>
+        </p:sp>
+        <p:sp>
+          <p:nvSpPr>
+            <p:cNvPr id="49" name="Rectangle 48"/>
+            <p:cNvSpPr/>
+            <p:nvPr/>
+          </p:nvSpPr>
+          <p:spPr>
+            <a:xfrm>
+              <a:off x="1143221" y="2822044"/>
+              <a:ext cx="870682" cy="802343"/>
+            </a:xfrm>
+            <a:prstGeom prst="rect">
+              <a:avLst/>
+            </a:prstGeom>
+            <a:solidFill>
+              <a:schemeClr val="bg1"/>
+            </a:solidFill>
+            <a:ln w="12700">
+              <a:solidFill>
+                <a:schemeClr val="tx1"/>
+              </a:solidFill>
+            </a:ln>
+          </p:spPr>
+          <p:style>
+            <a:lnRef idx="2">
+              <a:schemeClr val="accent1">
+                <a:shade val="50000"/>
+              </a:schemeClr>
+            </a:lnRef>
+            <a:fillRef idx="1">
+              <a:schemeClr val="accent1"/>
+            </a:fillRef>
+            <a:effectRef idx="0">
+              <a:schemeClr val="accent1"/>
+            </a:effectRef>
+            <a:fontRef idx="minor">
+              <a:schemeClr val="lt1"/>
+            </a:fontRef>
+          </p:style>
+          <p:txBody>
+            <a:bodyPr lIns="0" tIns="0" rIns="0" bIns="0" rtlCol="0" anchor="ctr"/>
+            <a:lstStyle/>
+            <a:p>
+              <a:pPr algn="ctr"/>
+              <a:r>
+                <a:rPr lang="en-US" sz="1200" dirty="0" err="1" smtClean="0">
+                  <a:solidFill>
+                    <a:schemeClr val="tx1"/>
+                  </a:solidFill>
+                </a:rPr>
+                <a:t>Beatmasher</a:t>
+              </a:r>
+              <a:r>
+                <a:rPr lang="en-US" sz="1200" dirty="0" smtClean="0">
+                  <a:solidFill>
+                    <a:schemeClr val="tx1"/>
+                  </a:solidFill>
+                </a:rPr>
+                <a:t/>
+              </a:r>
+              <a:br>
+                <a:rPr lang="en-US" sz="1200" dirty="0" smtClean="0">
+                  <a:solidFill>
+                    <a:schemeClr val="tx1"/>
+                  </a:solidFill>
+                </a:rPr>
+              </a:br>
+              <a:r>
+                <a:rPr lang="en-US" sz="1200" dirty="0" smtClean="0">
+                  <a:solidFill>
+                    <a:schemeClr val="tx1"/>
+                  </a:solidFill>
+                </a:rPr>
+                <a:t>Peak filter</a:t>
+              </a:r>
+              <a:br>
+                <a:rPr lang="en-US" sz="1200" dirty="0" smtClean="0">
+                  <a:solidFill>
+                    <a:schemeClr val="tx1"/>
+                  </a:solidFill>
+                </a:rPr>
+              </a:br>
+              <a:r>
+                <a:rPr lang="en-US" sz="1200" dirty="0" err="1" smtClean="0">
+                  <a:solidFill>
+                    <a:schemeClr val="tx1"/>
+                  </a:solidFill>
+                </a:rPr>
+                <a:t>Gater</a:t>
+              </a:r>
+              <a:endParaRPr lang="en-US" sz="1100" dirty="0">
+                <a:solidFill>
+                  <a:schemeClr val="tx1"/>
+                </a:solidFill>
+              </a:endParaRPr>
+            </a:p>
+          </p:txBody>
+        </p:sp>
+        <p:sp>
+          <p:nvSpPr>
+            <p:cNvPr id="50" name="Rectangle 49"/>
+            <p:cNvSpPr/>
+            <p:nvPr/>
+          </p:nvSpPr>
+          <p:spPr>
+            <a:xfrm>
+              <a:off x="2080481" y="2822044"/>
+              <a:ext cx="870682" cy="802343"/>
+            </a:xfrm>
+            <a:prstGeom prst="rect">
+              <a:avLst/>
+            </a:prstGeom>
+            <a:solidFill>
+              <a:schemeClr val="bg1"/>
+            </a:solidFill>
+            <a:ln w="12700">
+              <a:solidFill>
+                <a:schemeClr val="tx1"/>
+              </a:solidFill>
+            </a:ln>
+          </p:spPr>
+          <p:style>
+            <a:lnRef idx="2">
+              <a:schemeClr val="accent1">
+                <a:shade val="50000"/>
+              </a:schemeClr>
+            </a:lnRef>
+            <a:fillRef idx="1">
+              <a:schemeClr val="accent1"/>
+            </a:fillRef>
+            <a:effectRef idx="0">
+              <a:schemeClr val="accent1"/>
+            </a:effectRef>
+            <a:fontRef idx="minor">
+              <a:schemeClr val="lt1"/>
+            </a:fontRef>
+          </p:style>
+          <p:txBody>
+            <a:bodyPr lIns="0" tIns="0" rIns="0" bIns="0" rtlCol="0" anchor="ctr"/>
+            <a:lstStyle/>
+            <a:p>
+              <a:pPr algn="ctr"/>
+              <a:r>
+                <a:rPr lang="en-US" sz="1200" dirty="0" err="1" smtClean="0">
+                  <a:solidFill>
+                    <a:schemeClr val="tx1"/>
+                  </a:solidFill>
+                </a:rPr>
+                <a:t>FormatFilter</a:t>
+              </a:r>
+              <a:r>
+                <a:rPr lang="en-US" sz="1200" dirty="0" smtClean="0">
+                  <a:solidFill>
+                    <a:schemeClr val="tx1"/>
+                  </a:solidFill>
+                </a:rPr>
+                <a:t> </a:t>
+              </a:r>
+              <a:r>
+                <a:rPr lang="en-US" sz="1200" dirty="0">
+                  <a:solidFill>
+                    <a:schemeClr val="tx1"/>
+                  </a:solidFill>
+                </a:rPr>
+                <a:t>Peak </a:t>
+              </a:r>
+              <a:r>
+                <a:rPr lang="en-US" sz="1200" dirty="0" smtClean="0">
+                  <a:solidFill>
+                    <a:schemeClr val="tx1"/>
+                  </a:solidFill>
+                </a:rPr>
+                <a:t>filter </a:t>
+              </a:r>
+              <a:r>
+                <a:rPr lang="en-US" sz="1200" dirty="0" err="1">
+                  <a:solidFill>
+                    <a:schemeClr val="tx1"/>
+                  </a:solidFill>
+                </a:rPr>
+                <a:t>Flightest</a:t>
+              </a:r>
+              <a:endParaRPr lang="en-US" sz="1100" dirty="0">
+                <a:solidFill>
+                  <a:schemeClr val="tx1"/>
+                </a:solidFill>
+              </a:endParaRPr>
+            </a:p>
+          </p:txBody>
+        </p:sp>
+        <p:sp>
+          <p:nvSpPr>
+            <p:cNvPr id="51" name="Rectangle 50"/>
+            <p:cNvSpPr/>
+            <p:nvPr/>
+          </p:nvSpPr>
+          <p:spPr>
+            <a:xfrm>
+              <a:off x="3007945" y="2822044"/>
+              <a:ext cx="870682" cy="802343"/>
+            </a:xfrm>
+            <a:prstGeom prst="rect">
+              <a:avLst/>
+            </a:prstGeom>
+            <a:solidFill>
+              <a:schemeClr val="bg1"/>
+            </a:solidFill>
+            <a:ln w="12700">
+              <a:solidFill>
+                <a:schemeClr val="tx1"/>
+              </a:solidFill>
+            </a:ln>
+          </p:spPr>
+          <p:style>
+            <a:lnRef idx="2">
+              <a:schemeClr val="accent1">
+                <a:shade val="50000"/>
+              </a:schemeClr>
+            </a:lnRef>
+            <a:fillRef idx="1">
+              <a:schemeClr val="accent1"/>
+            </a:fillRef>
+            <a:effectRef idx="0">
+              <a:schemeClr val="accent1"/>
+            </a:effectRef>
+            <a:fontRef idx="minor">
+              <a:schemeClr val="lt1"/>
+            </a:fontRef>
+          </p:style>
+          <p:txBody>
+            <a:bodyPr lIns="0" tIns="0" rIns="0" bIns="0" rtlCol="0" anchor="ctr"/>
+            <a:lstStyle/>
+            <a:p>
+              <a:pPr algn="ctr"/>
+              <a:endParaRPr lang="en-US" sz="1100" dirty="0">
+                <a:solidFill>
+                  <a:schemeClr val="tx1"/>
+                </a:solidFill>
+              </a:endParaRPr>
+            </a:p>
+          </p:txBody>
+        </p:sp>
+      </p:grpSp>
+      <p:grpSp>
+        <p:nvGrpSpPr>
+          <p:cNvPr id="1024" name="Group 1023"/>
+          <p:cNvGrpSpPr/>
+          <p:nvPr/>
+        </p:nvGrpSpPr>
+        <p:grpSpPr>
+          <a:xfrm>
+            <a:off x="3287062" y="1328614"/>
+            <a:ext cx="827737" cy="250230"/>
+            <a:chOff x="2080481" y="1600201"/>
+            <a:chExt cx="864333" cy="250230"/>
+          </a:xfrm>
+        </p:grpSpPr>
+        <p:sp>
+          <p:nvSpPr>
+            <p:cNvPr id="58" name="Rectangle 57"/>
+            <p:cNvSpPr/>
+            <p:nvPr/>
+          </p:nvSpPr>
+          <p:spPr>
+            <a:xfrm>
+              <a:off x="2141752" y="1662726"/>
+              <a:ext cx="803062" cy="187705"/>
+            </a:xfrm>
+            <a:prstGeom prst="rect">
+              <a:avLst/>
+            </a:prstGeom>
+            <a:solidFill>
+              <a:schemeClr val="bg1"/>
+            </a:solidFill>
+            <a:ln w="12700">
+              <a:solidFill>
+                <a:schemeClr val="tx1"/>
+              </a:solidFill>
+            </a:ln>
+          </p:spPr>
+          <p:style>
+            <a:lnRef idx="2">
+              <a:schemeClr val="accent1">
+                <a:shade val="50000"/>
+              </a:schemeClr>
+            </a:lnRef>
+            <a:fillRef idx="1">
+              <a:schemeClr val="accent1"/>
+            </a:fillRef>
+            <a:effectRef idx="0">
+              <a:schemeClr val="accent1"/>
+            </a:effectRef>
+            <a:fontRef idx="minor">
+              <a:schemeClr val="lt1"/>
+            </a:fontRef>
+          </p:style>
+          <p:txBody>
+            <a:bodyPr lIns="0" tIns="0" rIns="0" bIns="0" rtlCol="0" anchor="ctr"/>
+            <a:lstStyle/>
+            <a:p>
+              <a:pPr algn="ctr"/>
+              <a:endParaRPr lang="en-US" sz="1200" b="1" dirty="0">
+                <a:solidFill>
+                  <a:schemeClr val="tx1"/>
+                </a:solidFill>
+              </a:endParaRPr>
+            </a:p>
+          </p:txBody>
+        </p:sp>
+        <p:sp>
+          <p:nvSpPr>
+            <p:cNvPr id="59" name="Rectangle 58"/>
+            <p:cNvSpPr/>
+            <p:nvPr/>
+          </p:nvSpPr>
+          <p:spPr>
+            <a:xfrm>
+              <a:off x="2080481" y="1600201"/>
+              <a:ext cx="803062" cy="187705"/>
+            </a:xfrm>
+            <a:prstGeom prst="rect">
+              <a:avLst/>
+            </a:prstGeom>
+            <a:solidFill>
+              <a:schemeClr val="bg1"/>
+            </a:solidFill>
+            <a:ln w="12700">
+              <a:solidFill>
+                <a:schemeClr val="tx1"/>
+              </a:solidFill>
+            </a:ln>
+          </p:spPr>
+          <p:style>
+            <a:lnRef idx="2">
+              <a:schemeClr val="accent1">
+                <a:shade val="50000"/>
+              </a:schemeClr>
+            </a:lnRef>
+            <a:fillRef idx="1">
+              <a:schemeClr val="accent1"/>
+            </a:fillRef>
+            <a:effectRef idx="0">
+              <a:schemeClr val="accent1"/>
+            </a:effectRef>
+            <a:fontRef idx="minor">
+              <a:schemeClr val="lt1"/>
+            </a:fontRef>
+          </p:style>
+          <p:txBody>
+            <a:bodyPr lIns="0" tIns="0" rIns="0" bIns="0" rtlCol="0" anchor="ctr"/>
+            <a:lstStyle/>
+            <a:p>
+              <a:pPr algn="ctr"/>
+              <a:r>
+                <a:rPr lang="en-US" sz="1200" b="1" i="1" dirty="0" smtClean="0">
+                  <a:solidFill>
+                    <a:schemeClr val="tx1"/>
+                  </a:solidFill>
+                </a:rPr>
+                <a:t>JOG FX</a:t>
+              </a:r>
+              <a:endParaRPr lang="en-US" sz="1200" b="1" i="1" dirty="0">
+                <a:solidFill>
+                  <a:schemeClr val="tx1"/>
+                </a:solidFill>
+              </a:endParaRPr>
+            </a:p>
+          </p:txBody>
+        </p:sp>
+      </p:grpSp>
+      <p:grpSp>
+        <p:nvGrpSpPr>
+          <p:cNvPr id="61" name="Group 60"/>
+          <p:cNvGrpSpPr/>
+          <p:nvPr/>
+        </p:nvGrpSpPr>
+        <p:grpSpPr>
+          <a:xfrm>
+            <a:off x="5715000" y="762000"/>
+            <a:ext cx="2966357" cy="3111314"/>
+            <a:chOff x="5562599" y="838200"/>
+            <a:chExt cx="2966357" cy="3111314"/>
+          </a:xfrm>
+        </p:grpSpPr>
+        <p:pic>
+          <p:nvPicPr>
+            <p:cNvPr id="62" name="Picture 4" descr="C:\Users\Pedro\Desktop\Z_DRIVE_Pedro\2 Music\1 Controllers\0_TSI_Traktor\ddj-sz\2 Working\v6.3.0 - DDJ-1000 TP3 - Initial release\Support files\DDJ-1000 - Deck.jpg"/>
+            <p:cNvPicPr>
+              <a:picLocks noChangeAspect="1" noChangeArrowheads="1"/>
+            </p:cNvPicPr>
+            <p:nvPr/>
+          </p:nvPicPr>
+          <p:blipFill rotWithShape="1">
+            <a:blip r:embed="rId2" cstate="print">
+              <a:extLst>
+                <a:ext uri="{28A0092B-C50C-407E-A947-70E740481C1C}">
+                  <a14:useLocalDpi xmlns:a14="http://schemas.microsoft.com/office/drawing/2010/main" val="0"/>
+                </a:ext>
+              </a:extLst>
+            </a:blip>
+            <a:srcRect t="8386" b="27013"/>
+            <a:stretch/>
+          </p:blipFill>
+          <p:spPr bwMode="auto">
+            <a:xfrm>
+              <a:off x="5562599" y="1194709"/>
+              <a:ext cx="2966357" cy="2754805"/>
+            </a:xfrm>
+            <a:prstGeom prst="rect">
+              <a:avLst/>
+            </a:prstGeom>
+            <a:noFill/>
+            <a:extLst>
+              <a:ext uri="{909E8E84-426E-40DD-AFC4-6F175D3DCCD1}">
+                <a14:hiddenFill xmlns:a14="http://schemas.microsoft.com/office/drawing/2010/main">
+                  <a:solidFill>
+                    <a:srgbClr val="FFFFFF"/>
+                  </a:solidFill>
+                </a14:hiddenFill>
+              </a:ext>
+            </a:extLst>
+          </p:spPr>
+        </p:pic>
+        <p:sp>
+          <p:nvSpPr>
+            <p:cNvPr id="63" name="Line Callout 1 (Accent Bar) 62"/>
+            <p:cNvSpPr/>
+            <p:nvPr/>
+          </p:nvSpPr>
+          <p:spPr>
+            <a:xfrm>
+              <a:off x="5836920" y="838200"/>
+              <a:ext cx="520542" cy="185626"/>
+            </a:xfrm>
+            <a:prstGeom prst="accentCallout1">
+              <a:avLst>
+                <a:gd name="adj1" fmla="val 54662"/>
+                <a:gd name="adj2" fmla="val 117505"/>
+                <a:gd name="adj3" fmla="val 478317"/>
+                <a:gd name="adj4" fmla="val 219826"/>
+              </a:avLst>
+            </a:prstGeom>
+            <a:noFill/>
+            <a:ln>
+              <a:solidFill>
+                <a:schemeClr val="bg2">
+                  <a:lumMod val="50000"/>
+                </a:schemeClr>
+              </a:solidFill>
+            </a:ln>
+          </p:spPr>
+          <p:style>
+            <a:lnRef idx="2">
+              <a:schemeClr val="accent1">
+                <a:shade val="50000"/>
+              </a:schemeClr>
+            </a:lnRef>
+            <a:fillRef idx="1">
+              <a:schemeClr val="accent1"/>
+            </a:fillRef>
+            <a:effectRef idx="0">
+              <a:schemeClr val="accent1"/>
+            </a:effectRef>
+            <a:fontRef idx="minor">
+              <a:schemeClr val="lt1"/>
+            </a:fontRef>
+          </p:style>
+          <p:txBody>
+            <a:bodyPr lIns="0" tIns="0" rIns="0" bIns="0" rtlCol="0" anchor="ctr"/>
+            <a:lstStyle/>
+            <a:p>
+              <a:pPr algn="r"/>
+              <a:r>
+                <a:rPr lang="en-US" sz="1200" dirty="0" smtClean="0">
+                  <a:solidFill>
+                    <a:schemeClr val="tx1"/>
+                  </a:solidFill>
+                </a:rPr>
+                <a:t>Jog FX</a:t>
+              </a:r>
+            </a:p>
+          </p:txBody>
+        </p:sp>
+      </p:grpSp>
+      <p:sp>
+        <p:nvSpPr>
+          <p:cNvPr id="70" name="TextBox 69"/>
+          <p:cNvSpPr txBox="1"/>
+          <p:nvPr/>
+        </p:nvSpPr>
+        <p:spPr>
+          <a:xfrm>
+            <a:off x="184150" y="3962400"/>
+            <a:ext cx="4830233" cy="1754326"/>
+          </a:xfrm>
+          <a:prstGeom prst="rect">
+            <a:avLst/>
+          </a:prstGeom>
+          <a:noFill/>
+        </p:spPr>
+        <p:txBody>
+          <a:bodyPr wrap="none" rtlCol="0">
+            <a:spAutoFit/>
+          </a:bodyPr>
+          <a:lstStyle/>
+          <a:p>
+            <a:pPr marL="285750" indent="-285750">
+              <a:buFont typeface="Arial" panose="020B0604020202020204" pitchFamily="34" charset="0"/>
+              <a:buChar char="•"/>
+            </a:pPr>
+            <a:r>
+              <a:rPr lang="en-US" dirty="0" smtClean="0"/>
+              <a:t>Enter </a:t>
+            </a:r>
+            <a:r>
+              <a:rPr lang="en-US" dirty="0" err="1" smtClean="0"/>
+              <a:t>jogFX</a:t>
+            </a:r>
+            <a:r>
+              <a:rPr lang="en-US" dirty="0" smtClean="0"/>
+              <a:t> mode on mode4 (jog will blink)</a:t>
+            </a:r>
+          </a:p>
+          <a:p>
+            <a:pPr marL="285750" indent="-285750">
+              <a:buFont typeface="Arial" panose="020B0604020202020204" pitchFamily="34" charset="0"/>
+              <a:buChar char="•"/>
+            </a:pPr>
+            <a:r>
+              <a:rPr lang="en-US" dirty="0" smtClean="0"/>
+              <a:t>Touch jog to apply FX</a:t>
+            </a:r>
+          </a:p>
+          <a:p>
+            <a:pPr marL="285750" indent="-285750">
+              <a:buFont typeface="Arial" panose="020B0604020202020204" pitchFamily="34" charset="0"/>
+              <a:buChar char="•"/>
+            </a:pPr>
+            <a:r>
+              <a:rPr lang="en-US" dirty="0" smtClean="0"/>
+              <a:t>Turn jog to change FX</a:t>
+            </a:r>
+          </a:p>
+          <a:p>
+            <a:pPr marL="285750" indent="-285750">
+              <a:buFont typeface="Arial" panose="020B0604020202020204" pitchFamily="34" charset="0"/>
+              <a:buChar char="•"/>
+            </a:pPr>
+            <a:r>
+              <a:rPr lang="en-US" dirty="0" smtClean="0"/>
+              <a:t>Release jog to stop FX</a:t>
+            </a:r>
+          </a:p>
+          <a:p>
+            <a:pPr marL="285750" indent="-285750">
+              <a:buFont typeface="Arial" panose="020B0604020202020204" pitchFamily="34" charset="0"/>
+              <a:buChar char="•"/>
+            </a:pPr>
+            <a:r>
+              <a:rPr lang="en-US" dirty="0" smtClean="0"/>
+              <a:t>Sampler volume to Dry/Wet</a:t>
+            </a:r>
+          </a:p>
+          <a:p>
+            <a:pPr marL="285750" indent="-285750">
+              <a:buFont typeface="Arial" panose="020B0604020202020204" pitchFamily="34" charset="0"/>
+              <a:buChar char="•"/>
+            </a:pPr>
+            <a:r>
+              <a:rPr lang="en-US" dirty="0" smtClean="0"/>
+              <a:t>Call “</a:t>
+            </a:r>
+            <a:r>
+              <a:rPr lang="en-US" dirty="0" err="1" smtClean="0"/>
+              <a:t>hotcues</a:t>
+            </a:r>
+            <a:r>
+              <a:rPr lang="en-US" dirty="0" smtClean="0"/>
+              <a:t>” to cancel </a:t>
+            </a:r>
+            <a:r>
+              <a:rPr lang="en-US" dirty="0" err="1" smtClean="0"/>
+              <a:t>jogFX</a:t>
+            </a:r>
+            <a:r>
+              <a:rPr lang="en-US" dirty="0" smtClean="0"/>
+              <a:t> (=scratch mode)</a:t>
+            </a:r>
+            <a:endParaRPr lang="en-US" dirty="0"/>
+          </a:p>
+        </p:txBody>
+      </p:sp>
+      <p:sp>
+        <p:nvSpPr>
+          <p:cNvPr id="2" name="Slide Number Placeholder 1"/>
+          <p:cNvSpPr>
+            <a:spLocks noGrp="1"/>
+          </p:cNvSpPr>
+          <p:nvPr>
+            <p:ph type="sldNum" sz="quarter" idx="12"/>
+          </p:nvPr>
+        </p:nvSpPr>
+        <p:spPr/>
+        <p:txBody>
+          <a:bodyPr/>
+          <a:lstStyle/>
+          <a:p>
+            <a:fld id="{B6F15528-21DE-4FAA-801E-634DDDAF4B2B}" type="slidenum">
+              <a:rPr lang="en-US" smtClean="0"/>
+              <a:pPr/>
+              <a:t>20</a:t>
+            </a:fld>
+            <a:endParaRPr lang="en-US"/>
+          </a:p>
+        </p:txBody>
+      </p:sp>
+    </p:spTree>
+    <p:extLst>
+      <p:ext uri="{BB962C8B-B14F-4D97-AF65-F5344CB8AC3E}">
+        <p14:creationId xmlns:p14="http://schemas.microsoft.com/office/powerpoint/2010/main" val="988633305"/>
+      </p:ext>
+    </p:extLst>
+  </p:cSld>
+  <p:clrMapOvr>
+    <a:masterClrMapping/>
+  </p:clrMapOvr>
+</p:sld>
+</file>
+
+<file path=ppt/slides/slide21.xml><?xml version="1.0" encoding="utf-8"?>
 <p:sld xmlns:a="http://schemas.openxmlformats.org/drawingml/2006/main" xmlns:r="http://schemas.openxmlformats.org/officeDocument/2006/relationships" xmlns:p="http://schemas.openxmlformats.org/presentationml/2006/main">
   <p:cSld>
     <p:spTree>
@@ -22667,7 +23661,7 @@
             <a:fld id="{B6F15528-21DE-4FAA-801E-634DDDAF4B2B}" type="slidenum">
               <a:rPr lang="en-US" smtClean="0"/>
               <a:pPr/>
-              <a:t>20</a:t>
+              <a:t>21</a:t>
             </a:fld>
             <a:endParaRPr lang="en-US"/>
           </a:p>
@@ -22686,7 +23680,7 @@
 </p:sld>
 </file>
 
-<file path=ppt/slides/slide21.xml><?xml version="1.0" encoding="utf-8"?>
+<file path=ppt/slides/slide22.xml><?xml version="1.0" encoding="utf-8"?>
 <p:sld xmlns:a="http://schemas.openxmlformats.org/drawingml/2006/main" xmlns:r="http://schemas.openxmlformats.org/officeDocument/2006/relationships" xmlns:p="http://schemas.openxmlformats.org/presentationml/2006/main">
   <p:cSld>
     <p:spTree>
@@ -24489,7 +25483,7 @@
             <a:fld id="{B6F15528-21DE-4FAA-801E-634DDDAF4B2B}" type="slidenum">
               <a:rPr lang="en-US" smtClean="0"/>
               <a:pPr/>
-              <a:t>21</a:t>
+              <a:t>22</a:t>
             </a:fld>
             <a:endParaRPr lang="en-US"/>
           </a:p>
@@ -24508,7 +25502,7 @@
 </p:sld>
 </file>
 
-<file path=ppt/slides/slide22.xml><?xml version="1.0" encoding="utf-8"?>
+<file path=ppt/slides/slide23.xml><?xml version="1.0" encoding="utf-8"?>
 <p:sld xmlns:a="http://schemas.openxmlformats.org/drawingml/2006/main" xmlns:r="http://schemas.openxmlformats.org/officeDocument/2006/relationships" xmlns:p="http://schemas.openxmlformats.org/presentationml/2006/main">
   <p:cSld>
     <p:spTree>
@@ -26286,7 +27280,7 @@
             <a:fld id="{B6F15528-21DE-4FAA-801E-634DDDAF4B2B}" type="slidenum">
               <a:rPr lang="en-US" smtClean="0"/>
               <a:pPr/>
-              <a:t>22</a:t>
+              <a:t>23</a:t>
             </a:fld>
             <a:endParaRPr lang="en-US"/>
           </a:p>
@@ -26305,7 +27299,7 @@
 </p:sld>
 </file>
 
-<file path=ppt/slides/slide23.xml><?xml version="1.0" encoding="utf-8"?>
+<file path=ppt/slides/slide24.xml><?xml version="1.0" encoding="utf-8"?>
 <p:sld xmlns:a="http://schemas.openxmlformats.org/drawingml/2006/main" xmlns:r="http://schemas.openxmlformats.org/officeDocument/2006/relationships" xmlns:p="http://schemas.openxmlformats.org/presentationml/2006/main">
   <p:cSld>
     <p:spTree>
@@ -26376,15 +27370,15 @@
           <a:p>
             <a:r>
               <a:rPr lang="en-US" dirty="0" smtClean="0"/>
-              <a:t>Use shift to mute / </a:t>
+              <a:t>Use shift to mute </a:t>
             </a:r>
             <a:r>
-              <a:rPr lang="en-US" dirty="0" err="1" smtClean="0"/>
-              <a:t>Toogle</a:t>
+              <a:rPr lang="en-US" smtClean="0"/>
+              <a:t>/ Toggle </a:t>
             </a:r>
             <a:r>
               <a:rPr lang="en-US" dirty="0" smtClean="0"/>
-              <a:t> 1-shot</a:t>
+              <a:t>1-shot</a:t>
             </a:r>
             <a:endParaRPr lang="en-US" dirty="0"/>
           </a:p>
@@ -28111,7 +29105,7 @@
             <a:fld id="{B6F15528-21DE-4FAA-801E-634DDDAF4B2B}" type="slidenum">
               <a:rPr lang="en-US" smtClean="0"/>
               <a:pPr/>
-              <a:t>23</a:t>
+              <a:t>24</a:t>
             </a:fld>
             <a:endParaRPr lang="en-US"/>
           </a:p>

--- a/traktor/mapping_ddj_1000/Support files/Source files/DDJ-1000 - Quick overview.pptx
+++ b/traktor/mapping_ddj_1000/Support files/Source files/DDJ-1000 - Quick overview.pptx
@@ -215,7 +215,7 @@
           <a:p>
             <a:fld id="{FD1106D6-862D-40C1-9815-6CA98A8212E7}" type="datetimeFigureOut">
               <a:rPr lang="en-US" smtClean="0"/>
-              <a:t>1/27/2020</a:t>
+              <a:t>2/8/2020</a:t>
             </a:fld>
             <a:endParaRPr lang="en-US"/>
           </a:p>
@@ -1336,7 +1336,7 @@
           <a:p>
             <a:fld id="{4A75C5E4-012D-4928-8B8B-0B58FFCAA534}" type="datetime1">
               <a:rPr lang="en-US" smtClean="0"/>
-              <a:t>1/27/2020</a:t>
+              <a:t>2/8/2020</a:t>
             </a:fld>
             <a:endParaRPr lang="en-US"/>
           </a:p>
@@ -1502,7 +1502,7 @@
           <a:p>
             <a:fld id="{5AB14B01-561A-4B3D-8430-A6F142B0E57D}" type="datetime1">
               <a:rPr lang="en-US" smtClean="0"/>
-              <a:t>1/27/2020</a:t>
+              <a:t>2/8/2020</a:t>
             </a:fld>
             <a:endParaRPr lang="en-US"/>
           </a:p>
@@ -1678,7 +1678,7 @@
           <a:p>
             <a:fld id="{5F7EF0EE-FF8C-4D98-AF5B-4DF28D699F9A}" type="datetime1">
               <a:rPr lang="en-US" smtClean="0"/>
-              <a:t>1/27/2020</a:t>
+              <a:t>2/8/2020</a:t>
             </a:fld>
             <a:endParaRPr lang="en-US"/>
           </a:p>
@@ -1844,7 +1844,7 @@
           <a:p>
             <a:fld id="{95FAE2A3-3548-4E55-9046-5BDE40049B07}" type="datetime1">
               <a:rPr lang="en-US" smtClean="0"/>
-              <a:t>1/27/2020</a:t>
+              <a:t>2/8/2020</a:t>
             </a:fld>
             <a:endParaRPr lang="en-US"/>
           </a:p>
@@ -2086,7 +2086,7 @@
           <a:p>
             <a:fld id="{1FF82A4D-BFD9-4A47-B1E1-F6AD8C1BE0FA}" type="datetime1">
               <a:rPr lang="en-US" smtClean="0"/>
-              <a:t>1/27/2020</a:t>
+              <a:t>2/8/2020</a:t>
             </a:fld>
             <a:endParaRPr lang="en-US"/>
           </a:p>
@@ -2370,7 +2370,7 @@
           <a:p>
             <a:fld id="{477A8AD3-E8E6-492D-89B3-9EC59A082C85}" type="datetime1">
               <a:rPr lang="en-US" smtClean="0"/>
-              <a:t>1/27/2020</a:t>
+              <a:t>2/8/2020</a:t>
             </a:fld>
             <a:endParaRPr lang="en-US"/>
           </a:p>
@@ -2788,7 +2788,7 @@
           <a:p>
             <a:fld id="{83900118-B9B8-4877-9C8B-6C574FB17F60}" type="datetime1">
               <a:rPr lang="en-US" smtClean="0"/>
-              <a:t>1/27/2020</a:t>
+              <a:t>2/8/2020</a:t>
             </a:fld>
             <a:endParaRPr lang="en-US"/>
           </a:p>
@@ -2902,7 +2902,7 @@
           <a:p>
             <a:fld id="{96910349-1C51-477E-ACBB-F7325CF6EF20}" type="datetime1">
               <a:rPr lang="en-US" smtClean="0"/>
-              <a:t>1/27/2020</a:t>
+              <a:t>2/8/2020</a:t>
             </a:fld>
             <a:endParaRPr lang="en-US"/>
           </a:p>
@@ -2993,7 +2993,7 @@
           <a:p>
             <a:fld id="{50E6B4F7-E64C-407E-B9F9-8ED5710121CA}" type="datetime1">
               <a:rPr lang="en-US" smtClean="0"/>
-              <a:t>1/27/2020</a:t>
+              <a:t>2/8/2020</a:t>
             </a:fld>
             <a:endParaRPr lang="en-US"/>
           </a:p>
@@ -3266,7 +3266,7 @@
           <a:p>
             <a:fld id="{1667099C-E9FC-4C34-9D1F-FF3F2B07BCD5}" type="datetime1">
               <a:rPr lang="en-US" smtClean="0"/>
-              <a:t>1/27/2020</a:t>
+              <a:t>2/8/2020</a:t>
             </a:fld>
             <a:endParaRPr lang="en-US"/>
           </a:p>
@@ -3515,7 +3515,7 @@
           <a:p>
             <a:fld id="{0A95BBB6-EEBD-477F-B7BD-352057B13ACC}" type="datetime1">
               <a:rPr lang="en-US" smtClean="0"/>
-              <a:t>1/27/2020</a:t>
+              <a:t>2/8/2020</a:t>
             </a:fld>
             <a:endParaRPr lang="en-US"/>
           </a:p>
@@ -3724,7 +3724,7 @@
           <a:p>
             <a:fld id="{051D1D32-1C6B-4A2D-8885-C44DDF3DCD1A}" type="datetime1">
               <a:rPr lang="en-US" smtClean="0"/>
-              <a:t>1/27/2020</a:t>
+              <a:t>2/8/2020</a:t>
             </a:fld>
             <a:endParaRPr lang="en-US"/>
           </a:p>
@@ -18573,7 +18573,7 @@
         </p:nvGrpSpPr>
         <p:grpSpPr>
           <a:xfrm>
-            <a:off x="685800" y="609600"/>
+            <a:off x="498563" y="609600"/>
             <a:ext cx="8610600" cy="3326670"/>
             <a:chOff x="-438610" y="1244981"/>
             <a:chExt cx="10615532" cy="4208038"/>
@@ -29164,7 +29164,7 @@
         </p:blipFill>
         <p:spPr bwMode="auto">
           <a:xfrm>
-            <a:off x="2711105" y="819911"/>
+            <a:off x="2232104" y="843535"/>
             <a:ext cx="3976227" cy="5733289"/>
           </a:xfrm>
           <a:prstGeom prst="rect">
@@ -29220,7 +29220,7 @@
         </p:nvSpPr>
         <p:spPr>
           <a:xfrm>
-            <a:off x="467360" y="2050542"/>
+            <a:off x="-11641" y="2074166"/>
             <a:ext cx="1884680" cy="423672"/>
           </a:xfrm>
           <a:prstGeom prst="accentCallout1">
@@ -29299,7 +29299,7 @@
         </p:nvSpPr>
         <p:spPr>
           <a:xfrm>
-            <a:off x="751840" y="4360926"/>
+            <a:off x="272839" y="4384550"/>
             <a:ext cx="1600200" cy="287274"/>
           </a:xfrm>
           <a:prstGeom prst="accentCallout1">
@@ -29373,7 +29373,7 @@
         </p:nvSpPr>
         <p:spPr>
           <a:xfrm>
-            <a:off x="467360" y="701040"/>
+            <a:off x="-11641" y="724664"/>
             <a:ext cx="1884680" cy="381000"/>
           </a:xfrm>
           <a:prstGeom prst="accentCallout1">
@@ -29467,15 +29467,15 @@
         </p:nvSpPr>
         <p:spPr>
           <a:xfrm>
-            <a:off x="6858000" y="4360926"/>
+            <a:off x="6388524" y="3924302"/>
             <a:ext cx="2057400" cy="315849"/>
           </a:xfrm>
           <a:prstGeom prst="accentCallout1">
             <a:avLst>
               <a:gd name="adj1" fmla="val 45417"/>
               <a:gd name="adj2" fmla="val -2669"/>
-              <a:gd name="adj3" fmla="val 183097"/>
-              <a:gd name="adj4" fmla="val -36085"/>
+              <a:gd name="adj3" fmla="val 354991"/>
+              <a:gd name="adj4" fmla="val -40715"/>
             </a:avLst>
           </a:prstGeom>
           <a:noFill/>
@@ -29544,15 +29544,15 @@
         </p:nvSpPr>
         <p:spPr>
           <a:xfrm>
-            <a:off x="6858000" y="4953000"/>
+            <a:off x="6378999" y="4437890"/>
             <a:ext cx="1884680" cy="180594"/>
           </a:xfrm>
           <a:prstGeom prst="accentCallout1">
             <a:avLst>
               <a:gd name="adj1" fmla="val 45417"/>
               <a:gd name="adj2" fmla="val -2669"/>
-              <a:gd name="adj3" fmla="val 155580"/>
-              <a:gd name="adj4" fmla="val -15345"/>
+              <a:gd name="adj3" fmla="val 445664"/>
+              <a:gd name="adj4" fmla="val -13323"/>
             </a:avLst>
           </a:prstGeom>
           <a:noFill/>
@@ -29606,7 +29606,7 @@
         </p:nvSpPr>
         <p:spPr>
           <a:xfrm>
-            <a:off x="751840" y="3686555"/>
+            <a:off x="272839" y="3710179"/>
             <a:ext cx="1600200" cy="428246"/>
           </a:xfrm>
           <a:prstGeom prst="accentCallout1">
@@ -29669,7 +29669,7 @@
         </p:nvSpPr>
         <p:spPr>
           <a:xfrm>
-            <a:off x="6858000" y="432273"/>
+            <a:off x="6378999" y="455897"/>
             <a:ext cx="1676400" cy="246073"/>
           </a:xfrm>
           <a:prstGeom prst="accentCallout1">
@@ -29739,7 +29739,7 @@
         </p:nvSpPr>
         <p:spPr>
           <a:xfrm>
-            <a:off x="6858000" y="791337"/>
+            <a:off x="6378999" y="814961"/>
             <a:ext cx="1676400" cy="180594"/>
           </a:xfrm>
           <a:prstGeom prst="accentCallout1">
@@ -29796,7 +29796,7 @@
         </p:nvSpPr>
         <p:spPr>
           <a:xfrm>
-            <a:off x="6819900" y="2455164"/>
+            <a:off x="6340899" y="2478788"/>
             <a:ext cx="1485900" cy="315849"/>
           </a:xfrm>
           <a:prstGeom prst="accentCallout1">
@@ -29866,7 +29866,7 @@
         </p:nvSpPr>
         <p:spPr>
           <a:xfrm>
-            <a:off x="838200" y="5807964"/>
+            <a:off x="359199" y="5831588"/>
             <a:ext cx="1600200" cy="364235"/>
           </a:xfrm>
           <a:prstGeom prst="accentCallout1">
@@ -29929,7 +29929,7 @@
         </p:nvSpPr>
         <p:spPr>
           <a:xfrm>
-            <a:off x="838200" y="5133594"/>
+            <a:off x="359199" y="5157218"/>
             <a:ext cx="1600200" cy="428246"/>
           </a:xfrm>
           <a:prstGeom prst="accentCallout1">
@@ -30005,6 +30005,91 @@
               <a:t>3</a:t>
             </a:fld>
             <a:endParaRPr lang="en-US"/>
+          </a:p>
+        </p:txBody>
+      </p:sp>
+      <p:pic>
+        <p:nvPicPr>
+          <p:cNvPr id="18" name="Picture 3"/>
+          <p:cNvPicPr>
+            <a:picLocks noChangeAspect="1" noChangeArrowheads="1"/>
+          </p:cNvPicPr>
+          <p:nvPr/>
+        </p:nvPicPr>
+        <p:blipFill>
+          <a:blip r:embed="rId3" cstate="print">
+            <a:extLst>
+              <a:ext uri="{28A0092B-C50C-407E-A947-70E740481C1C}">
+                <a14:useLocalDpi xmlns:a14="http://schemas.microsoft.com/office/drawing/2010/main" val="0"/>
+              </a:ext>
+            </a:extLst>
+          </a:blip>
+          <a:srcRect/>
+          <a:stretch>
+            <a:fillRect/>
+          </a:stretch>
+        </p:blipFill>
+        <p:spPr bwMode="auto">
+          <a:xfrm>
+            <a:off x="7083849" y="5282853"/>
+            <a:ext cx="1503352" cy="1268669"/>
+          </a:xfrm>
+          <a:prstGeom prst="rect">
+            <a:avLst/>
+          </a:prstGeom>
+          <a:noFill/>
+          <a:ln>
+            <a:noFill/>
+          </a:ln>
+          <a:extLst>
+            <a:ext uri="{909E8E84-426E-40DD-AFC4-6F175D3DCCD1}">
+              <a14:hiddenFill xmlns:a14="http://schemas.microsoft.com/office/drawing/2010/main">
+                <a:solidFill>
+                  <a:schemeClr val="accent1"/>
+                </a:solidFill>
+              </a14:hiddenFill>
+            </a:ext>
+            <a:ext uri="{91240B29-F687-4F45-9708-019B960494DF}">
+              <a14:hiddenLine xmlns:a14="http://schemas.microsoft.com/office/drawing/2010/main" w="9525">
+                <a:solidFill>
+                  <a:schemeClr val="tx1"/>
+                </a:solidFill>
+                <a:miter lim="800000"/>
+                <a:headEnd/>
+                <a:tailEnd/>
+              </a14:hiddenLine>
+            </a:ext>
+          </a:extLst>
+        </p:spPr>
+      </p:pic>
+      <p:sp>
+        <p:nvSpPr>
+          <p:cNvPr id="3" name="TextBox 2"/>
+          <p:cNvSpPr txBox="1"/>
+          <p:nvPr/>
+        </p:nvSpPr>
+        <p:spPr>
+          <a:xfrm>
+            <a:off x="6806137" y="5070412"/>
+            <a:ext cx="2058775" cy="253916"/>
+          </a:xfrm>
+          <a:prstGeom prst="rect">
+            <a:avLst/>
+          </a:prstGeom>
+          <a:noFill/>
+        </p:spPr>
+        <p:txBody>
+          <a:bodyPr wrap="square" rtlCol="0">
+            <a:spAutoFit/>
+          </a:bodyPr>
+          <a:lstStyle/>
+          <a:p>
+            <a:pPr algn="ctr"/>
+            <a:r>
+              <a:rPr lang="en-US" sz="1050" i="1" dirty="0" smtClean="0"/>
+              <a:t>(Comparison with HID screens)</a:t>
+            </a:r>
+            <a:endParaRPr lang="en-US" sz="1050" i="1" dirty="0"/>
           </a:p>
         </p:txBody>
       </p:sp>

--- a/traktor/mapping_ddj_1000/Support files/Source files/DDJ-1000 - Quick overview.pptx
+++ b/traktor/mapping_ddj_1000/Support files/Source files/DDJ-1000 - Quick overview.pptx
@@ -215,7 +215,7 @@
           <a:p>
             <a:fld id="{FD1106D6-862D-40C1-9815-6CA98A8212E7}" type="datetimeFigureOut">
               <a:rPr lang="en-US" smtClean="0"/>
-              <a:t>2/8/2020</a:t>
+              <a:t>3/8/2020</a:t>
             </a:fld>
             <a:endParaRPr lang="en-US"/>
           </a:p>
@@ -1336,7 +1336,7 @@
           <a:p>
             <a:fld id="{4A75C5E4-012D-4928-8B8B-0B58FFCAA534}" type="datetime1">
               <a:rPr lang="en-US" smtClean="0"/>
-              <a:t>2/8/2020</a:t>
+              <a:t>3/8/2020</a:t>
             </a:fld>
             <a:endParaRPr lang="en-US"/>
           </a:p>
@@ -1502,7 +1502,7 @@
           <a:p>
             <a:fld id="{5AB14B01-561A-4B3D-8430-A6F142B0E57D}" type="datetime1">
               <a:rPr lang="en-US" smtClean="0"/>
-              <a:t>2/8/2020</a:t>
+              <a:t>3/8/2020</a:t>
             </a:fld>
             <a:endParaRPr lang="en-US"/>
           </a:p>
@@ -1678,7 +1678,7 @@
           <a:p>
             <a:fld id="{5F7EF0EE-FF8C-4D98-AF5B-4DF28D699F9A}" type="datetime1">
               <a:rPr lang="en-US" smtClean="0"/>
-              <a:t>2/8/2020</a:t>
+              <a:t>3/8/2020</a:t>
             </a:fld>
             <a:endParaRPr lang="en-US"/>
           </a:p>
@@ -1844,7 +1844,7 @@
           <a:p>
             <a:fld id="{95FAE2A3-3548-4E55-9046-5BDE40049B07}" type="datetime1">
               <a:rPr lang="en-US" smtClean="0"/>
-              <a:t>2/8/2020</a:t>
+              <a:t>3/8/2020</a:t>
             </a:fld>
             <a:endParaRPr lang="en-US"/>
           </a:p>
@@ -2086,7 +2086,7 @@
           <a:p>
             <a:fld id="{1FF82A4D-BFD9-4A47-B1E1-F6AD8C1BE0FA}" type="datetime1">
               <a:rPr lang="en-US" smtClean="0"/>
-              <a:t>2/8/2020</a:t>
+              <a:t>3/8/2020</a:t>
             </a:fld>
             <a:endParaRPr lang="en-US"/>
           </a:p>
@@ -2370,7 +2370,7 @@
           <a:p>
             <a:fld id="{477A8AD3-E8E6-492D-89B3-9EC59A082C85}" type="datetime1">
               <a:rPr lang="en-US" smtClean="0"/>
-              <a:t>2/8/2020</a:t>
+              <a:t>3/8/2020</a:t>
             </a:fld>
             <a:endParaRPr lang="en-US"/>
           </a:p>
@@ -2788,7 +2788,7 @@
           <a:p>
             <a:fld id="{83900118-B9B8-4877-9C8B-6C574FB17F60}" type="datetime1">
               <a:rPr lang="en-US" smtClean="0"/>
-              <a:t>2/8/2020</a:t>
+              <a:t>3/8/2020</a:t>
             </a:fld>
             <a:endParaRPr lang="en-US"/>
           </a:p>
@@ -2902,7 +2902,7 @@
           <a:p>
             <a:fld id="{96910349-1C51-477E-ACBB-F7325CF6EF20}" type="datetime1">
               <a:rPr lang="en-US" smtClean="0"/>
-              <a:t>2/8/2020</a:t>
+              <a:t>3/8/2020</a:t>
             </a:fld>
             <a:endParaRPr lang="en-US"/>
           </a:p>
@@ -2993,7 +2993,7 @@
           <a:p>
             <a:fld id="{50E6B4F7-E64C-407E-B9F9-8ED5710121CA}" type="datetime1">
               <a:rPr lang="en-US" smtClean="0"/>
-              <a:t>2/8/2020</a:t>
+              <a:t>3/8/2020</a:t>
             </a:fld>
             <a:endParaRPr lang="en-US"/>
           </a:p>
@@ -3266,7 +3266,7 @@
           <a:p>
             <a:fld id="{1667099C-E9FC-4C34-9D1F-FF3F2B07BCD5}" type="datetime1">
               <a:rPr lang="en-US" smtClean="0"/>
-              <a:t>2/8/2020</a:t>
+              <a:t>3/8/2020</a:t>
             </a:fld>
             <a:endParaRPr lang="en-US"/>
           </a:p>
@@ -3515,7 +3515,7 @@
           <a:p>
             <a:fld id="{0A95BBB6-EEBD-477F-B7BD-352057B13ACC}" type="datetime1">
               <a:rPr lang="en-US" smtClean="0"/>
-              <a:t>2/8/2020</a:t>
+              <a:t>3/8/2020</a:t>
             </a:fld>
             <a:endParaRPr lang="en-US"/>
           </a:p>
@@ -3724,7 +3724,7 @@
           <a:p>
             <a:fld id="{051D1D32-1C6B-4A2D-8885-C44DDF3DCD1A}" type="datetime1">
               <a:rPr lang="en-US" smtClean="0"/>
-              <a:t>2/8/2020</a:t>
+              <a:t>3/8/2020</a:t>
             </a:fld>
             <a:endParaRPr lang="en-US"/>
           </a:p>
@@ -6779,360 +6779,61 @@
           </a:p>
         </p:txBody>
       </p:sp>
+      <p:sp>
+        <p:nvSpPr>
+          <p:cNvPr id="2" name="Slide Number Placeholder 1"/>
+          <p:cNvSpPr>
+            <a:spLocks noGrp="1"/>
+          </p:cNvSpPr>
+          <p:nvPr>
+            <p:ph type="sldNum" sz="quarter" idx="12"/>
+          </p:nvPr>
+        </p:nvSpPr>
+        <p:spPr/>
+        <p:txBody>
+          <a:bodyPr/>
+          <a:lstStyle/>
+          <a:p>
+            <a:fld id="{B6F15528-21DE-4FAA-801E-634DDDAF4B2B}" type="slidenum">
+              <a:rPr lang="en-US" smtClean="0"/>
+              <a:pPr/>
+              <a:t>12</a:t>
+            </a:fld>
+            <a:endParaRPr lang="en-US"/>
+          </a:p>
+        </p:txBody>
+      </p:sp>
       <p:grpSp>
         <p:nvGrpSpPr>
-          <p:cNvPr id="6" name="Group 5"/>
+          <p:cNvPr id="18" name="Group 17"/>
           <p:cNvGrpSpPr/>
           <p:nvPr/>
         </p:nvGrpSpPr>
         <p:grpSpPr>
           <a:xfrm>
-            <a:off x="1303721" y="1081264"/>
-            <a:ext cx="3140260" cy="1780032"/>
-            <a:chOff x="3156663" y="708220"/>
-            <a:chExt cx="3140260" cy="1780032"/>
-          </a:xfrm>
-        </p:grpSpPr>
-        <p:pic>
-          <p:nvPicPr>
-            <p:cNvPr id="1028" name="Picture 4" descr="C:\Users\Pedro\Desktop\Z_DRIVE_Pedro\2 Music\1 Controllers\0_TSI_Traktor\ddj-sz\2 Working\v6.3.0 - DDJ-1000 TP3 - Initial release\Support files\DDJ-1000 - Deck.jpg"/>
-            <p:cNvPicPr>
-              <a:picLocks noChangeAspect="1" noChangeArrowheads="1"/>
-            </p:cNvPicPr>
-            <p:nvPr/>
-          </p:nvPicPr>
-          <p:blipFill rotWithShape="1">
-            <a:blip r:embed="rId2" cstate="print">
-              <a:extLst>
-                <a:ext uri="{28A0092B-C50C-407E-A947-70E740481C1C}">
-                  <a14:useLocalDpi xmlns:a14="http://schemas.microsoft.com/office/drawing/2010/main" val="0"/>
-                </a:ext>
-              </a:extLst>
-            </a:blip>
-            <a:srcRect l="80449" t="803" r="2241" b="85260"/>
-            <a:stretch/>
-          </p:blipFill>
-          <p:spPr bwMode="auto">
-            <a:xfrm>
-              <a:off x="3156663" y="708220"/>
-              <a:ext cx="1537814" cy="1780032"/>
-            </a:xfrm>
-            <a:prstGeom prst="rect">
-              <a:avLst/>
-            </a:prstGeom>
-            <a:noFill/>
-            <a:extLst>
-              <a:ext uri="{909E8E84-426E-40DD-AFC4-6F175D3DCCD1}">
-                <a14:hiddenFill xmlns:a14="http://schemas.microsoft.com/office/drawing/2010/main">
-                  <a:solidFill>
-                    <a:srgbClr val="FFFFFF"/>
-                  </a:solidFill>
-                </a14:hiddenFill>
-              </a:ext>
-            </a:extLst>
-          </p:spPr>
-        </p:pic>
-        <p:sp>
-          <p:nvSpPr>
-            <p:cNvPr id="46" name="Line Callout 1 (Accent Bar) 45"/>
-            <p:cNvSpPr/>
-            <p:nvPr/>
-          </p:nvSpPr>
-          <p:spPr>
-            <a:xfrm>
-              <a:off x="4916179" y="1641125"/>
-              <a:ext cx="1332221" cy="241999"/>
-            </a:xfrm>
-            <a:prstGeom prst="accentCallout1">
-              <a:avLst>
-                <a:gd name="adj1" fmla="val 55024"/>
-                <a:gd name="adj2" fmla="val -4202"/>
-                <a:gd name="adj3" fmla="val 228486"/>
-                <a:gd name="adj4" fmla="val -89757"/>
-              </a:avLst>
-            </a:prstGeom>
-            <a:noFill/>
-            <a:ln>
-              <a:solidFill>
-                <a:schemeClr val="accent2"/>
-              </a:solidFill>
-            </a:ln>
-          </p:spPr>
-          <p:style>
-            <a:lnRef idx="2">
-              <a:schemeClr val="accent1">
-                <a:shade val="50000"/>
-              </a:schemeClr>
-            </a:lnRef>
-            <a:fillRef idx="1">
-              <a:schemeClr val="accent1"/>
-            </a:fillRef>
-            <a:effectRef idx="0">
-              <a:schemeClr val="accent1"/>
-            </a:effectRef>
-            <a:fontRef idx="minor">
-              <a:schemeClr val="lt1"/>
-            </a:fontRef>
-          </p:style>
-          <p:txBody>
-            <a:bodyPr lIns="0" tIns="0" rIns="0" bIns="0" rtlCol="0" anchor="ctr"/>
-            <a:lstStyle/>
-            <a:p>
-              <a:r>
-                <a:rPr lang="en-US" sz="1200" dirty="0" smtClean="0">
-                  <a:solidFill>
-                    <a:schemeClr val="tx1"/>
-                  </a:solidFill>
-                </a:rPr>
-                <a:t>Load Preview player</a:t>
-              </a:r>
-            </a:p>
-          </p:txBody>
-        </p:sp>
-        <p:sp>
-          <p:nvSpPr>
-            <p:cNvPr id="48" name="Line Callout 1 (Accent Bar) 47"/>
-            <p:cNvSpPr/>
-            <p:nvPr/>
-          </p:nvSpPr>
-          <p:spPr>
-            <a:xfrm>
-              <a:off x="4916179" y="2074704"/>
-              <a:ext cx="1380744" cy="255206"/>
-            </a:xfrm>
-            <a:prstGeom prst="accentCallout1">
-              <a:avLst>
-                <a:gd name="adj1" fmla="val 56614"/>
-                <a:gd name="adj2" fmla="val -4049"/>
-                <a:gd name="adj3" fmla="val 90027"/>
-                <a:gd name="adj4" fmla="val -32330"/>
-              </a:avLst>
-            </a:prstGeom>
-            <a:noFill/>
-            <a:ln>
-              <a:solidFill>
-                <a:schemeClr val="accent2"/>
-              </a:solidFill>
-            </a:ln>
-          </p:spPr>
-          <p:style>
-            <a:lnRef idx="2">
-              <a:schemeClr val="accent1">
-                <a:shade val="50000"/>
-              </a:schemeClr>
-            </a:lnRef>
-            <a:fillRef idx="1">
-              <a:schemeClr val="accent1"/>
-            </a:fillRef>
-            <a:effectRef idx="0">
-              <a:schemeClr val="accent1"/>
-            </a:effectRef>
-            <a:fontRef idx="minor">
-              <a:schemeClr val="lt1"/>
-            </a:fontRef>
-          </p:style>
-          <p:txBody>
-            <a:bodyPr lIns="0" tIns="0" rIns="0" bIns="0" rtlCol="0" anchor="ctr"/>
-            <a:lstStyle/>
-            <a:p>
-              <a:r>
-                <a:rPr lang="en-US" sz="1200" dirty="0" smtClean="0">
-                  <a:solidFill>
-                    <a:schemeClr val="tx1"/>
-                  </a:solidFill>
-                </a:rPr>
-                <a:t>Only browser</a:t>
-              </a:r>
-            </a:p>
-          </p:txBody>
-        </p:sp>
-        <p:sp>
-          <p:nvSpPr>
-            <p:cNvPr id="63" name="Line Callout 1 (Accent Bar) 62"/>
-            <p:cNvSpPr/>
-            <p:nvPr/>
-          </p:nvSpPr>
-          <p:spPr>
-            <a:xfrm>
-              <a:off x="4916179" y="860292"/>
-              <a:ext cx="1332221" cy="361714"/>
-            </a:xfrm>
-            <a:prstGeom prst="accentCallout1">
-              <a:avLst>
-                <a:gd name="adj1" fmla="val 70796"/>
-                <a:gd name="adj2" fmla="val -4202"/>
-                <a:gd name="adj3" fmla="val 122215"/>
-                <a:gd name="adj4" fmla="val -54008"/>
-              </a:avLst>
-            </a:prstGeom>
-            <a:noFill/>
-            <a:ln>
-              <a:solidFill>
-                <a:schemeClr val="accent2"/>
-              </a:solidFill>
-            </a:ln>
-          </p:spPr>
-          <p:style>
-            <a:lnRef idx="2">
-              <a:schemeClr val="accent1">
-                <a:shade val="50000"/>
-              </a:schemeClr>
-            </a:lnRef>
-            <a:fillRef idx="1">
-              <a:schemeClr val="accent1"/>
-            </a:fillRef>
-            <a:effectRef idx="0">
-              <a:schemeClr val="accent1"/>
-            </a:effectRef>
-            <a:fontRef idx="minor">
-              <a:schemeClr val="lt1"/>
-            </a:fontRef>
-          </p:style>
-          <p:txBody>
-            <a:bodyPr lIns="0" tIns="0" rIns="0" bIns="0" rtlCol="0" anchor="ctr"/>
-            <a:lstStyle/>
-            <a:p>
-              <a:r>
-                <a:rPr lang="en-US" sz="1200" dirty="0" smtClean="0">
-                  <a:solidFill>
-                    <a:schemeClr val="tx1"/>
-                  </a:solidFill>
-                </a:rPr>
-                <a:t>Turn: Browse List</a:t>
-              </a:r>
-              <a:br>
-                <a:rPr lang="en-US" sz="1200" dirty="0" smtClean="0">
-                  <a:solidFill>
-                    <a:schemeClr val="tx1"/>
-                  </a:solidFill>
-                </a:rPr>
-              </a:br>
-              <a:r>
-                <a:rPr lang="en-US" sz="1200" dirty="0" smtClean="0">
-                  <a:solidFill>
-                    <a:schemeClr val="tx1"/>
-                  </a:solidFill>
-                </a:rPr>
-                <a:t>Press: Load Track</a:t>
-              </a:r>
-            </a:p>
-          </p:txBody>
-        </p:sp>
-      </p:grpSp>
-      <p:grpSp>
-        <p:nvGrpSpPr>
-          <p:cNvPr id="9" name="Group 8"/>
-          <p:cNvGrpSpPr/>
-          <p:nvPr/>
-        </p:nvGrpSpPr>
-        <p:grpSpPr>
-          <a:xfrm>
-            <a:off x="152400" y="4001354"/>
-            <a:ext cx="4278315" cy="1780032"/>
-            <a:chOff x="2100900" y="2676606"/>
-            <a:chExt cx="4278315" cy="1780032"/>
+            <a:off x="2739004" y="762000"/>
+            <a:ext cx="4118996" cy="5561733"/>
+            <a:chOff x="2286000" y="775783"/>
+            <a:chExt cx="4118996" cy="5561733"/>
           </a:xfrm>
         </p:grpSpPr>
         <p:grpSp>
           <p:nvGrpSpPr>
-            <p:cNvPr id="8" name="Group 7"/>
+            <p:cNvPr id="6" name="Group 5"/>
             <p:cNvGrpSpPr/>
             <p:nvPr/>
           </p:nvGrpSpPr>
           <p:grpSpPr>
             <a:xfrm>
-              <a:off x="2100900" y="3103493"/>
-              <a:ext cx="1025404" cy="733973"/>
-              <a:chOff x="2100900" y="3103493"/>
-              <a:chExt cx="1025404" cy="733973"/>
+              <a:off x="3332675" y="775783"/>
+              <a:ext cx="3072321" cy="1247891"/>
+              <a:chOff x="3156663" y="708220"/>
+              <a:chExt cx="4382457" cy="1780032"/>
             </a:xfrm>
           </p:grpSpPr>
           <p:pic>
             <p:nvPicPr>
-              <p:cNvPr id="33" name="Picture 4" descr="C:\Users\Pedro\Desktop\Z_DRIVE_Pedro\2 Music\1 Controllers\0_TSI_Traktor\ddj-sz\2 Working\v6.3.0 - DDJ-1000 TP3 - Initial release\Support files\DDJ-1000 - Deck.jpg"/>
-              <p:cNvPicPr>
-                <a:picLocks noChangeAspect="1" noChangeArrowheads="1"/>
-              </p:cNvPicPr>
-              <p:nvPr/>
-            </p:nvPicPr>
-            <p:blipFill rotWithShape="1">
-              <a:blip r:embed="rId2" cstate="print">
-                <a:extLst>
-                  <a:ext uri="{28A0092B-C50C-407E-A947-70E740481C1C}">
-                    <a14:useLocalDpi xmlns:a14="http://schemas.microsoft.com/office/drawing/2010/main" val="0"/>
-                  </a:ext>
-                </a:extLst>
-              </a:blip>
-              <a:srcRect l="2234" t="54119" r="90688" b="40132"/>
-              <a:stretch/>
-            </p:blipFill>
-            <p:spPr bwMode="auto">
-              <a:xfrm>
-                <a:off x="2100900" y="3103493"/>
-                <a:ext cx="628651" cy="733973"/>
-              </a:xfrm>
-              <a:prstGeom prst="rect">
-                <a:avLst/>
-              </a:prstGeom>
-              <a:noFill/>
-              <a:extLst>
-                <a:ext uri="{909E8E84-426E-40DD-AFC4-6F175D3DCCD1}">
-                  <a14:hiddenFill xmlns:a14="http://schemas.microsoft.com/office/drawing/2010/main">
-                    <a:solidFill>
-                      <a:srgbClr val="FFFFFF"/>
-                    </a:solidFill>
-                  </a14:hiddenFill>
-                </a:ext>
-              </a:extLst>
-            </p:spPr>
-          </p:pic>
-          <p:sp>
-            <p:nvSpPr>
-              <p:cNvPr id="34" name="TextBox 33"/>
-              <p:cNvSpPr txBox="1"/>
-              <p:nvPr/>
-            </p:nvSpPr>
-            <p:spPr>
-              <a:xfrm>
-                <a:off x="2762102" y="3247598"/>
-                <a:ext cx="364202" cy="523220"/>
-              </a:xfrm>
-              <a:prstGeom prst="rect">
-                <a:avLst/>
-              </a:prstGeom>
-              <a:noFill/>
-            </p:spPr>
-            <p:txBody>
-              <a:bodyPr wrap="none" rtlCol="0">
-                <a:spAutoFit/>
-              </a:bodyPr>
-              <a:lstStyle/>
-              <a:p>
-                <a:r>
-                  <a:rPr lang="en-US" sz="2800" b="1" dirty="0"/>
-                  <a:t>+</a:t>
-                </a:r>
-              </a:p>
-            </p:txBody>
-          </p:sp>
-        </p:grpSp>
-        <p:grpSp>
-          <p:nvGrpSpPr>
-            <p:cNvPr id="64" name="Group 63"/>
-            <p:cNvGrpSpPr/>
-            <p:nvPr/>
-          </p:nvGrpSpPr>
-          <p:grpSpPr>
-            <a:xfrm>
-              <a:off x="3238955" y="2676606"/>
-              <a:ext cx="3140260" cy="1780032"/>
-              <a:chOff x="3156663" y="708220"/>
-              <a:chExt cx="3140260" cy="1780032"/>
-            </a:xfrm>
-          </p:grpSpPr>
-          <p:pic>
-            <p:nvPicPr>
-              <p:cNvPr id="65" name="Picture 4" descr="C:\Users\Pedro\Desktop\Z_DRIVE_Pedro\2 Music\1 Controllers\0_TSI_Traktor\ddj-sz\2 Working\v6.3.0 - DDJ-1000 TP3 - Initial release\Support files\DDJ-1000 - Deck.jpg"/>
+              <p:cNvPr id="1028" name="Picture 4" descr="C:\Users\Pedro\Desktop\Z_DRIVE_Pedro\2 Music\1 Controllers\0_TSI_Traktor\ddj-sz\2 Working\v6.3.0 - DDJ-1000 TP3 - Initial release\Support files\DDJ-1000 - Deck.jpg"/>
               <p:cNvPicPr>
                 <a:picLocks noChangeAspect="1" noChangeArrowheads="1"/>
               </p:cNvPicPr>
@@ -7171,21 +6872,94 @@
           </p:pic>
           <p:sp>
             <p:nvSpPr>
-              <p:cNvPr id="66" name="Line Callout 1 (Accent Bar) 65"/>
+              <p:cNvPr id="46" name="Line Callout 1 (Accent Bar) 45"/>
               <p:cNvSpPr/>
               <p:nvPr/>
             </p:nvSpPr>
             <p:spPr>
               <a:xfrm>
-                <a:off x="4916179" y="1641125"/>
-                <a:ext cx="1332221" cy="241999"/>
+                <a:off x="4916177" y="1598235"/>
+                <a:ext cx="2622943" cy="358900"/>
               </a:xfrm>
               <a:prstGeom prst="accentCallout1">
                 <a:avLst>
                   <a:gd name="adj1" fmla="val 55024"/>
                   <a:gd name="adj2" fmla="val -4202"/>
-                  <a:gd name="adj3" fmla="val 228486"/>
-                  <a:gd name="adj4" fmla="val -89757"/>
+                  <a:gd name="adj3" fmla="val 157841"/>
+                  <a:gd name="adj4" fmla="val -45566"/>
+                </a:avLst>
+              </a:prstGeom>
+              <a:noFill/>
+              <a:ln>
+                <a:solidFill>
+                  <a:schemeClr val="accent2"/>
+                </a:solidFill>
+              </a:ln>
+            </p:spPr>
+            <p:style>
+              <a:lnRef idx="2">
+                <a:schemeClr val="accent1">
+                  <a:shade val="50000"/>
+                </a:schemeClr>
+              </a:lnRef>
+              <a:fillRef idx="1">
+                <a:schemeClr val="accent1"/>
+              </a:fillRef>
+              <a:effectRef idx="0">
+                <a:schemeClr val="accent1"/>
+              </a:effectRef>
+              <a:fontRef idx="minor">
+                <a:schemeClr val="lt1"/>
+              </a:fontRef>
+            </p:style>
+            <p:txBody>
+              <a:bodyPr lIns="0" tIns="0" rIns="0" bIns="0" rtlCol="0" anchor="ctr"/>
+              <a:lstStyle/>
+              <a:p>
+                <a:r>
+                  <a:rPr lang="en-US" sz="1200" dirty="0" err="1" smtClean="0">
+                    <a:solidFill>
+                      <a:schemeClr val="tx1"/>
+                    </a:solidFill>
+                  </a:rPr>
+                  <a:t>Load+Start</a:t>
+                </a:r>
+                <a:r>
+                  <a:rPr lang="en-US" sz="1200" dirty="0" smtClean="0">
+                    <a:solidFill>
+                      <a:schemeClr val="tx1"/>
+                    </a:solidFill>
+                  </a:rPr>
+                  <a:t> </a:t>
+                </a:r>
+                <a:r>
+                  <a:rPr lang="en-US" sz="1200" dirty="0" smtClean="0">
+                    <a:solidFill>
+                      <a:schemeClr val="tx1"/>
+                    </a:solidFill>
+                  </a:rPr>
+                  <a:t>Preview player</a:t>
+                </a:r>
+              </a:p>
+            </p:txBody>
+          </p:sp>
+          <p:sp>
+            <p:nvSpPr>
+              <p:cNvPr id="48" name="Line Callout 1 (Accent Bar) 47"/>
+              <p:cNvSpPr/>
+              <p:nvPr/>
+            </p:nvSpPr>
+            <p:spPr>
+              <a:xfrm>
+                <a:off x="4916178" y="2011551"/>
+                <a:ext cx="2250296" cy="372774"/>
+              </a:xfrm>
+              <a:prstGeom prst="accentCallout1">
+                <a:avLst>
+                  <a:gd name="adj1" fmla="val 41671"/>
+                  <a:gd name="adj2" fmla="val -4834"/>
+                  <a:gd name="adj3" fmla="val 55402"/>
+                  <a:gd name="adj4" fmla="val -27198"/>
                 </a:avLst>
               </a:prstGeom>
               <a:noFill/>
@@ -7221,93 +6995,28 @@
                       <a:schemeClr val="tx1"/>
                     </a:solidFill>
                   </a:rPr>
-                  <a:t>Scroll Favorites</a:t>
+                  <a:t>Only browser</a:t>
                 </a:r>
               </a:p>
             </p:txBody>
           </p:sp>
           <p:sp>
             <p:nvSpPr>
-              <p:cNvPr id="67" name="Line Callout 1 (Accent Bar) 66"/>
+              <p:cNvPr id="63" name="Line Callout 1 (Accent Bar) 62"/>
               <p:cNvSpPr/>
               <p:nvPr/>
             </p:nvSpPr>
             <p:spPr>
               <a:xfrm>
-                <a:off x="4916179" y="2074704"/>
-                <a:ext cx="1380744" cy="255206"/>
-              </a:xfrm>
-              <a:prstGeom prst="accentCallout1">
-                <a:avLst>
-                  <a:gd name="adj1" fmla="val 56614"/>
-                  <a:gd name="adj2" fmla="val -4049"/>
-                  <a:gd name="adj3" fmla="val 90027"/>
-                  <a:gd name="adj4" fmla="val -32330"/>
-                </a:avLst>
-              </a:prstGeom>
-              <a:noFill/>
-              <a:ln>
-                <a:solidFill>
-                  <a:schemeClr val="accent2"/>
-                </a:solidFill>
-              </a:ln>
-            </p:spPr>
-            <p:style>
-              <a:lnRef idx="2">
-                <a:schemeClr val="accent1">
-                  <a:shade val="50000"/>
-                </a:schemeClr>
-              </a:lnRef>
-              <a:fillRef idx="1">
-                <a:schemeClr val="accent1"/>
-              </a:fillRef>
-              <a:effectRef idx="0">
-                <a:schemeClr val="accent1"/>
-              </a:effectRef>
-              <a:fontRef idx="minor">
-                <a:schemeClr val="lt1"/>
-              </a:fontRef>
-            </p:style>
-            <p:txBody>
-              <a:bodyPr lIns="0" tIns="0" rIns="0" bIns="0" rtlCol="0" anchor="ctr"/>
-              <a:lstStyle/>
-              <a:p>
-                <a:r>
-                  <a:rPr lang="en-US" sz="1200" dirty="0" err="1" smtClean="0">
-                    <a:solidFill>
-                      <a:schemeClr val="tx1"/>
-                    </a:solidFill>
-                  </a:rPr>
-                  <a:t>Goto</a:t>
-                </a:r>
-                <a:r>
-                  <a:rPr lang="en-US" sz="1200" dirty="0" smtClean="0">
-                    <a:solidFill>
-                      <a:schemeClr val="tx1"/>
-                    </a:solidFill>
-                  </a:rPr>
-                  <a:t> Collection</a:t>
-                </a:r>
-              </a:p>
-            </p:txBody>
-          </p:sp>
-          <p:sp>
-            <p:nvSpPr>
-              <p:cNvPr id="68" name="Line Callout 1 (Accent Bar) 67"/>
-              <p:cNvSpPr/>
-              <p:nvPr/>
-            </p:nvSpPr>
-            <p:spPr>
-              <a:xfrm>
-                <a:off x="4916179" y="860292"/>
-                <a:ext cx="1332221" cy="361714"/>
+                <a:off x="4916180" y="860292"/>
+                <a:ext cx="1924214" cy="361715"/>
               </a:xfrm>
               <a:prstGeom prst="accentCallout1">
                 <a:avLst>
                   <a:gd name="adj1" fmla="val 70796"/>
                   <a:gd name="adj2" fmla="val -4202"/>
-                  <a:gd name="adj3" fmla="val 122215"/>
-                  <a:gd name="adj4" fmla="val -54008"/>
+                  <a:gd name="adj3" fmla="val 143249"/>
+                  <a:gd name="adj4" fmla="val -39533"/>
                 </a:avLst>
               </a:prstGeom>
               <a:noFill/>
@@ -7343,7 +7052,7 @@
                       <a:schemeClr val="tx1"/>
                     </a:solidFill>
                   </a:rPr>
-                  <a:t>Turn: Scroll Tree</a:t>
+                  <a:t>Turn: Browse List</a:t>
                 </a:r>
                 <a:br>
                   <a:rPr lang="en-US" sz="1200" dirty="0" smtClean="0">
@@ -7358,105 +7067,7 @@
                       <a:schemeClr val="tx1"/>
                     </a:solidFill>
                   </a:rPr>
-                  <a:t>Press: Expand Folder</a:t>
-                </a:r>
-              </a:p>
-            </p:txBody>
-          </p:sp>
-        </p:grpSp>
-      </p:grpSp>
-      <p:grpSp>
-        <p:nvGrpSpPr>
-          <p:cNvPr id="13" name="Group 12"/>
-          <p:cNvGrpSpPr/>
-          <p:nvPr/>
-        </p:nvGrpSpPr>
-        <p:grpSpPr>
-          <a:xfrm>
-            <a:off x="4834023" y="1066800"/>
-            <a:ext cx="4538577" cy="1780032"/>
-            <a:chOff x="5253815" y="1091098"/>
-            <a:chExt cx="4538577" cy="1780032"/>
-          </a:xfrm>
-        </p:grpSpPr>
-        <p:grpSp>
-          <p:nvGrpSpPr>
-            <p:cNvPr id="12" name="Group 11"/>
-            <p:cNvGrpSpPr/>
-            <p:nvPr/>
-          </p:nvGrpSpPr>
-          <p:grpSpPr>
-            <a:xfrm>
-              <a:off x="5253815" y="1582845"/>
-              <a:ext cx="1380643" cy="648248"/>
-              <a:chOff x="9213853" y="1258721"/>
-              <a:chExt cx="1380643" cy="648248"/>
-            </a:xfrm>
-          </p:grpSpPr>
-          <p:pic>
-            <p:nvPicPr>
-              <p:cNvPr id="49" name="Picture 4" descr="C:\Users\Pedro\Desktop\Z_DRIVE_Pedro\2 Music\1 Controllers\0_TSI_Traktor\ddj-sz\2 Working\v6.3.0 - DDJ-1000 TP3 - Initial release\Support files\DDJ-1000 - Deck.jpg"/>
-              <p:cNvPicPr>
-                <a:picLocks noChangeAspect="1" noChangeArrowheads="1"/>
-              </p:cNvPicPr>
-              <p:nvPr/>
-            </p:nvPicPr>
-            <p:blipFill rotWithShape="1">
-              <a:blip r:embed="rId2" cstate="print">
-                <a:extLst>
-                  <a:ext uri="{28A0092B-C50C-407E-A947-70E740481C1C}">
-                    <a14:useLocalDpi xmlns:a14="http://schemas.microsoft.com/office/drawing/2010/main" val="0"/>
-                  </a:ext>
-                </a:extLst>
-              </a:blip>
-              <a:srcRect l="3414" t="59283" r="85941" b="35639"/>
-              <a:stretch/>
-            </p:blipFill>
-            <p:spPr bwMode="auto">
-              <a:xfrm>
-                <a:off x="9213853" y="1258721"/>
-                <a:ext cx="945417" cy="648248"/>
-              </a:xfrm>
-              <a:prstGeom prst="rect">
-                <a:avLst/>
-              </a:prstGeom>
-              <a:noFill/>
-              <a:extLst>
-                <a:ext uri="{909E8E84-426E-40DD-AFC4-6F175D3DCCD1}">
-                  <a14:hiddenFill xmlns:a14="http://schemas.microsoft.com/office/drawing/2010/main">
-                    <a:solidFill>
-                      <a:srgbClr val="FFFFFF"/>
-                    </a:solidFill>
-                  </a14:hiddenFill>
-                </a:ext>
-              </a:extLst>
-            </p:spPr>
-          </p:pic>
-          <p:sp>
-            <p:nvSpPr>
-              <p:cNvPr id="50" name="TextBox 49"/>
-              <p:cNvSpPr txBox="1"/>
-              <p:nvPr/>
-            </p:nvSpPr>
-            <p:spPr>
-              <a:xfrm>
-                <a:off x="10230294" y="1311766"/>
-                <a:ext cx="364202" cy="523220"/>
-              </a:xfrm>
-              <a:prstGeom prst="rect">
-                <a:avLst/>
-              </a:prstGeom>
-              <a:noFill/>
-            </p:spPr>
-            <p:txBody>
-              <a:bodyPr wrap="none" rtlCol="0">
-                <a:spAutoFit/>
-              </a:bodyPr>
-              <a:lstStyle/>
-              <a:p>
-                <a:r>
-                  <a:rPr lang="en-US" sz="2800" b="1" dirty="0"/>
-                  <a:t>+</a:t>
+                  <a:t>Press: Load Track</a:t>
                 </a:r>
               </a:p>
             </p:txBody>
@@ -7464,176 +7075,35 @@
         </p:grpSp>
         <p:grpSp>
           <p:nvGrpSpPr>
-            <p:cNvPr id="71" name="Group 70"/>
+            <p:cNvPr id="4" name="Group 3"/>
             <p:cNvGrpSpPr/>
             <p:nvPr/>
           </p:nvGrpSpPr>
           <p:grpSpPr>
             <a:xfrm>
-              <a:off x="6700655" y="1091098"/>
-              <a:ext cx="3091737" cy="1780032"/>
-              <a:chOff x="3156663" y="708220"/>
-              <a:chExt cx="3091737" cy="1780032"/>
-            </a:xfrm>
-          </p:grpSpPr>
-          <p:pic>
-            <p:nvPicPr>
-              <p:cNvPr id="72" name="Picture 4" descr="C:\Users\Pedro\Desktop\Z_DRIVE_Pedro\2 Music\1 Controllers\0_TSI_Traktor\ddj-sz\2 Working\v6.3.0 - DDJ-1000 TP3 - Initial release\Support files\DDJ-1000 - Deck.jpg"/>
-              <p:cNvPicPr>
-                <a:picLocks noChangeAspect="1" noChangeArrowheads="1"/>
-              </p:cNvPicPr>
-              <p:nvPr/>
-            </p:nvPicPr>
-            <p:blipFill rotWithShape="1">
-              <a:blip r:embed="rId2" cstate="print">
-                <a:extLst>
-                  <a:ext uri="{28A0092B-C50C-407E-A947-70E740481C1C}">
-                    <a14:useLocalDpi xmlns:a14="http://schemas.microsoft.com/office/drawing/2010/main" val="0"/>
-                  </a:ext>
-                </a:extLst>
-              </a:blip>
-              <a:srcRect l="80449" t="803" r="2241" b="85260"/>
-              <a:stretch/>
-            </p:blipFill>
-            <p:spPr bwMode="auto">
-              <a:xfrm>
-                <a:off x="3156663" y="708220"/>
-                <a:ext cx="1537814" cy="1780032"/>
-              </a:xfrm>
-              <a:prstGeom prst="rect">
-                <a:avLst/>
-              </a:prstGeom>
-              <a:noFill/>
-              <a:extLst>
-                <a:ext uri="{909E8E84-426E-40DD-AFC4-6F175D3DCCD1}">
-                  <a14:hiddenFill xmlns:a14="http://schemas.microsoft.com/office/drawing/2010/main">
-                    <a:solidFill>
-                      <a:srgbClr val="FFFFFF"/>
-                    </a:solidFill>
-                  </a14:hiddenFill>
-                </a:ext>
-              </a:extLst>
-            </p:spPr>
-          </p:pic>
-          <p:sp>
-            <p:nvSpPr>
-              <p:cNvPr id="75" name="Line Callout 1 (Accent Bar) 74"/>
-              <p:cNvSpPr/>
-              <p:nvPr/>
-            </p:nvSpPr>
-            <p:spPr>
-              <a:xfrm>
-                <a:off x="4916179" y="860292"/>
-                <a:ext cx="1332221" cy="361714"/>
-              </a:xfrm>
-              <a:prstGeom prst="accentCallout1">
-                <a:avLst>
-                  <a:gd name="adj1" fmla="val 70796"/>
-                  <a:gd name="adj2" fmla="val -4202"/>
-                  <a:gd name="adj3" fmla="val 122215"/>
-                  <a:gd name="adj4" fmla="val -54008"/>
-                </a:avLst>
-              </a:prstGeom>
-              <a:noFill/>
-              <a:ln>
-                <a:solidFill>
-                  <a:schemeClr val="accent2"/>
-                </a:solidFill>
-              </a:ln>
-            </p:spPr>
-            <p:style>
-              <a:lnRef idx="2">
-                <a:schemeClr val="accent1">
-                  <a:shade val="50000"/>
-                </a:schemeClr>
-              </a:lnRef>
-              <a:fillRef idx="1">
-                <a:schemeClr val="accent1"/>
-              </a:fillRef>
-              <a:effectRef idx="0">
-                <a:schemeClr val="accent1"/>
-              </a:effectRef>
-              <a:fontRef idx="minor">
-                <a:schemeClr val="lt1"/>
-              </a:fontRef>
-            </p:style>
-            <p:txBody>
-              <a:bodyPr lIns="0" tIns="0" rIns="0" bIns="0" rtlCol="0" anchor="ctr"/>
-              <a:lstStyle/>
-              <a:p>
-                <a:r>
-                  <a:rPr lang="en-US" sz="1200" dirty="0" smtClean="0">
-                    <a:solidFill>
-                      <a:schemeClr val="tx1"/>
-                    </a:solidFill>
-                  </a:rPr>
-                  <a:t>Turn: Zoom deck</a:t>
-                </a:r>
-                <a:br>
-                  <a:rPr lang="en-US" sz="1200" dirty="0" smtClean="0">
-                    <a:solidFill>
-                      <a:schemeClr val="tx1"/>
-                    </a:solidFill>
-                  </a:rPr>
-                </a:br>
-                <a:r>
-                  <a:rPr lang="en-US" sz="1200" dirty="0" smtClean="0">
-                    <a:solidFill>
-                      <a:schemeClr val="tx1"/>
-                    </a:solidFill>
-                  </a:rPr>
-                  <a:t>Press: Zoom reset</a:t>
-                </a:r>
-              </a:p>
-            </p:txBody>
-          </p:sp>
-        </p:grpSp>
-      </p:grpSp>
-      <p:grpSp>
-        <p:nvGrpSpPr>
-          <p:cNvPr id="17" name="Group 16"/>
-          <p:cNvGrpSpPr/>
-          <p:nvPr/>
-        </p:nvGrpSpPr>
-        <p:grpSpPr>
-          <a:xfrm>
-            <a:off x="4800600" y="3905211"/>
-            <a:ext cx="4419601" cy="1780032"/>
-            <a:chOff x="5105400" y="3905211"/>
-            <a:chExt cx="4419601" cy="1780032"/>
-          </a:xfrm>
-        </p:grpSpPr>
-        <p:grpSp>
-          <p:nvGrpSpPr>
-            <p:cNvPr id="16" name="Group 15"/>
-            <p:cNvGrpSpPr/>
-            <p:nvPr/>
-          </p:nvGrpSpPr>
-          <p:grpSpPr>
-            <a:xfrm>
-              <a:off x="5105400" y="3967296"/>
-              <a:ext cx="1377441" cy="1500173"/>
-              <a:chOff x="5105400" y="3967296"/>
-              <a:chExt cx="1377441" cy="1500173"/>
+              <a:off x="2342925" y="2226364"/>
+              <a:ext cx="3800828" cy="1247891"/>
+              <a:chOff x="662329" y="2226364"/>
+              <a:chExt cx="3800828" cy="1247891"/>
             </a:xfrm>
           </p:grpSpPr>
           <p:grpSp>
             <p:nvGrpSpPr>
-              <p:cNvPr id="14" name="Group 13"/>
+              <p:cNvPr id="8" name="Group 7"/>
               <p:cNvGrpSpPr/>
               <p:nvPr/>
             </p:nvGrpSpPr>
             <p:grpSpPr>
               <a:xfrm>
-                <a:off x="5118849" y="3967296"/>
-                <a:ext cx="1070391" cy="733973"/>
-                <a:chOff x="5118849" y="3967296"/>
-                <a:chExt cx="1070391" cy="733973"/>
+                <a:off x="662329" y="2549550"/>
+                <a:ext cx="786388" cy="562889"/>
+                <a:chOff x="2100901" y="3208160"/>
+                <a:chExt cx="1025403" cy="733973"/>
               </a:xfrm>
             </p:grpSpPr>
             <p:pic>
               <p:nvPicPr>
-                <p:cNvPr id="54" name="Picture 4" descr="C:\Users\Pedro\Desktop\Z_DRIVE_Pedro\2 Music\1 Controllers\0_TSI_Traktor\ddj-sz\2 Working\v6.3.0 - DDJ-1000 TP3 - Initial release\Support files\DDJ-1000 - Deck.jpg"/>
+                <p:cNvPr id="33" name="Picture 4" descr="C:\Users\Pedro\Desktop\Z_DRIVE_Pedro\2 Music\1 Controllers\0_TSI_Traktor\ddj-sz\2 Working\v6.3.0 - DDJ-1000 TP3 - Initial release\Support files\DDJ-1000 - Deck.jpg"/>
                 <p:cNvPicPr>
                   <a:picLocks noChangeAspect="1" noChangeArrowheads="1"/>
                 </p:cNvPicPr>
@@ -7652,8 +7122,8 @@
               </p:blipFill>
               <p:spPr bwMode="auto">
                 <a:xfrm>
-                  <a:off x="5118849" y="3967296"/>
-                  <a:ext cx="628651" cy="733973"/>
+                  <a:off x="2100901" y="3208160"/>
+                  <a:ext cx="628652" cy="733973"/>
                 </a:xfrm>
                 <a:prstGeom prst="rect">
                   <a:avLst/>
@@ -7672,13 +7142,13 @@
             </p:pic>
             <p:sp>
               <p:nvSpPr>
-                <p:cNvPr id="55" name="TextBox 54"/>
+                <p:cNvPr id="34" name="TextBox 33"/>
                 <p:cNvSpPr txBox="1"/>
                 <p:nvPr/>
               </p:nvSpPr>
               <p:spPr>
                 <a:xfrm>
-                  <a:off x="5825038" y="4029810"/>
+                  <a:off x="2762102" y="3247598"/>
                   <a:ext cx="364202" cy="523220"/>
                 </a:xfrm>
                 <a:prstGeom prst="rect">
@@ -7702,21 +7172,21 @@
           </p:grpSp>
           <p:grpSp>
             <p:nvGrpSpPr>
-              <p:cNvPr id="15" name="Group 14"/>
+              <p:cNvPr id="37" name="Group 36"/>
               <p:cNvGrpSpPr/>
               <p:nvPr/>
             </p:nvGrpSpPr>
             <p:grpSpPr>
               <a:xfrm>
-                <a:off x="5105400" y="4819221"/>
-                <a:ext cx="1377441" cy="648248"/>
-                <a:chOff x="5150362" y="4819221"/>
-                <a:chExt cx="1377441" cy="648248"/>
+                <a:off x="1652079" y="2226364"/>
+                <a:ext cx="2811078" cy="1247891"/>
+                <a:chOff x="3156663" y="708220"/>
+                <a:chExt cx="4009812" cy="1780032"/>
               </a:xfrm>
             </p:grpSpPr>
             <p:pic>
               <p:nvPicPr>
-                <p:cNvPr id="53" name="Picture 4" descr="C:\Users\Pedro\Desktop\Z_DRIVE_Pedro\2 Music\1 Controllers\0_TSI_Traktor\ddj-sz\2 Working\v6.3.0 - DDJ-1000 TP3 - Initial release\Support files\DDJ-1000 - Deck.jpg"/>
+                <p:cNvPr id="38" name="Picture 4" descr="C:\Users\Pedro\Desktop\Z_DRIVE_Pedro\2 Music\1 Controllers\0_TSI_Traktor\ddj-sz\2 Working\v6.3.0 - DDJ-1000 TP3 - Initial release\Support files\DDJ-1000 - Deck.jpg"/>
                 <p:cNvPicPr>
                   <a:picLocks noChangeAspect="1" noChangeArrowheads="1"/>
                 </p:cNvPicPr>
@@ -7730,13 +7200,13 @@
                     </a:ext>
                   </a:extLst>
                 </a:blip>
-                <a:srcRect l="3414" t="59283" r="85941" b="35639"/>
+                <a:srcRect l="80449" t="803" r="2241" b="85260"/>
                 <a:stretch/>
               </p:blipFill>
               <p:spPr bwMode="auto">
                 <a:xfrm>
-                  <a:off x="5150362" y="4819221"/>
-                  <a:ext cx="945417" cy="648248"/>
+                  <a:off x="3156663" y="708220"/>
+                  <a:ext cx="1537814" cy="1780032"/>
                 </a:xfrm>
                 <a:prstGeom prst="rect">
                   <a:avLst/>
@@ -7755,14 +7225,238 @@
             </p:pic>
             <p:sp>
               <p:nvSpPr>
-                <p:cNvPr id="56" name="TextBox 55"/>
+                <p:cNvPr id="39" name="Line Callout 1 (Accent Bar) 38"/>
+                <p:cNvSpPr/>
+                <p:nvPr/>
+              </p:nvSpPr>
+              <p:spPr>
+                <a:xfrm>
+                  <a:off x="4916177" y="1598235"/>
+                  <a:ext cx="2250298" cy="284888"/>
+                </a:xfrm>
+                <a:prstGeom prst="accentCallout1">
+                  <a:avLst>
+                    <a:gd name="adj1" fmla="val 55024"/>
+                    <a:gd name="adj2" fmla="val -4202"/>
+                    <a:gd name="adj3" fmla="val 197487"/>
+                    <a:gd name="adj4" fmla="val -60032"/>
+                  </a:avLst>
+                </a:prstGeom>
+                <a:noFill/>
+                <a:ln>
+                  <a:solidFill>
+                    <a:schemeClr val="accent2"/>
+                  </a:solidFill>
+                </a:ln>
+              </p:spPr>
+              <p:style>
+                <a:lnRef idx="2">
+                  <a:schemeClr val="accent1">
+                    <a:shade val="50000"/>
+                  </a:schemeClr>
+                </a:lnRef>
+                <a:fillRef idx="1">
+                  <a:schemeClr val="accent1"/>
+                </a:fillRef>
+                <a:effectRef idx="0">
+                  <a:schemeClr val="accent1"/>
+                </a:effectRef>
+                <a:fontRef idx="minor">
+                  <a:schemeClr val="lt1"/>
+                </a:fontRef>
+              </p:style>
+              <p:txBody>
+                <a:bodyPr lIns="0" tIns="0" rIns="0" bIns="0" rtlCol="0" anchor="ctr"/>
+                <a:lstStyle/>
+                <a:p>
+                  <a:r>
+                    <a:rPr lang="en-US" sz="1200" dirty="0">
+                      <a:solidFill>
+                        <a:schemeClr val="tx1"/>
+                      </a:solidFill>
+                    </a:rPr>
+                    <a:t>Scroll Favorites</a:t>
+                  </a:r>
+                </a:p>
+              </p:txBody>
+            </p:sp>
+            <p:sp>
+              <p:nvSpPr>
+                <p:cNvPr id="40" name="Line Callout 1 (Accent Bar) 39"/>
+                <p:cNvSpPr/>
+                <p:nvPr/>
+              </p:nvSpPr>
+              <p:spPr>
+                <a:xfrm>
+                  <a:off x="4916178" y="1957136"/>
+                  <a:ext cx="2250297" cy="372774"/>
+                </a:xfrm>
+                <a:prstGeom prst="accentCallout1">
+                  <a:avLst>
+                    <a:gd name="adj1" fmla="val 18344"/>
+                    <a:gd name="adj2" fmla="val -4351"/>
+                    <a:gd name="adj3" fmla="val 55402"/>
+                    <a:gd name="adj4" fmla="val -27198"/>
+                  </a:avLst>
+                </a:prstGeom>
+                <a:noFill/>
+                <a:ln>
+                  <a:solidFill>
+                    <a:schemeClr val="accent2"/>
+                  </a:solidFill>
+                </a:ln>
+              </p:spPr>
+              <p:style>
+                <a:lnRef idx="2">
+                  <a:schemeClr val="accent1">
+                    <a:shade val="50000"/>
+                  </a:schemeClr>
+                </a:lnRef>
+                <a:fillRef idx="1">
+                  <a:schemeClr val="accent1"/>
+                </a:fillRef>
+                <a:effectRef idx="0">
+                  <a:schemeClr val="accent1"/>
+                </a:effectRef>
+                <a:fontRef idx="minor">
+                  <a:schemeClr val="lt1"/>
+                </a:fontRef>
+              </p:style>
+              <p:txBody>
+                <a:bodyPr lIns="0" tIns="0" rIns="0" bIns="0" rtlCol="0" anchor="ctr"/>
+                <a:lstStyle/>
+                <a:p>
+                  <a:r>
+                    <a:rPr lang="en-US" sz="1200" dirty="0" err="1">
+                      <a:solidFill>
+                        <a:schemeClr val="tx1"/>
+                      </a:solidFill>
+                    </a:rPr>
+                    <a:t>Goto</a:t>
+                  </a:r>
+                  <a:r>
+                    <a:rPr lang="en-US" sz="1200" dirty="0">
+                      <a:solidFill>
+                        <a:schemeClr val="tx1"/>
+                      </a:solidFill>
+                    </a:rPr>
+                    <a:t> Collection</a:t>
+                  </a:r>
+                </a:p>
+              </p:txBody>
+            </p:sp>
+            <p:sp>
+              <p:nvSpPr>
+                <p:cNvPr id="41" name="Line Callout 1 (Accent Bar) 40"/>
+                <p:cNvSpPr/>
+                <p:nvPr/>
+              </p:nvSpPr>
+              <p:spPr>
+                <a:xfrm>
+                  <a:off x="4916180" y="860292"/>
+                  <a:ext cx="1924214" cy="361715"/>
+                </a:xfrm>
+                <a:prstGeom prst="accentCallout1">
+                  <a:avLst>
+                    <a:gd name="adj1" fmla="val 70796"/>
+                    <a:gd name="adj2" fmla="val -4202"/>
+                    <a:gd name="adj3" fmla="val 131230"/>
+                    <a:gd name="adj4" fmla="val -38403"/>
+                  </a:avLst>
+                </a:prstGeom>
+                <a:noFill/>
+                <a:ln>
+                  <a:solidFill>
+                    <a:schemeClr val="accent2"/>
+                  </a:solidFill>
+                </a:ln>
+              </p:spPr>
+              <p:style>
+                <a:lnRef idx="2">
+                  <a:schemeClr val="accent1">
+                    <a:shade val="50000"/>
+                  </a:schemeClr>
+                </a:lnRef>
+                <a:fillRef idx="1">
+                  <a:schemeClr val="accent1"/>
+                </a:fillRef>
+                <a:effectRef idx="0">
+                  <a:schemeClr val="accent1"/>
+                </a:effectRef>
+                <a:fontRef idx="minor">
+                  <a:schemeClr val="lt1"/>
+                </a:fontRef>
+              </p:style>
+              <p:txBody>
+                <a:bodyPr lIns="0" tIns="0" rIns="0" bIns="0" rtlCol="0" anchor="ctr"/>
+                <a:lstStyle/>
+                <a:p>
+                  <a:r>
+                    <a:rPr lang="en-US" sz="1200" dirty="0">
+                      <a:solidFill>
+                        <a:schemeClr val="tx1"/>
+                      </a:solidFill>
+                    </a:rPr>
+                    <a:t>Turn: Scroll Tree</a:t>
+                  </a:r>
+                  <a:br>
+                    <a:rPr lang="en-US" sz="1200" dirty="0">
+                      <a:solidFill>
+                        <a:schemeClr val="tx1"/>
+                      </a:solidFill>
+                    </a:rPr>
+                  </a:br>
+                  <a:r>
+                    <a:rPr lang="en-US" sz="1200" dirty="0">
+                      <a:solidFill>
+                        <a:schemeClr val="tx1"/>
+                      </a:solidFill>
+                    </a:rPr>
+                    <a:t>Press: Expand Folder</a:t>
+                  </a:r>
+                </a:p>
+              </p:txBody>
+            </p:sp>
+          </p:grpSp>
+        </p:grpSp>
+        <p:grpSp>
+          <p:nvGrpSpPr>
+            <p:cNvPr id="5" name="Group 4"/>
+            <p:cNvGrpSpPr/>
+            <p:nvPr/>
+          </p:nvGrpSpPr>
+          <p:grpSpPr>
+            <a:xfrm>
+              <a:off x="2286000" y="3674714"/>
+              <a:ext cx="4118996" cy="1247891"/>
+              <a:chOff x="605404" y="3674714"/>
+              <a:chExt cx="4118996" cy="1247891"/>
+            </a:xfrm>
+          </p:grpSpPr>
+          <p:grpSp>
+            <p:nvGrpSpPr>
+              <p:cNvPr id="43" name="Group 42"/>
+              <p:cNvGrpSpPr/>
+              <p:nvPr/>
+            </p:nvGrpSpPr>
+            <p:grpSpPr>
+              <a:xfrm>
+                <a:off x="1169410" y="3674714"/>
+                <a:ext cx="3554990" cy="1247891"/>
+                <a:chOff x="1169410" y="2226364"/>
+                <a:chExt cx="3554990" cy="1247891"/>
+              </a:xfrm>
+            </p:grpSpPr>
+            <p:sp>
+              <p:nvSpPr>
+                <p:cNvPr id="59" name="TextBox 58"/>
                 <p:cNvSpPr txBox="1"/>
                 <p:nvPr/>
               </p:nvSpPr>
               <p:spPr>
                 <a:xfrm>
-                  <a:off x="6163601" y="4838873"/>
-                  <a:ext cx="364202" cy="523220"/>
+                  <a:off x="1169410" y="2579795"/>
+                  <a:ext cx="279309" cy="401261"/>
                 </a:xfrm>
                 <a:prstGeom prst="rect">
                   <a:avLst/>
@@ -7782,25 +7476,217 @@
                 </a:p>
               </p:txBody>
             </p:sp>
+            <p:grpSp>
+              <p:nvGrpSpPr>
+                <p:cNvPr id="45" name="Group 44"/>
+                <p:cNvGrpSpPr/>
+                <p:nvPr/>
+              </p:nvGrpSpPr>
+              <p:grpSpPr>
+                <a:xfrm>
+                  <a:off x="1652079" y="2226364"/>
+                  <a:ext cx="3072321" cy="1247891"/>
+                  <a:chOff x="3156663" y="708220"/>
+                  <a:chExt cx="4382458" cy="1780032"/>
+                </a:xfrm>
+              </p:grpSpPr>
+              <p:pic>
+                <p:nvPicPr>
+                  <p:cNvPr id="47" name="Picture 4" descr="C:\Users\Pedro\Desktop\Z_DRIVE_Pedro\2 Music\1 Controllers\0_TSI_Traktor\ddj-sz\2 Working\v6.3.0 - DDJ-1000 TP3 - Initial release\Support files\DDJ-1000 - Deck.jpg"/>
+                  <p:cNvPicPr>
+                    <a:picLocks noChangeAspect="1" noChangeArrowheads="1"/>
+                  </p:cNvPicPr>
+                  <p:nvPr/>
+                </p:nvPicPr>
+                <p:blipFill rotWithShape="1">
+                  <a:blip r:embed="rId2" cstate="print">
+                    <a:extLst>
+                      <a:ext uri="{28A0092B-C50C-407E-A947-70E740481C1C}">
+                        <a14:useLocalDpi xmlns:a14="http://schemas.microsoft.com/office/drawing/2010/main" val="0"/>
+                      </a:ext>
+                    </a:extLst>
+                  </a:blip>
+                  <a:srcRect l="80449" t="803" r="2241" b="85260"/>
+                  <a:stretch/>
+                </p:blipFill>
+                <p:spPr bwMode="auto">
+                  <a:xfrm>
+                    <a:off x="3156663" y="708220"/>
+                    <a:ext cx="1537814" cy="1780032"/>
+                  </a:xfrm>
+                  <a:prstGeom prst="rect">
+                    <a:avLst/>
+                  </a:prstGeom>
+                  <a:noFill/>
+                  <a:extLst>
+                    <a:ext uri="{909E8E84-426E-40DD-AFC4-6F175D3DCCD1}">
+                      <a14:hiddenFill xmlns:a14="http://schemas.microsoft.com/office/drawing/2010/main">
+                        <a:solidFill>
+                          <a:srgbClr val="FFFFFF"/>
+                        </a:solidFill>
+                      </a14:hiddenFill>
+                    </a:ext>
+                  </a:extLst>
+                </p:spPr>
+              </p:pic>
+              <p:sp>
+                <p:nvSpPr>
+                  <p:cNvPr id="51" name="Line Callout 1 (Accent Bar) 50"/>
+                  <p:cNvSpPr/>
+                  <p:nvPr/>
+                </p:nvSpPr>
+                <p:spPr>
+                  <a:xfrm>
+                    <a:off x="4916177" y="1598235"/>
+                    <a:ext cx="2622944" cy="358900"/>
+                  </a:xfrm>
+                  <a:prstGeom prst="accentCallout1">
+                    <a:avLst>
+                      <a:gd name="adj1" fmla="val 55024"/>
+                      <a:gd name="adj2" fmla="val -4202"/>
+                      <a:gd name="adj3" fmla="val 155087"/>
+                      <a:gd name="adj4" fmla="val -48429"/>
+                    </a:avLst>
+                  </a:prstGeom>
+                  <a:noFill/>
+                  <a:ln>
+                    <a:solidFill>
+                      <a:schemeClr val="accent2"/>
+                    </a:solidFill>
+                  </a:ln>
+                </p:spPr>
+                <p:style>
+                  <a:lnRef idx="2">
+                    <a:schemeClr val="accent1">
+                      <a:shade val="50000"/>
+                    </a:schemeClr>
+                  </a:lnRef>
+                  <a:fillRef idx="1">
+                    <a:schemeClr val="accent1"/>
+                  </a:fillRef>
+                  <a:effectRef idx="0">
+                    <a:schemeClr val="accent1"/>
+                  </a:effectRef>
+                  <a:fontRef idx="minor">
+                    <a:schemeClr val="lt1"/>
+                  </a:fontRef>
+                </p:style>
+                <p:txBody>
+                  <a:bodyPr lIns="0" tIns="0" rIns="0" bIns="0" rtlCol="0" anchor="ctr"/>
+                  <a:lstStyle/>
+                  <a:p>
+                    <a:r>
+                      <a:rPr lang="en-US" sz="1200" dirty="0" smtClean="0">
+                        <a:solidFill>
+                          <a:schemeClr val="tx1"/>
+                        </a:solidFill>
+                      </a:rPr>
+                      <a:t>Load/Unload  </a:t>
+                    </a:r>
+                    <a:r>
+                      <a:rPr lang="en-US" sz="1200" dirty="0">
+                        <a:solidFill>
+                          <a:schemeClr val="tx1"/>
+                        </a:solidFill>
+                      </a:rPr>
+                      <a:t>Preview player</a:t>
+                    </a:r>
+                  </a:p>
+                </p:txBody>
+              </p:sp>
+              <p:sp>
+                <p:nvSpPr>
+                  <p:cNvPr id="57" name="Line Callout 1 (Accent Bar) 56"/>
+                  <p:cNvSpPr/>
+                  <p:nvPr/>
+                </p:nvSpPr>
+                <p:spPr>
+                  <a:xfrm>
+                    <a:off x="4916180" y="860292"/>
+                    <a:ext cx="2622941" cy="361715"/>
+                  </a:xfrm>
+                  <a:prstGeom prst="accentCallout1">
+                    <a:avLst>
+                      <a:gd name="adj1" fmla="val 70796"/>
+                      <a:gd name="adj2" fmla="val -4202"/>
+                      <a:gd name="adj3" fmla="val 122215"/>
+                      <a:gd name="adj4" fmla="val -25971"/>
+                    </a:avLst>
+                  </a:prstGeom>
+                  <a:noFill/>
+                  <a:ln>
+                    <a:solidFill>
+                      <a:schemeClr val="accent2"/>
+                    </a:solidFill>
+                  </a:ln>
+                </p:spPr>
+                <p:style>
+                  <a:lnRef idx="2">
+                    <a:schemeClr val="accent1">
+                      <a:shade val="50000"/>
+                    </a:schemeClr>
+                  </a:lnRef>
+                  <a:fillRef idx="1">
+                    <a:schemeClr val="accent1"/>
+                  </a:fillRef>
+                  <a:effectRef idx="0">
+                    <a:schemeClr val="accent1"/>
+                  </a:effectRef>
+                  <a:fontRef idx="minor">
+                    <a:schemeClr val="lt1"/>
+                  </a:fontRef>
+                </p:style>
+                <p:txBody>
+                  <a:bodyPr lIns="0" tIns="0" rIns="0" bIns="0" rtlCol="0" anchor="ctr"/>
+                  <a:lstStyle/>
+                  <a:p>
+                    <a:r>
+                      <a:rPr lang="en-US" sz="1200" dirty="0">
+                        <a:solidFill>
+                          <a:schemeClr val="tx1"/>
+                        </a:solidFill>
+                      </a:rPr>
+                      <a:t>Turn: </a:t>
+                    </a:r>
+                    <a:r>
+                      <a:rPr lang="en-US" sz="1200" dirty="0" smtClean="0">
+                        <a:solidFill>
+                          <a:schemeClr val="tx1"/>
+                        </a:solidFill>
+                      </a:rPr>
+                      <a:t>Seek Preview player</a:t>
+                    </a:r>
+                    <a:br>
+                      <a:rPr lang="en-US" sz="1200" dirty="0" smtClean="0">
+                        <a:solidFill>
+                          <a:schemeClr val="tx1"/>
+                        </a:solidFill>
+                      </a:rPr>
+                    </a:br>
+                    <a:r>
+                      <a:rPr lang="en-US" sz="1200" dirty="0" smtClean="0">
+                        <a:solidFill>
+                          <a:schemeClr val="tx1"/>
+                        </a:solidFill>
+                      </a:rPr>
+                      <a:t>Press</a:t>
+                    </a:r>
+                    <a:r>
+                      <a:rPr lang="en-US" sz="1200" dirty="0">
+                        <a:solidFill>
+                          <a:schemeClr val="tx1"/>
+                        </a:solidFill>
+                      </a:rPr>
+                      <a:t>: </a:t>
+                    </a:r>
+                  </a:p>
+                </p:txBody>
+              </p:sp>
+            </p:grpSp>
           </p:grpSp>
-        </p:grpSp>
-        <p:grpSp>
-          <p:nvGrpSpPr>
-            <p:cNvPr id="78" name="Group 77"/>
-            <p:cNvGrpSpPr/>
-            <p:nvPr/>
-          </p:nvGrpSpPr>
-          <p:grpSpPr>
-            <a:xfrm>
-              <a:off x="6634458" y="3905211"/>
-              <a:ext cx="2890543" cy="1780032"/>
-              <a:chOff x="3156663" y="708220"/>
-              <a:chExt cx="2890543" cy="1780032"/>
-            </a:xfrm>
-          </p:grpSpPr>
           <p:pic>
             <p:nvPicPr>
-              <p:cNvPr id="79" name="Picture 4" descr="C:\Users\Pedro\Desktop\Z_DRIVE_Pedro\2 Music\1 Controllers\0_TSI_Traktor\ddj-sz\2 Working\v6.3.0 - DDJ-1000 TP3 - Initial release\Support files\DDJ-1000 - Deck.jpg"/>
+              <p:cNvPr id="60" name="Picture 4" descr="C:\Users\Pedro\Desktop\Z_DRIVE_Pedro\2 Music\1 Controllers\0_TSI_Traktor\ddj-sz\2 Working\v6.3.0 - DDJ-1000 TP3 - Initial release\Support files\DDJ-1000 - Deck.jpg"/>
               <p:cNvPicPr>
                 <a:picLocks noChangeAspect="1" noChangeArrowheads="1"/>
               </p:cNvPicPr>
@@ -7814,13 +7700,13 @@
                   </a:ext>
                 </a:extLst>
               </a:blip>
-              <a:srcRect l="80449" t="803" r="2241" b="85260"/>
+              <a:srcRect l="80449" t="11256" r="10896" b="85260"/>
               <a:stretch/>
             </p:blipFill>
             <p:spPr bwMode="auto">
               <a:xfrm>
-                <a:off x="3156663" y="708220"/>
-                <a:ext cx="1537814" cy="1780032"/>
+                <a:off x="605404" y="4142679"/>
+                <a:ext cx="539042" cy="311959"/>
               </a:xfrm>
               <a:prstGeom prst="rect">
                 <a:avLst/>
@@ -7837,117 +7723,338 @@
               </a:extLst>
             </p:spPr>
           </p:pic>
+        </p:grpSp>
+        <p:grpSp>
+          <p:nvGrpSpPr>
+            <p:cNvPr id="7" name="Group 6"/>
+            <p:cNvGrpSpPr/>
+            <p:nvPr/>
+          </p:nvGrpSpPr>
+          <p:grpSpPr>
+            <a:xfrm>
+              <a:off x="2286000" y="5089625"/>
+              <a:ext cx="4118996" cy="1247891"/>
+              <a:chOff x="605404" y="5089625"/>
+              <a:chExt cx="4118996" cy="1247891"/>
+            </a:xfrm>
+          </p:grpSpPr>
           <p:sp>
             <p:nvSpPr>
-              <p:cNvPr id="80" name="Line Callout 1 (Accent Bar) 79"/>
-              <p:cNvSpPr/>
+              <p:cNvPr id="70" name="TextBox 69"/>
+              <p:cNvSpPr txBox="1"/>
               <p:nvPr/>
             </p:nvSpPr>
             <p:spPr>
               <a:xfrm>
-                <a:off x="4916180" y="860292"/>
-                <a:ext cx="1131026" cy="361714"/>
+                <a:off x="1169410" y="5443056"/>
+                <a:ext cx="279309" cy="401261"/>
               </a:xfrm>
-              <a:prstGeom prst="accentCallout1">
-                <a:avLst>
-                  <a:gd name="adj1" fmla="val 70796"/>
-                  <a:gd name="adj2" fmla="val -4202"/>
-                  <a:gd name="adj3" fmla="val 122215"/>
-                  <a:gd name="adj4" fmla="val -54008"/>
-                </a:avLst>
+              <a:prstGeom prst="rect">
+                <a:avLst/>
               </a:prstGeom>
               <a:noFill/>
-              <a:ln>
-                <a:solidFill>
-                  <a:schemeClr val="accent2"/>
-                </a:solidFill>
-              </a:ln>
             </p:spPr>
-            <p:style>
-              <a:lnRef idx="2">
-                <a:schemeClr val="accent1">
-                  <a:shade val="50000"/>
-                </a:schemeClr>
-              </a:lnRef>
-              <a:fillRef idx="1">
-                <a:schemeClr val="accent1"/>
-              </a:fillRef>
-              <a:effectRef idx="0">
-                <a:schemeClr val="accent1"/>
-              </a:effectRef>
-              <a:fontRef idx="minor">
-                <a:schemeClr val="lt1"/>
-              </a:fontRef>
-            </p:style>
             <p:txBody>
-              <a:bodyPr lIns="0" tIns="0" rIns="0" bIns="0" rtlCol="0" anchor="ctr"/>
+              <a:bodyPr wrap="none" rtlCol="0">
+                <a:spAutoFit/>
+              </a:bodyPr>
               <a:lstStyle/>
               <a:p>
                 <a:r>
-                  <a:rPr lang="en-US" sz="1200" dirty="0" smtClean="0">
-                    <a:solidFill>
-                      <a:schemeClr val="tx1"/>
-                    </a:solidFill>
-                  </a:rPr>
-                  <a:t>Press: Unload</a:t>
+                  <a:rPr lang="en-US" sz="2800" b="1" dirty="0"/>
+                  <a:t>+</a:t>
                 </a:r>
               </a:p>
             </p:txBody>
           </p:sp>
+          <p:grpSp>
+            <p:nvGrpSpPr>
+              <p:cNvPr id="73" name="Group 72"/>
+              <p:cNvGrpSpPr/>
+              <p:nvPr/>
+            </p:nvGrpSpPr>
+            <p:grpSpPr>
+              <a:xfrm>
+                <a:off x="1652079" y="5089625"/>
+                <a:ext cx="3072321" cy="1247891"/>
+                <a:chOff x="3156663" y="708220"/>
+                <a:chExt cx="4382458" cy="1780032"/>
+              </a:xfrm>
+            </p:grpSpPr>
+            <p:pic>
+              <p:nvPicPr>
+                <p:cNvPr id="74" name="Picture 4" descr="C:\Users\Pedro\Desktop\Z_DRIVE_Pedro\2 Music\1 Controllers\0_TSI_Traktor\ddj-sz\2 Working\v6.3.0 - DDJ-1000 TP3 - Initial release\Support files\DDJ-1000 - Deck.jpg"/>
+                <p:cNvPicPr>
+                  <a:picLocks noChangeAspect="1" noChangeArrowheads="1"/>
+                </p:cNvPicPr>
+                <p:nvPr/>
+              </p:nvPicPr>
+              <p:blipFill rotWithShape="1">
+                <a:blip r:embed="rId2" cstate="print">
+                  <a:extLst>
+                    <a:ext uri="{28A0092B-C50C-407E-A947-70E740481C1C}">
+                      <a14:useLocalDpi xmlns:a14="http://schemas.microsoft.com/office/drawing/2010/main" val="0"/>
+                    </a:ext>
+                  </a:extLst>
+                </a:blip>
+                <a:srcRect l="80449" t="803" r="2241" b="85260"/>
+                <a:stretch/>
+              </p:blipFill>
+              <p:spPr bwMode="auto">
+                <a:xfrm>
+                  <a:off x="3156663" y="708220"/>
+                  <a:ext cx="1537814" cy="1780032"/>
+                </a:xfrm>
+                <a:prstGeom prst="rect">
+                  <a:avLst/>
+                </a:prstGeom>
+                <a:noFill/>
+                <a:extLst>
+                  <a:ext uri="{909E8E84-426E-40DD-AFC4-6F175D3DCCD1}">
+                    <a14:hiddenFill xmlns:a14="http://schemas.microsoft.com/office/drawing/2010/main">
+                      <a:solidFill>
+                        <a:srgbClr val="FFFFFF"/>
+                      </a:solidFill>
+                    </a14:hiddenFill>
+                  </a:ext>
+                </a:extLst>
+              </p:spPr>
+            </p:pic>
+            <p:sp>
+              <p:nvSpPr>
+                <p:cNvPr id="81" name="Line Callout 1 (Accent Bar) 80"/>
+                <p:cNvSpPr/>
+                <p:nvPr/>
+              </p:nvSpPr>
+              <p:spPr>
+                <a:xfrm>
+                  <a:off x="4916180" y="860292"/>
+                  <a:ext cx="2622941" cy="361715"/>
+                </a:xfrm>
+                <a:prstGeom prst="accentCallout1">
+                  <a:avLst>
+                    <a:gd name="adj1" fmla="val 70796"/>
+                    <a:gd name="adj2" fmla="val -4202"/>
+                    <a:gd name="adj3" fmla="val 122215"/>
+                    <a:gd name="adj4" fmla="val -25971"/>
+                  </a:avLst>
+                </a:prstGeom>
+                <a:noFill/>
+                <a:ln>
+                  <a:solidFill>
+                    <a:schemeClr val="accent2"/>
+                  </a:solidFill>
+                </a:ln>
+              </p:spPr>
+              <p:style>
+                <a:lnRef idx="2">
+                  <a:schemeClr val="accent1">
+                    <a:shade val="50000"/>
+                  </a:schemeClr>
+                </a:lnRef>
+                <a:fillRef idx="1">
+                  <a:schemeClr val="accent1"/>
+                </a:fillRef>
+                <a:effectRef idx="0">
+                  <a:schemeClr val="accent1"/>
+                </a:effectRef>
+                <a:fontRef idx="minor">
+                  <a:schemeClr val="lt1"/>
+                </a:fontRef>
+              </p:style>
+              <p:txBody>
+                <a:bodyPr lIns="0" tIns="0" rIns="0" bIns="0" rtlCol="0" anchor="ctr"/>
+                <a:lstStyle/>
+                <a:p>
+                  <a:r>
+                    <a:rPr lang="en-US" sz="1200" dirty="0">
+                      <a:solidFill>
+                        <a:schemeClr val="tx1"/>
+                      </a:solidFill>
+                    </a:rPr>
+                    <a:t>Turn: Zoom deck</a:t>
+                  </a:r>
+                  <a:br>
+                    <a:rPr lang="en-US" sz="1200" dirty="0">
+                      <a:solidFill>
+                        <a:schemeClr val="tx1"/>
+                      </a:solidFill>
+                    </a:rPr>
+                  </a:br>
+                  <a:r>
+                    <a:rPr lang="en-US" sz="1200" dirty="0">
+                      <a:solidFill>
+                        <a:schemeClr val="tx1"/>
+                      </a:solidFill>
+                    </a:rPr>
+                    <a:t>Press: Zoom reset</a:t>
+                  </a:r>
+                </a:p>
+              </p:txBody>
+            </p:sp>
+          </p:grpSp>
+          <p:pic>
+            <p:nvPicPr>
+              <p:cNvPr id="82" name="Picture 4" descr="C:\Users\Pedro\Desktop\Z_DRIVE_Pedro\2 Music\1 Controllers\0_TSI_Traktor\ddj-sz\2 Working\v6.3.0 - DDJ-1000 TP3 - Initial release\Support files\DDJ-1000 - Deck.jpg"/>
+              <p:cNvPicPr>
+                <a:picLocks noChangeAspect="1" noChangeArrowheads="1"/>
+              </p:cNvPicPr>
+              <p:nvPr/>
+            </p:nvPicPr>
+            <p:blipFill rotWithShape="1">
+              <a:blip r:embed="rId2" cstate="print">
+                <a:extLst>
+                  <a:ext uri="{28A0092B-C50C-407E-A947-70E740481C1C}">
+                    <a14:useLocalDpi xmlns:a14="http://schemas.microsoft.com/office/drawing/2010/main" val="0"/>
+                  </a:ext>
+                </a:extLst>
+              </a:blip>
+              <a:srcRect l="5010" t="60707" r="86628" b="36329"/>
+              <a:stretch/>
+            </p:blipFill>
+            <p:spPr bwMode="auto">
+              <a:xfrm>
+                <a:off x="605404" y="5585819"/>
+                <a:ext cx="569618" cy="290165"/>
+              </a:xfrm>
+              <a:prstGeom prst="rect">
+                <a:avLst/>
+              </a:prstGeom>
+              <a:noFill/>
+              <a:extLst>
+                <a:ext uri="{909E8E84-426E-40DD-AFC4-6F175D3DCCD1}">
+                  <a14:hiddenFill xmlns:a14="http://schemas.microsoft.com/office/drawing/2010/main">
+                    <a:solidFill>
+                      <a:srgbClr val="FFFFFF"/>
+                    </a:solidFill>
+                  </a14:hiddenFill>
+                </a:ext>
+              </a:extLst>
+            </p:spPr>
+          </p:pic>
         </p:grpSp>
       </p:grpSp>
-      <p:cxnSp>
-        <p:nvCxnSpPr>
-          <p:cNvPr id="3" name="Straight Connector 2"/>
-          <p:cNvCxnSpPr/>
+      <p:sp>
+        <p:nvSpPr>
+          <p:cNvPr id="10" name="TextBox 9"/>
+          <p:cNvSpPr txBox="1"/>
           <p:nvPr/>
-        </p:nvCxnSpPr>
+        </p:nvSpPr>
         <p:spPr>
           <a:xfrm>
-            <a:off x="4495800" y="609600"/>
-            <a:ext cx="0" cy="5562600"/>
+            <a:off x="977356" y="1215062"/>
+            <a:ext cx="1296445" cy="369332"/>
           </a:xfrm>
-          <a:prstGeom prst="line">
+          <a:prstGeom prst="rect">
             <a:avLst/>
           </a:prstGeom>
-          <a:ln w="28575"/>
+          <a:noFill/>
         </p:spPr>
-        <p:style>
-          <a:lnRef idx="1">
-            <a:schemeClr val="accent1"/>
-          </a:lnRef>
-          <a:fillRef idx="0">
-            <a:schemeClr val="accent1"/>
-          </a:fillRef>
-          <a:effectRef idx="0">
-            <a:schemeClr val="accent1"/>
-          </a:effectRef>
-          <a:fontRef idx="minor">
-            <a:schemeClr val="tx1"/>
-          </a:fontRef>
-        </p:style>
-      </p:cxnSp>
+        <p:txBody>
+          <a:bodyPr wrap="none" rtlCol="0">
+            <a:spAutoFit/>
+          </a:bodyPr>
+          <a:lstStyle/>
+          <a:p>
+            <a:pPr algn="r"/>
+            <a:r>
+              <a:rPr lang="en-US" i="1" dirty="0" smtClean="0"/>
+              <a:t>(BROWSER)</a:t>
+            </a:r>
+            <a:endParaRPr lang="en-US" i="1" dirty="0"/>
+          </a:p>
+        </p:txBody>
+      </p:sp>
       <p:sp>
         <p:nvSpPr>
-          <p:cNvPr id="2" name="Slide Number Placeholder 1"/>
-          <p:cNvSpPr>
-            <a:spLocks noGrp="1"/>
-          </p:cNvSpPr>
-          <p:nvPr>
-            <p:ph type="sldNum" sz="quarter" idx="12"/>
-          </p:nvPr>
+          <p:cNvPr id="83" name="TextBox 82"/>
+          <p:cNvSpPr txBox="1"/>
+          <p:nvPr/>
         </p:nvSpPr>
-        <p:spPr/>
+        <p:spPr>
+          <a:xfrm>
+            <a:off x="456380" y="2646328"/>
+            <a:ext cx="1817421" cy="369332"/>
+          </a:xfrm>
+          <a:prstGeom prst="rect">
+            <a:avLst/>
+          </a:prstGeom>
+          <a:noFill/>
+        </p:spPr>
         <p:txBody>
-          <a:bodyPr/>
+          <a:bodyPr wrap="none" rtlCol="0">
+            <a:spAutoFit/>
+          </a:bodyPr>
           <a:lstStyle/>
           <a:p>
-            <a:fld id="{B6F15528-21DE-4FAA-801E-634DDDAF4B2B}" type="slidenum">
-              <a:rPr lang="en-US" smtClean="0"/>
-              <a:pPr/>
-              <a:t>12</a:t>
-            </a:fld>
-            <a:endParaRPr lang="en-US"/>
+            <a:pPr algn="r"/>
+            <a:r>
+              <a:rPr lang="en-US" i="1" dirty="0" smtClean="0"/>
+              <a:t>(BROWSER TREE)</a:t>
+            </a:r>
+            <a:endParaRPr lang="en-US" i="1" dirty="0"/>
+          </a:p>
+        </p:txBody>
+      </p:sp>
+      <p:sp>
+        <p:nvSpPr>
+          <p:cNvPr id="84" name="TextBox 83"/>
+          <p:cNvSpPr txBox="1"/>
+          <p:nvPr/>
+        </p:nvSpPr>
+        <p:spPr>
+          <a:xfrm>
+            <a:off x="304800" y="4082725"/>
+            <a:ext cx="1969001" cy="369332"/>
+          </a:xfrm>
+          <a:prstGeom prst="rect">
+            <a:avLst/>
+          </a:prstGeom>
+          <a:noFill/>
+        </p:spPr>
+        <p:txBody>
+          <a:bodyPr wrap="none" rtlCol="0">
+            <a:spAutoFit/>
+          </a:bodyPr>
+          <a:lstStyle/>
+          <a:p>
+            <a:pPr algn="r"/>
+            <a:r>
+              <a:rPr lang="en-US" i="1" dirty="0" smtClean="0"/>
+              <a:t>(PREVIEW PLAYER)</a:t>
+            </a:r>
+            <a:endParaRPr lang="en-US" i="1" dirty="0"/>
+          </a:p>
+        </p:txBody>
+      </p:sp>
+      <p:sp>
+        <p:nvSpPr>
+          <p:cNvPr id="85" name="TextBox 84"/>
+          <p:cNvSpPr txBox="1"/>
+          <p:nvPr/>
+        </p:nvSpPr>
+        <p:spPr>
+          <a:xfrm>
+            <a:off x="773647" y="5506652"/>
+            <a:ext cx="1500154" cy="369332"/>
+          </a:xfrm>
+          <a:prstGeom prst="rect">
+            <a:avLst/>
+          </a:prstGeom>
+          <a:noFill/>
+        </p:spPr>
+        <p:txBody>
+          <a:bodyPr wrap="none" rtlCol="0">
+            <a:spAutoFit/>
+          </a:bodyPr>
+          <a:lstStyle/>
+          <a:p>
+            <a:pPr algn="r"/>
+            <a:r>
+              <a:rPr lang="en-US" i="1" dirty="0" smtClean="0"/>
+              <a:t>(DECK ZOOM)</a:t>
+            </a:r>
+            <a:endParaRPr lang="en-US" i="1" dirty="0"/>
           </a:p>
         </p:txBody>
       </p:sp>
